--- a/03 Observer/Observer.pptx
+++ b/03 Observer/Observer.pptx
@@ -5,10 +5,10 @@
     <p:sldMasterId id="2147483648" r:id="rId1"/>
   </p:sldMasterIdLst>
   <p:notesMasterIdLst>
-    <p:notesMasterId r:id="rId20"/>
+    <p:notesMasterId r:id="rId21"/>
   </p:notesMasterIdLst>
   <p:handoutMasterIdLst>
-    <p:handoutMasterId r:id="rId21"/>
+    <p:handoutMasterId r:id="rId22"/>
   </p:handoutMasterIdLst>
   <p:sldIdLst>
     <p:sldId id="261" r:id="rId2"/>
@@ -19,16 +19,17 @@
     <p:sldId id="292" r:id="rId7"/>
     <p:sldId id="304" r:id="rId8"/>
     <p:sldId id="293" r:id="rId9"/>
-    <p:sldId id="297" r:id="rId10"/>
-    <p:sldId id="298" r:id="rId11"/>
-    <p:sldId id="305" r:id="rId12"/>
-    <p:sldId id="306" r:id="rId13"/>
-    <p:sldId id="299" r:id="rId14"/>
-    <p:sldId id="300" r:id="rId15"/>
-    <p:sldId id="296" r:id="rId16"/>
-    <p:sldId id="290" r:id="rId17"/>
-    <p:sldId id="289" r:id="rId18"/>
-    <p:sldId id="260" r:id="rId19"/>
+    <p:sldId id="307" r:id="rId10"/>
+    <p:sldId id="308" r:id="rId11"/>
+    <p:sldId id="297" r:id="rId12"/>
+    <p:sldId id="298" r:id="rId13"/>
+    <p:sldId id="305" r:id="rId14"/>
+    <p:sldId id="306" r:id="rId15"/>
+    <p:sldId id="299" r:id="rId16"/>
+    <p:sldId id="309" r:id="rId17"/>
+    <p:sldId id="290" r:id="rId18"/>
+    <p:sldId id="289" r:id="rId19"/>
+    <p:sldId id="260" r:id="rId20"/>
   </p:sldIdLst>
   <p:sldSz cx="12188825" cy="6858000"/>
   <p:notesSz cx="6858000" cy="9144000"/>
@@ -966,11 +967,11 @@
           <a:lstStyle/>
           <a:p>
             <a:r>
-              <a:rPr lang="da-DK" sz="1200" dirty="0" err="1" smtClean="0"/>
+              <a:rPr lang="da-DK" sz="1200" dirty="0" err="1"/>
               <a:t>Objectives</a:t>
             </a:r>
             <a:r>
-              <a:rPr lang="da-DK" sz="1200" dirty="0" smtClean="0"/>
+              <a:rPr lang="da-DK" sz="1200" dirty="0"/>
               <a:t>:</a:t>
             </a:r>
           </a:p>
@@ -980,11 +981,11 @@
               <a:buChar char="•"/>
             </a:pPr>
             <a:r>
-              <a:rPr lang="da-DK" sz="1200" dirty="0" smtClean="0"/>
+              <a:rPr lang="da-DK" sz="1200" dirty="0"/>
               <a:t>Understand</a:t>
             </a:r>
             <a:r>
-              <a:rPr lang="da-DK" sz="1200" baseline="0" dirty="0" smtClean="0"/>
+              <a:rPr lang="da-DK" sz="1200" baseline="0" dirty="0"/>
               <a:t> the observer design pattern.</a:t>
             </a:r>
           </a:p>
@@ -994,15 +995,15 @@
               <a:buChar char="•"/>
             </a:pPr>
             <a:r>
-              <a:rPr lang="da-DK" sz="1200" baseline="0" dirty="0" smtClean="0"/>
+              <a:rPr lang="da-DK" sz="1200" baseline="0" dirty="0"/>
               <a:t>Understand the push and </a:t>
             </a:r>
             <a:r>
-              <a:rPr lang="da-DK" sz="1200" baseline="0" dirty="0" err="1" smtClean="0"/>
+              <a:rPr lang="da-DK" sz="1200" baseline="0" dirty="0" err="1"/>
               <a:t>pull</a:t>
             </a:r>
             <a:r>
-              <a:rPr lang="da-DK" sz="1200" baseline="0" dirty="0" smtClean="0"/>
+              <a:rPr lang="da-DK" sz="1200" baseline="0" dirty="0"/>
               <a:t> variants of the pattern.</a:t>
             </a:r>
           </a:p>
@@ -1012,27 +1013,27 @@
               <a:buChar char="•"/>
             </a:pPr>
             <a:r>
-              <a:rPr lang="da-DK" sz="1200" baseline="0" dirty="0" err="1" smtClean="0"/>
+              <a:rPr lang="da-DK" sz="1200" baseline="0" dirty="0" err="1"/>
               <a:t>Relate</a:t>
             </a:r>
             <a:r>
-              <a:rPr lang="da-DK" sz="1200" baseline="0" dirty="0" smtClean="0"/>
+              <a:rPr lang="da-DK" sz="1200" baseline="0" dirty="0"/>
               <a:t> to the </a:t>
             </a:r>
             <a:r>
-              <a:rPr lang="da-DK" sz="1200" baseline="0" dirty="0" err="1" smtClean="0"/>
+              <a:rPr lang="da-DK" sz="1200" baseline="0" dirty="0" err="1"/>
               <a:t>dependency</a:t>
             </a:r>
             <a:r>
-              <a:rPr lang="da-DK" sz="1200" baseline="0" dirty="0" smtClean="0"/>
+              <a:rPr lang="da-DK" sz="1200" baseline="0" dirty="0"/>
               <a:t> inversion </a:t>
             </a:r>
             <a:r>
-              <a:rPr lang="da-DK" sz="1200" baseline="0" dirty="0" err="1" smtClean="0"/>
+              <a:rPr lang="da-DK" sz="1200" baseline="0" dirty="0" err="1"/>
               <a:t>principle</a:t>
             </a:r>
             <a:r>
-              <a:rPr lang="da-DK" sz="1200" baseline="0" dirty="0" smtClean="0"/>
+              <a:rPr lang="da-DK" sz="1200" baseline="0" dirty="0"/>
               <a:t>.</a:t>
             </a:r>
           </a:p>
@@ -1042,15 +1043,15 @@
               <a:buChar char="•"/>
             </a:pPr>
             <a:r>
-              <a:rPr lang="da-DK" sz="1200" baseline="0" dirty="0" smtClean="0"/>
+              <a:rPr lang="da-DK" sz="1200" baseline="0" dirty="0"/>
               <a:t>Understand C# </a:t>
             </a:r>
             <a:r>
-              <a:rPr lang="da-DK" sz="1200" baseline="0" dirty="0" err="1" smtClean="0"/>
+              <a:rPr lang="da-DK" sz="1200" baseline="0" dirty="0" err="1"/>
               <a:t>delegates</a:t>
             </a:r>
             <a:r>
-              <a:rPr lang="da-DK" sz="1200" baseline="0" dirty="0" smtClean="0"/>
+              <a:rPr lang="da-DK" sz="1200" baseline="0" dirty="0"/>
               <a:t> and events.</a:t>
             </a:r>
           </a:p>
@@ -1119,6 +1120,96 @@
       </p:grpSpPr>
       <p:sp>
         <p:nvSpPr>
+          <p:cNvPr id="2" name="Slide Image Placeholder 1"/>
+          <p:cNvSpPr>
+            <a:spLocks noGrp="1" noRot="1" noChangeAspect="1"/>
+          </p:cNvSpPr>
+          <p:nvPr>
+            <p:ph type="sldImg"/>
+          </p:nvPr>
+        </p:nvSpPr>
+        <p:spPr>
+          <a:xfrm>
+            <a:off x="381000" y="685800"/>
+            <a:ext cx="6096000" cy="3429000"/>
+          </a:xfrm>
+        </p:spPr>
+      </p:sp>
+      <p:sp>
+        <p:nvSpPr>
+          <p:cNvPr id="3" name="Notes Placeholder 2"/>
+          <p:cNvSpPr>
+            <a:spLocks noGrp="1"/>
+          </p:cNvSpPr>
+          <p:nvPr>
+            <p:ph type="body" idx="1"/>
+          </p:nvPr>
+        </p:nvSpPr>
+        <p:spPr/>
+        <p:txBody>
+          <a:bodyPr/>
+          <a:lstStyle/>
+          <a:p>
+            <a:endParaRPr lang="en-DK" dirty="0"/>
+          </a:p>
+        </p:txBody>
+      </p:sp>
+      <p:sp>
+        <p:nvSpPr>
+          <p:cNvPr id="4" name="Slide Number Placeholder 3"/>
+          <p:cNvSpPr>
+            <a:spLocks noGrp="1"/>
+          </p:cNvSpPr>
+          <p:nvPr>
+            <p:ph type="sldNum" sz="quarter" idx="5"/>
+          </p:nvPr>
+        </p:nvSpPr>
+        <p:spPr/>
+        <p:txBody>
+          <a:bodyPr/>
+          <a:lstStyle/>
+          <a:p>
+            <a:pPr lvl="0"/>
+            <a:fld id="{6A88990C-7878-4B31-B845-CCB193F9ECCD}" type="slidenum">
+              <a:rPr lang="en-DK" smtClean="0"/>
+              <a:t>16</a:t>
+            </a:fld>
+            <a:endParaRPr lang="en-DK"/>
+          </a:p>
+        </p:txBody>
+      </p:sp>
+    </p:spTree>
+    <p:extLst>
+      <p:ext uri="{BB962C8B-B14F-4D97-AF65-F5344CB8AC3E}">
+        <p14:creationId xmlns:p14="http://schemas.microsoft.com/office/powerpoint/2010/main" val="3273066415"/>
+      </p:ext>
+    </p:extLst>
+  </p:cSld>
+  <p:clrMapOvr>
+    <a:masterClrMapping/>
+  </p:clrMapOvr>
+</p:notes>
+</file>
+
+<file path=ppt/notesSlides/notesSlide11.xml><?xml version="1.0" encoding="utf-8"?>
+<p:notes xmlns:a="http://schemas.openxmlformats.org/drawingml/2006/main" xmlns:r="http://schemas.openxmlformats.org/officeDocument/2006/relationships" xmlns:p="http://schemas.openxmlformats.org/presentationml/2006/main">
+  <p:cSld>
+    <p:spTree>
+      <p:nvGrpSpPr>
+        <p:cNvPr id="1" name=""/>
+        <p:cNvGrpSpPr/>
+        <p:nvPr/>
+      </p:nvGrpSpPr>
+      <p:grpSpPr>
+        <a:xfrm>
+          <a:off x="0" y="0"/>
+          <a:ext cx="0" cy="0"/>
+          <a:chOff x="0" y="0"/>
+          <a:chExt cx="0" cy="0"/>
+        </a:xfrm>
+      </p:grpSpPr>
+      <p:sp>
+        <p:nvSpPr>
           <p:cNvPr id="2" name="Pladsholder til slidebillede 1"/>
           <p:cNvSpPr>
             <a:spLocks noGrp="1" noRot="1" noChangeAspect="1"/>
@@ -1198,7 +1289,7 @@
               </a:defRPr>
             </a:pPr>
             <a:fld id="{68F0F246-11C1-4061-A91B-3A4991DCCE6C}" type="slidenum">
-              <a:t>18</a:t>
+              <a:t>19</a:t>
             </a:fld>
             <a:endParaRPr lang="en-GB" sz="1200" b="0" i="0" u="none" strike="noStrike" kern="1200" cap="none" spc="0" baseline="0">
               <a:solidFill>
@@ -1340,7 +1431,12 @@
             <p:ph type="sldImg"/>
           </p:nvPr>
         </p:nvSpPr>
-        <p:spPr/>
+        <p:spPr>
+          <a:xfrm>
+            <a:off x="381000" y="685800"/>
+            <a:ext cx="6096000" cy="3429000"/>
+          </a:xfrm>
+        </p:spPr>
       </p:sp>
       <p:sp>
         <p:nvSpPr>
@@ -1358,47 +1454,47 @@
           <a:lstStyle/>
           <a:p>
             <a:r>
-              <a:rPr lang="da-DK" dirty="0" err="1" smtClean="0"/>
+              <a:rPr lang="da-DK" dirty="0" err="1"/>
               <a:t>There</a:t>
             </a:r>
             <a:r>
-              <a:rPr lang="da-DK" dirty="0" smtClean="0"/>
+              <a:rPr lang="da-DK" dirty="0"/>
               <a:t> is </a:t>
             </a:r>
             <a:r>
-              <a:rPr lang="da-DK" dirty="0" err="1" smtClean="0"/>
+              <a:rPr lang="da-DK" dirty="0" err="1"/>
               <a:t>very</a:t>
             </a:r>
             <a:r>
-              <a:rPr lang="da-DK" dirty="0" smtClean="0"/>
+              <a:rPr lang="da-DK" dirty="0"/>
               <a:t> high </a:t>
             </a:r>
             <a:r>
-              <a:rPr lang="da-DK" dirty="0" err="1" smtClean="0"/>
+              <a:rPr lang="da-DK" dirty="0" err="1"/>
               <a:t>coupling</a:t>
             </a:r>
             <a:r>
-              <a:rPr lang="da-DK" dirty="0" smtClean="0"/>
+              <a:rPr lang="da-DK" dirty="0"/>
               <a:t> </a:t>
             </a:r>
             <a:r>
-              <a:rPr lang="da-DK" dirty="0" err="1" smtClean="0"/>
+              <a:rPr lang="da-DK" dirty="0" err="1"/>
               <a:t>between</a:t>
             </a:r>
             <a:r>
-              <a:rPr lang="da-DK" dirty="0" smtClean="0"/>
+              <a:rPr lang="da-DK" dirty="0"/>
               <a:t> producer</a:t>
             </a:r>
             <a:r>
-              <a:rPr lang="da-DK" baseline="0" dirty="0" smtClean="0"/>
+              <a:rPr lang="da-DK" baseline="0" dirty="0"/>
               <a:t> and </a:t>
             </a:r>
             <a:r>
-              <a:rPr lang="da-DK" baseline="0" dirty="0" err="1" smtClean="0"/>
+              <a:rPr lang="da-DK" baseline="0" dirty="0" err="1"/>
               <a:t>consumer</a:t>
             </a:r>
             <a:r>
-              <a:rPr lang="da-DK" baseline="0" dirty="0" smtClean="0"/>
+              <a:rPr lang="da-DK" baseline="0" dirty="0"/>
               <a:t>.</a:t>
             </a:r>
           </a:p>
@@ -1508,74 +1604,74 @@
               <a:defRPr/>
             </a:pPr>
             <a:r>
-              <a:rPr lang="da-DK" baseline="0" dirty="0" err="1" smtClean="0"/>
+              <a:rPr lang="da-DK" baseline="0" dirty="0" err="1"/>
               <a:t>Typically</a:t>
             </a:r>
             <a:r>
-              <a:rPr lang="da-DK" baseline="0" dirty="0" smtClean="0"/>
+              <a:rPr lang="da-DK" baseline="0" dirty="0"/>
               <a:t>, the </a:t>
             </a:r>
             <a:r>
-              <a:rPr lang="da-DK" baseline="0" dirty="0" err="1" smtClean="0"/>
+              <a:rPr lang="da-DK" baseline="0" dirty="0" err="1"/>
               <a:t>provider</a:t>
             </a:r>
             <a:r>
-              <a:rPr lang="da-DK" baseline="0" dirty="0" smtClean="0"/>
+              <a:rPr lang="da-DK" baseline="0" dirty="0"/>
               <a:t> holds data, </a:t>
             </a:r>
             <a:r>
-              <a:rPr lang="da-DK" baseline="0" dirty="0" err="1" smtClean="0"/>
+              <a:rPr lang="da-DK" baseline="0" dirty="0" err="1"/>
               <a:t>which</a:t>
             </a:r>
             <a:r>
-              <a:rPr lang="da-DK" baseline="0" dirty="0" smtClean="0"/>
+              <a:rPr lang="da-DK" baseline="0" dirty="0"/>
               <a:t> is </a:t>
             </a:r>
             <a:r>
-              <a:rPr lang="da-DK" baseline="0" dirty="0" err="1" smtClean="0"/>
+              <a:rPr lang="da-DK" baseline="0" dirty="0" err="1"/>
               <a:t>interesting</a:t>
             </a:r>
             <a:r>
-              <a:rPr lang="da-DK" baseline="0" dirty="0" smtClean="0"/>
+              <a:rPr lang="da-DK" baseline="0" dirty="0"/>
               <a:t> for multiple </a:t>
             </a:r>
             <a:r>
-              <a:rPr lang="da-DK" baseline="0" dirty="0" err="1" smtClean="0"/>
+              <a:rPr lang="da-DK" baseline="0" dirty="0" err="1"/>
               <a:t>consumers</a:t>
             </a:r>
             <a:r>
-              <a:rPr lang="da-DK" baseline="0" dirty="0" smtClean="0"/>
+              <a:rPr lang="da-DK" baseline="0" dirty="0"/>
               <a:t>.</a:t>
             </a:r>
-            <a:endParaRPr lang="da-DK" dirty="0" smtClean="0"/>
-          </a:p>
-          <a:p>
-            <a:r>
-              <a:rPr lang="da-DK" dirty="0" smtClean="0"/>
+            <a:endParaRPr lang="da-DK" dirty="0"/>
+          </a:p>
+          <a:p>
+            <a:r>
+              <a:rPr lang="da-DK" dirty="0"/>
               <a:t>TODO: Find a </a:t>
             </a:r>
             <a:r>
-              <a:rPr lang="da-DK" dirty="0" err="1" smtClean="0"/>
+              <a:rPr lang="da-DK" dirty="0" err="1"/>
               <a:t>better</a:t>
             </a:r>
             <a:r>
-              <a:rPr lang="da-DK" dirty="0" smtClean="0"/>
+              <a:rPr lang="da-DK" dirty="0"/>
               <a:t> </a:t>
             </a:r>
             <a:r>
-              <a:rPr lang="da-DK" dirty="0" err="1" smtClean="0"/>
+              <a:rPr lang="da-DK" dirty="0" err="1"/>
               <a:t>looking</a:t>
             </a:r>
             <a:r>
-              <a:rPr lang="da-DK" baseline="0" dirty="0" smtClean="0"/>
+              <a:rPr lang="da-DK" baseline="0" dirty="0"/>
               <a:t> </a:t>
             </a:r>
             <a:r>
-              <a:rPr lang="da-DK" baseline="0" dirty="0" err="1" smtClean="0"/>
+              <a:rPr lang="da-DK" baseline="0" dirty="0" err="1"/>
               <a:t>example</a:t>
             </a:r>
             <a:r>
-              <a:rPr lang="da-DK" baseline="0" dirty="0" smtClean="0"/>
+              <a:rPr lang="da-DK" baseline="0" dirty="0"/>
               <a:t>.</a:t>
             </a:r>
             <a:endParaRPr lang="da-DK" dirty="0"/>
@@ -1736,7 +1832,12 @@
             <p:ph type="sldImg"/>
           </p:nvPr>
         </p:nvSpPr>
-        <p:spPr/>
+        <p:spPr>
+          <a:xfrm>
+            <a:off x="381000" y="685800"/>
+            <a:ext cx="6096000" cy="3429000"/>
+          </a:xfrm>
+        </p:spPr>
       </p:sp>
       <p:sp>
         <p:nvSpPr>
@@ -1754,27 +1855,27 @@
           <a:lstStyle/>
           <a:p>
             <a:r>
-              <a:rPr lang="da-DK" dirty="0" err="1" smtClean="0"/>
+              <a:rPr lang="da-DK" dirty="0" err="1"/>
               <a:t>What</a:t>
             </a:r>
             <a:r>
-              <a:rPr lang="da-DK" dirty="0" smtClean="0"/>
+              <a:rPr lang="da-DK" dirty="0"/>
               <a:t> is the </a:t>
             </a:r>
             <a:r>
-              <a:rPr lang="da-DK" dirty="0" err="1" smtClean="0"/>
+              <a:rPr lang="da-DK" dirty="0" err="1"/>
               <a:t>responsibility</a:t>
             </a:r>
             <a:r>
-              <a:rPr lang="da-DK" baseline="0" dirty="0" smtClean="0"/>
+              <a:rPr lang="da-DK" baseline="0" dirty="0"/>
               <a:t> of the abstract </a:t>
             </a:r>
             <a:r>
-              <a:rPr lang="da-DK" i="1" baseline="0" dirty="0" err="1" smtClean="0"/>
+              <a:rPr lang="da-DK" i="1" baseline="0" dirty="0" err="1"/>
               <a:t>Subject</a:t>
             </a:r>
             <a:r>
-              <a:rPr lang="da-DK" baseline="0" dirty="0" smtClean="0"/>
+              <a:rPr lang="da-DK" baseline="0" dirty="0"/>
               <a:t> class?</a:t>
             </a:r>
             <a:endParaRPr lang="da-DK" dirty="0"/>
@@ -1845,7 +1946,12 @@
             <p:ph type="sldImg"/>
           </p:nvPr>
         </p:nvSpPr>
-        <p:spPr/>
+        <p:spPr>
+          <a:xfrm>
+            <a:off x="381000" y="685800"/>
+            <a:ext cx="6096000" cy="3429000"/>
+          </a:xfrm>
+        </p:spPr>
       </p:sp>
       <p:sp>
         <p:nvSpPr>
@@ -1863,137 +1969,137 @@
           <a:lstStyle/>
           <a:p>
             <a:r>
-              <a:rPr lang="da-DK" dirty="0" smtClean="0"/>
+              <a:rPr lang="da-DK" dirty="0"/>
               <a:t>Note</a:t>
             </a:r>
             <a:r>
-              <a:rPr lang="da-DK" baseline="0" dirty="0" smtClean="0"/>
+              <a:rPr lang="da-DK" baseline="0" dirty="0"/>
               <a:t> </a:t>
             </a:r>
             <a:r>
-              <a:rPr lang="da-DK" baseline="0" dirty="0" err="1" smtClean="0"/>
+              <a:rPr lang="da-DK" baseline="0" dirty="0" err="1"/>
               <a:t>that</a:t>
             </a:r>
             <a:r>
-              <a:rPr lang="da-DK" baseline="0" dirty="0" smtClean="0"/>
+              <a:rPr lang="da-DK" baseline="0" dirty="0"/>
               <a:t> the </a:t>
             </a:r>
             <a:r>
-              <a:rPr lang="da-DK" baseline="0" dirty="0" err="1" smtClean="0"/>
+              <a:rPr lang="da-DK" baseline="0" dirty="0" err="1"/>
               <a:t>concrete</a:t>
             </a:r>
             <a:r>
-              <a:rPr lang="da-DK" baseline="0" dirty="0" smtClean="0"/>
+              <a:rPr lang="da-DK" baseline="0" dirty="0"/>
               <a:t> observer </a:t>
             </a:r>
             <a:r>
-              <a:rPr lang="da-DK" baseline="0" dirty="0" err="1" smtClean="0"/>
+              <a:rPr lang="da-DK" baseline="0" dirty="0" err="1"/>
               <a:t>knows</a:t>
             </a:r>
             <a:r>
-              <a:rPr lang="da-DK" baseline="0" dirty="0" smtClean="0"/>
+              <a:rPr lang="da-DK" baseline="0" dirty="0"/>
               <a:t> the </a:t>
             </a:r>
             <a:r>
-              <a:rPr lang="da-DK" baseline="0" dirty="0" err="1" smtClean="0"/>
+              <a:rPr lang="da-DK" baseline="0" dirty="0" err="1"/>
               <a:t>concrete</a:t>
             </a:r>
             <a:r>
-              <a:rPr lang="da-DK" baseline="0" dirty="0" smtClean="0"/>
+              <a:rPr lang="da-DK" baseline="0" dirty="0"/>
               <a:t> </a:t>
             </a:r>
             <a:r>
-              <a:rPr lang="da-DK" baseline="0" dirty="0" err="1" smtClean="0"/>
+              <a:rPr lang="da-DK" baseline="0" dirty="0" err="1"/>
               <a:t>subject</a:t>
             </a:r>
             <a:r>
-              <a:rPr lang="da-DK" baseline="0" dirty="0" smtClean="0"/>
+              <a:rPr lang="da-DK" baseline="0" dirty="0"/>
               <a:t>, in </a:t>
             </a:r>
             <a:r>
-              <a:rPr lang="da-DK" baseline="0" dirty="0" err="1" smtClean="0"/>
+              <a:rPr lang="da-DK" baseline="0" dirty="0" err="1"/>
               <a:t>order</a:t>
             </a:r>
             <a:r>
-              <a:rPr lang="da-DK" baseline="0" dirty="0" smtClean="0"/>
+              <a:rPr lang="da-DK" baseline="0" dirty="0"/>
               <a:t> to </a:t>
             </a:r>
             <a:r>
-              <a:rPr lang="da-DK" baseline="0" dirty="0" err="1" smtClean="0"/>
+              <a:rPr lang="da-DK" baseline="0" dirty="0" err="1"/>
               <a:t>subscribe</a:t>
             </a:r>
             <a:r>
-              <a:rPr lang="da-DK" baseline="0" dirty="0" smtClean="0"/>
+              <a:rPr lang="da-DK" baseline="0" dirty="0"/>
               <a:t> to it.</a:t>
             </a:r>
           </a:p>
           <a:p>
             <a:r>
-              <a:rPr lang="da-DK" baseline="0" dirty="0" smtClean="0"/>
+              <a:rPr lang="da-DK" baseline="0" dirty="0"/>
               <a:t>The </a:t>
             </a:r>
             <a:r>
-              <a:rPr lang="da-DK" baseline="0" dirty="0" err="1" smtClean="0"/>
+              <a:rPr lang="da-DK" baseline="0" dirty="0" err="1"/>
               <a:t>subject</a:t>
             </a:r>
             <a:r>
-              <a:rPr lang="da-DK" baseline="0" dirty="0" smtClean="0"/>
+              <a:rPr lang="da-DK" baseline="0" dirty="0"/>
               <a:t> </a:t>
             </a:r>
             <a:r>
-              <a:rPr lang="da-DK" baseline="0" dirty="0" err="1" smtClean="0"/>
+              <a:rPr lang="da-DK" baseline="0" dirty="0" err="1"/>
               <a:t>does</a:t>
             </a:r>
             <a:r>
-              <a:rPr lang="da-DK" baseline="0" dirty="0" smtClean="0"/>
+              <a:rPr lang="da-DK" baseline="0" dirty="0"/>
               <a:t> not </a:t>
             </a:r>
             <a:r>
-              <a:rPr lang="da-DK" baseline="0" dirty="0" err="1" smtClean="0"/>
+              <a:rPr lang="da-DK" baseline="0" dirty="0" err="1"/>
               <a:t>know</a:t>
             </a:r>
             <a:r>
-              <a:rPr lang="da-DK" baseline="0" dirty="0" smtClean="0"/>
+              <a:rPr lang="da-DK" baseline="0" dirty="0"/>
               <a:t> the type of the class </a:t>
             </a:r>
             <a:r>
-              <a:rPr lang="da-DK" baseline="0" dirty="0" err="1" smtClean="0"/>
+              <a:rPr lang="da-DK" baseline="0" dirty="0" err="1"/>
               <a:t>subscribing</a:t>
             </a:r>
             <a:r>
-              <a:rPr lang="da-DK" baseline="0" dirty="0" smtClean="0"/>
+              <a:rPr lang="da-DK" baseline="0" dirty="0"/>
               <a:t> to it, </a:t>
             </a:r>
             <a:r>
-              <a:rPr lang="da-DK" baseline="0" dirty="0" err="1" smtClean="0"/>
+              <a:rPr lang="da-DK" baseline="0" dirty="0" err="1"/>
               <a:t>only</a:t>
             </a:r>
             <a:r>
-              <a:rPr lang="da-DK" baseline="0" dirty="0" smtClean="0"/>
+              <a:rPr lang="da-DK" baseline="0" dirty="0"/>
               <a:t> </a:t>
             </a:r>
             <a:r>
-              <a:rPr lang="da-DK" baseline="0" dirty="0" err="1" smtClean="0"/>
+              <a:rPr lang="da-DK" baseline="0" dirty="0" err="1"/>
               <a:t>that</a:t>
             </a:r>
             <a:r>
-              <a:rPr lang="da-DK" baseline="0" dirty="0" smtClean="0"/>
+              <a:rPr lang="da-DK" baseline="0" dirty="0"/>
               <a:t> </a:t>
             </a:r>
             <a:r>
-              <a:rPr lang="da-DK" baseline="0" dirty="0" err="1" smtClean="0"/>
+              <a:rPr lang="da-DK" baseline="0" dirty="0" err="1"/>
               <a:t>they</a:t>
             </a:r>
             <a:r>
-              <a:rPr lang="da-DK" baseline="0" dirty="0" smtClean="0"/>
+              <a:rPr lang="da-DK" baseline="0" dirty="0"/>
               <a:t> </a:t>
             </a:r>
             <a:r>
-              <a:rPr lang="da-DK" baseline="0" dirty="0" err="1" smtClean="0"/>
+              <a:rPr lang="da-DK" baseline="0" dirty="0" err="1"/>
               <a:t>implement</a:t>
             </a:r>
             <a:r>
-              <a:rPr lang="da-DK" baseline="0" dirty="0" smtClean="0"/>
+              <a:rPr lang="da-DK" baseline="0" dirty="0"/>
               <a:t> the Observer interface.</a:t>
             </a:r>
             <a:endParaRPr lang="da-DK" dirty="0"/>
@@ -2087,87 +2193,87 @@
           <a:lstStyle/>
           <a:p>
             <a:r>
-              <a:rPr lang="da-DK" dirty="0" smtClean="0"/>
+              <a:rPr lang="da-DK" dirty="0"/>
               <a:t>TODO: </a:t>
             </a:r>
             <a:r>
-              <a:rPr lang="da-DK" dirty="0" err="1" smtClean="0"/>
+              <a:rPr lang="da-DK" dirty="0" err="1"/>
               <a:t>Shall</a:t>
             </a:r>
             <a:r>
-              <a:rPr lang="da-DK" dirty="0" smtClean="0"/>
+              <a:rPr lang="da-DK" dirty="0"/>
               <a:t> </a:t>
             </a:r>
             <a:r>
-              <a:rPr lang="da-DK" dirty="0" err="1" smtClean="0"/>
+              <a:rPr lang="da-DK" dirty="0" err="1"/>
               <a:t>we</a:t>
             </a:r>
             <a:r>
-              <a:rPr lang="da-DK" baseline="0" dirty="0" smtClean="0"/>
+              <a:rPr lang="da-DK" baseline="0" dirty="0"/>
               <a:t> </a:t>
             </a:r>
             <a:r>
-              <a:rPr lang="da-DK" baseline="0" dirty="0" err="1" smtClean="0"/>
+              <a:rPr lang="da-DK" baseline="0" dirty="0" err="1"/>
               <a:t>include</a:t>
             </a:r>
             <a:r>
-              <a:rPr lang="da-DK" baseline="0" dirty="0" smtClean="0"/>
+              <a:rPr lang="da-DK" baseline="0" dirty="0"/>
               <a:t> the variant, </a:t>
             </a:r>
             <a:r>
-              <a:rPr lang="da-DK" baseline="0" dirty="0" err="1" smtClean="0"/>
+              <a:rPr lang="da-DK" baseline="0" dirty="0" err="1"/>
               <a:t>where</a:t>
             </a:r>
             <a:r>
-              <a:rPr lang="da-DK" baseline="0" dirty="0" smtClean="0"/>
+              <a:rPr lang="da-DK" baseline="0" dirty="0"/>
               <a:t> the same observer </a:t>
             </a:r>
             <a:r>
-              <a:rPr lang="da-DK" baseline="0" dirty="0" err="1" smtClean="0"/>
+              <a:rPr lang="da-DK" baseline="0" dirty="0" err="1"/>
               <a:t>can</a:t>
             </a:r>
             <a:r>
-              <a:rPr lang="da-DK" baseline="0" dirty="0" smtClean="0"/>
+              <a:rPr lang="da-DK" baseline="0" dirty="0"/>
               <a:t> </a:t>
             </a:r>
             <a:r>
-              <a:rPr lang="da-DK" baseline="0" dirty="0" err="1" smtClean="0"/>
+              <a:rPr lang="da-DK" baseline="0" dirty="0" err="1"/>
               <a:t>be</a:t>
             </a:r>
             <a:r>
-              <a:rPr lang="da-DK" baseline="0" dirty="0" smtClean="0"/>
+              <a:rPr lang="da-DK" baseline="0" dirty="0"/>
               <a:t> </a:t>
             </a:r>
             <a:r>
-              <a:rPr lang="da-DK" baseline="0" dirty="0" err="1" smtClean="0"/>
+              <a:rPr lang="da-DK" baseline="0" dirty="0" err="1"/>
               <a:t>notified</a:t>
             </a:r>
             <a:r>
-              <a:rPr lang="da-DK" baseline="0" dirty="0" smtClean="0"/>
+              <a:rPr lang="da-DK" baseline="0" dirty="0"/>
               <a:t> by </a:t>
             </a:r>
             <a:r>
-              <a:rPr lang="da-DK" baseline="0" dirty="0" err="1" smtClean="0"/>
+              <a:rPr lang="da-DK" baseline="0" dirty="0" err="1"/>
               <a:t>many</a:t>
             </a:r>
             <a:r>
-              <a:rPr lang="da-DK" baseline="0" dirty="0" smtClean="0"/>
+              <a:rPr lang="da-DK" baseline="0" dirty="0"/>
               <a:t> </a:t>
             </a:r>
             <a:r>
-              <a:rPr lang="da-DK" baseline="0" dirty="0" err="1" smtClean="0"/>
+              <a:rPr lang="da-DK" baseline="0" dirty="0" err="1"/>
               <a:t>different</a:t>
             </a:r>
             <a:r>
-              <a:rPr lang="da-DK" baseline="0" dirty="0" smtClean="0"/>
+              <a:rPr lang="da-DK" baseline="0" dirty="0"/>
               <a:t> </a:t>
             </a:r>
             <a:r>
-              <a:rPr lang="da-DK" baseline="0" dirty="0" err="1" smtClean="0"/>
+              <a:rPr lang="da-DK" baseline="0" dirty="0" err="1"/>
               <a:t>observables</a:t>
             </a:r>
             <a:r>
-              <a:rPr lang="da-DK" baseline="0" dirty="0" smtClean="0"/>
+              <a:rPr lang="da-DK" baseline="0" dirty="0"/>
               <a:t>?</a:t>
             </a:r>
             <a:endParaRPr lang="da-DK" dirty="0"/>
@@ -2192,7 +2298,7 @@
             <a:pPr lvl="0"/>
             <a:fld id="{6A88990C-7878-4B31-B845-CCB193F9ECCD}" type="slidenum">
               <a:rPr lang="da-DK" smtClean="0"/>
-              <a:t>9</a:t>
+              <a:t>11</a:t>
             </a:fld>
             <a:endParaRPr lang="da-DK"/>
           </a:p>
@@ -2238,7 +2344,12 @@
             <p:ph type="sldImg"/>
           </p:nvPr>
         </p:nvSpPr>
-        <p:spPr/>
+        <p:spPr>
+          <a:xfrm>
+            <a:off x="381000" y="685800"/>
+            <a:ext cx="6096000" cy="3429000"/>
+          </a:xfrm>
+        </p:spPr>
       </p:sp>
       <p:sp>
         <p:nvSpPr>
@@ -2255,7 +2366,10 @@
           <a:bodyPr/>
           <a:lstStyle/>
           <a:p>
-            <a:endParaRPr lang="da-DK" dirty="0"/>
+            <a:r>
+              <a:rPr lang="da-DK" dirty="0"/>
+              <a:t>Får de i SW4SWD</a:t>
+            </a:r>
           </a:p>
         </p:txBody>
       </p:sp>
@@ -2277,7 +2391,7 @@
             <a:pPr lvl="0"/>
             <a:fld id="{6A88990C-7878-4B31-B845-CCB193F9ECCD}" type="slidenum">
               <a:rPr lang="da-DK" smtClean="0"/>
-              <a:t>12</a:t>
+              <a:t>14</a:t>
             </a:fld>
             <a:endParaRPr lang="da-DK"/>
           </a:p>
@@ -2762,14 +2876,6 @@
   <p:clrMapOvr>
     <a:masterClrMapping/>
   </p:clrMapOvr>
-  <mc:AlternateContent xmlns:mc="http://schemas.openxmlformats.org/markup-compatibility/2006" xmlns:p14="http://schemas.microsoft.com/office/powerpoint/2010/main">
-    <mc:Choice Requires="p14">
-      <p:transition spd="slow" p14:dur="2000"/>
-    </mc:Choice>
-    <mc:Fallback xmlns="">
-      <p:transition spd="slow"/>
-    </mc:Fallback>
-  </mc:AlternateContent>
   <p:hf sldNum="0" hdr="0" ftr="0" dt="0"/>
 </p:sldLayout>
 </file>
@@ -2934,14 +3040,6 @@
   <p:clrMapOvr>
     <a:masterClrMapping/>
   </p:clrMapOvr>
-  <mc:AlternateContent xmlns:mc="http://schemas.openxmlformats.org/markup-compatibility/2006" xmlns:p14="http://schemas.microsoft.com/office/powerpoint/2010/main">
-    <mc:Choice Requires="p14">
-      <p:transition spd="slow" p14:dur="2000"/>
-    </mc:Choice>
-    <mc:Fallback xmlns="">
-      <p:transition spd="slow"/>
-    </mc:Fallback>
-  </mc:AlternateContent>
 </p:sldLayout>
 </file>
 
@@ -3105,14 +3203,6 @@
   <p:clrMapOvr>
     <a:masterClrMapping/>
   </p:clrMapOvr>
-  <mc:AlternateContent xmlns:mc="http://schemas.openxmlformats.org/markup-compatibility/2006" xmlns:p14="http://schemas.microsoft.com/office/powerpoint/2010/main">
-    <mc:Choice Requires="p14">
-      <p:transition spd="slow" p14:dur="2000"/>
-    </mc:Choice>
-    <mc:Fallback xmlns="">
-      <p:transition spd="slow"/>
-    </mc:Fallback>
-  </mc:AlternateContent>
 </p:sldLayout>
 </file>
 
@@ -3207,14 +3297,6 @@
   <p:clrMapOvr>
     <a:masterClrMapping/>
   </p:clrMapOvr>
-  <mc:AlternateContent xmlns:mc="http://schemas.openxmlformats.org/markup-compatibility/2006" xmlns:p14="http://schemas.microsoft.com/office/powerpoint/2010/main">
-    <mc:Choice Requires="p14">
-      <p:transition spd="slow" p14:dur="2000"/>
-    </mc:Choice>
-    <mc:Fallback xmlns="">
-      <p:transition spd="slow"/>
-    </mc:Fallback>
-  </mc:AlternateContent>
 </p:sldLayout>
 </file>
 
@@ -3423,14 +3505,6 @@
   <p:clrMapOvr>
     <a:masterClrMapping/>
   </p:clrMapOvr>
-  <mc:AlternateContent xmlns:mc="http://schemas.openxmlformats.org/markup-compatibility/2006" xmlns:p14="http://schemas.microsoft.com/office/powerpoint/2010/main">
-    <mc:Choice Requires="p14">
-      <p:transition spd="slow" p14:dur="2000"/>
-    </mc:Choice>
-    <mc:Fallback xmlns="">
-      <p:transition spd="slow"/>
-    </mc:Fallback>
-  </mc:AlternateContent>
   <p:hf sldNum="0" hdr="0" ftr="0" dt="0"/>
 </p:sldLayout>
 </file>
@@ -3672,14 +3746,6 @@
   <p:clrMapOvr>
     <a:masterClrMapping/>
   </p:clrMapOvr>
-  <mc:AlternateContent xmlns:mc="http://schemas.openxmlformats.org/markup-compatibility/2006" xmlns:p14="http://schemas.microsoft.com/office/powerpoint/2010/main">
-    <mc:Choice Requires="p14">
-      <p:transition spd="slow" p14:dur="2000"/>
-    </mc:Choice>
-    <mc:Fallback xmlns="">
-      <p:transition spd="slow"/>
-    </mc:Fallback>
-  </mc:AlternateContent>
 </p:sldLayout>
 </file>
 
@@ -3813,14 +3879,6 @@
   <p:clrMapOvr>
     <a:masterClrMapping/>
   </p:clrMapOvr>
-  <mc:AlternateContent xmlns:mc="http://schemas.openxmlformats.org/markup-compatibility/2006" xmlns:p14="http://schemas.microsoft.com/office/powerpoint/2010/main">
-    <mc:Choice Requires="p14">
-      <p:transition spd="slow" p14:dur="2000"/>
-    </mc:Choice>
-    <mc:Fallback xmlns="">
-      <p:transition spd="slow"/>
-    </mc:Fallback>
-  </mc:AlternateContent>
 </p:sldLayout>
 </file>
 
@@ -3941,14 +3999,6 @@
   <p:clrMapOvr>
     <a:masterClrMapping/>
   </p:clrMapOvr>
-  <mc:AlternateContent xmlns:mc="http://schemas.openxmlformats.org/markup-compatibility/2006" xmlns:p14="http://schemas.microsoft.com/office/powerpoint/2010/main">
-    <mc:Choice Requires="p14">
-      <p:transition spd="slow" p14:dur="2000"/>
-    </mc:Choice>
-    <mc:Fallback xmlns="">
-      <p:transition spd="slow"/>
-    </mc:Fallback>
-  </mc:AlternateContent>
 </p:sldLayout>
 </file>
 
@@ -4036,14 +4086,6 @@
   <p:clrMapOvr>
     <a:masterClrMapping/>
   </p:clrMapOvr>
-  <mc:AlternateContent xmlns:mc="http://schemas.openxmlformats.org/markup-compatibility/2006" xmlns:p14="http://schemas.microsoft.com/office/powerpoint/2010/main">
-    <mc:Choice Requires="p14">
-      <p:transition spd="slow" p14:dur="2000"/>
-    </mc:Choice>
-    <mc:Fallback xmlns="">
-      <p:transition spd="slow"/>
-    </mc:Fallback>
-  </mc:AlternateContent>
 </p:sldLayout>
 </file>
 
@@ -4167,14 +4209,6 @@
   <p:clrMapOvr>
     <a:masterClrMapping/>
   </p:clrMapOvr>
-  <mc:AlternateContent xmlns:mc="http://schemas.openxmlformats.org/markup-compatibility/2006" xmlns:p14="http://schemas.microsoft.com/office/powerpoint/2010/main">
-    <mc:Choice Requires="p14">
-      <p:transition spd="slow" p14:dur="2000"/>
-    </mc:Choice>
-    <mc:Fallback xmlns="">
-      <p:transition spd="slow"/>
-    </mc:Fallback>
-  </mc:AlternateContent>
 </p:sldLayout>
 </file>
 
@@ -4460,14 +4494,6 @@
   <p:clrMapOvr>
     <a:masterClrMapping/>
   </p:clrMapOvr>
-  <mc:AlternateContent xmlns:mc="http://schemas.openxmlformats.org/markup-compatibility/2006" xmlns:p14="http://schemas.microsoft.com/office/powerpoint/2010/main">
-    <mc:Choice Requires="p14">
-      <p:transition spd="slow" p14:dur="2000"/>
-    </mc:Choice>
-    <mc:Fallback xmlns="">
-      <p:transition spd="slow"/>
-    </mc:Fallback>
-  </mc:AlternateContent>
 </p:sldLayout>
 </file>
 
@@ -5059,14 +5085,6 @@
   <p:clrMapOvr>
     <a:masterClrMapping/>
   </p:clrMapOvr>
-  <mc:AlternateContent xmlns:mc="http://schemas.openxmlformats.org/markup-compatibility/2006" xmlns:p14="http://schemas.microsoft.com/office/powerpoint/2010/main">
-    <mc:Choice Requires="p14">
-      <p:transition spd="slow" p14:dur="2000"/>
-    </mc:Choice>
-    <mc:Fallback xmlns="">
-      <p:transition spd="slow"/>
-    </mc:Fallback>
-  </mc:AlternateContent>
 </p:sldLayout>
 </file>
 
@@ -5248,14 +5266,6 @@
   <p:clrMapOvr>
     <a:masterClrMapping/>
   </p:clrMapOvr>
-  <mc:AlternateContent xmlns:mc="http://schemas.openxmlformats.org/markup-compatibility/2006" xmlns:p14="http://schemas.microsoft.com/office/powerpoint/2010/main">
-    <mc:Choice Requires="p14">
-      <p:transition spd="slow" p14:dur="2000"/>
-    </mc:Choice>
-    <mc:Fallback xmlns="">
-      <p:transition spd="slow"/>
-    </mc:Fallback>
-  </mc:AlternateContent>
   <p:hf sldNum="0" hdr="0" ftr="0" dt="0"/>
 </p:sldLayout>
 </file>
@@ -5517,14 +5527,6 @@
   <p:clrMapOvr>
     <a:masterClrMapping/>
   </p:clrMapOvr>
-  <mc:AlternateContent xmlns:mc="http://schemas.openxmlformats.org/markup-compatibility/2006" xmlns:p14="http://schemas.microsoft.com/office/powerpoint/2010/main">
-    <mc:Choice Requires="p14">
-      <p:transition spd="slow" p14:dur="2000"/>
-    </mc:Choice>
-    <mc:Fallback xmlns="">
-      <p:transition spd="slow"/>
-    </mc:Fallback>
-  </mc:AlternateContent>
 </p:sldLayout>
 </file>
 
@@ -6021,14 +6023,6 @@
   <p:clrMapOvr>
     <a:masterClrMapping/>
   </p:clrMapOvr>
-  <mc:AlternateContent xmlns:mc="http://schemas.openxmlformats.org/markup-compatibility/2006" xmlns:p14="http://schemas.microsoft.com/office/powerpoint/2010/main">
-    <mc:Choice Requires="p14">
-      <p:transition spd="slow" p14:dur="2000"/>
-    </mc:Choice>
-    <mc:Fallback xmlns="">
-      <p:transition spd="slow"/>
-    </mc:Fallback>
-  </mc:AlternateContent>
 </p:sldLayout>
 </file>
 
@@ -6226,14 +6220,6 @@
   <p:clrMapOvr>
     <a:masterClrMapping/>
   </p:clrMapOvr>
-  <mc:AlternateContent xmlns:mc="http://schemas.openxmlformats.org/markup-compatibility/2006" xmlns:p14="http://schemas.microsoft.com/office/powerpoint/2010/main">
-    <mc:Choice Requires="p14">
-      <p:transition spd="slow" p14:dur="2000"/>
-    </mc:Choice>
-    <mc:Fallback xmlns="">
-      <p:transition spd="slow"/>
-    </mc:Fallback>
-  </mc:AlternateContent>
   <p:hf sldNum="0" hdr="0" ftr="0" dt="0"/>
 </p:sldLayout>
 </file>
@@ -6542,14 +6528,6 @@
   <p:clrMapOvr>
     <a:masterClrMapping/>
   </p:clrMapOvr>
-  <mc:AlternateContent xmlns:mc="http://schemas.openxmlformats.org/markup-compatibility/2006" xmlns:p14="http://schemas.microsoft.com/office/powerpoint/2010/main">
-    <mc:Choice Requires="p14">
-      <p:transition spd="slow" p14:dur="2000"/>
-    </mc:Choice>
-    <mc:Fallback xmlns="">
-      <p:transition spd="slow"/>
-    </mc:Fallback>
-  </mc:AlternateContent>
   <p:hf sldNum="0" hdr="0" ftr="0" dt="0"/>
 </p:sldLayout>
 </file>
@@ -6993,14 +6971,6 @@
   <p:clrMapOvr>
     <a:masterClrMapping/>
   </p:clrMapOvr>
-  <mc:AlternateContent xmlns:mc="http://schemas.openxmlformats.org/markup-compatibility/2006" xmlns:p14="http://schemas.microsoft.com/office/powerpoint/2010/main">
-    <mc:Choice Requires="p14">
-      <p:transition spd="slow" p14:dur="2000"/>
-    </mc:Choice>
-    <mc:Fallback xmlns="">
-      <p:transition spd="slow"/>
-    </mc:Fallback>
-  </mc:AlternateContent>
 </p:sldLayout>
 </file>
 
@@ -7418,14 +7388,6 @@
   <p:clrMapOvr>
     <a:masterClrMapping/>
   </p:clrMapOvr>
-  <mc:AlternateContent xmlns:mc="http://schemas.openxmlformats.org/markup-compatibility/2006" xmlns:p14="http://schemas.microsoft.com/office/powerpoint/2010/main">
-    <mc:Choice Requires="p14">
-      <p:transition spd="slow" p14:dur="2000"/>
-    </mc:Choice>
-    <mc:Fallback xmlns="">
-      <p:transition spd="slow"/>
-    </mc:Fallback>
-  </mc:AlternateContent>
 </p:sldLayout>
 </file>
 
@@ -7523,14 +7485,6 @@
   <p:clrMapOvr>
     <a:masterClrMapping/>
   </p:clrMapOvr>
-  <mc:AlternateContent xmlns:mc="http://schemas.openxmlformats.org/markup-compatibility/2006" xmlns:p14="http://schemas.microsoft.com/office/powerpoint/2010/main">
-    <mc:Choice Requires="p14">
-      <p:transition spd="slow" p14:dur="2000"/>
-    </mc:Choice>
-    <mc:Fallback xmlns="">
-      <p:transition spd="slow"/>
-    </mc:Fallback>
-  </mc:AlternateContent>
 </p:sldLayout>
 </file>
 
@@ -7661,14 +7615,6 @@
   <p:clrMapOvr>
     <a:masterClrMapping/>
   </p:clrMapOvr>
-  <mc:AlternateContent xmlns:mc="http://schemas.openxmlformats.org/markup-compatibility/2006" xmlns:p14="http://schemas.microsoft.com/office/powerpoint/2010/main">
-    <mc:Choice Requires="p14">
-      <p:transition spd="slow" p14:dur="2000"/>
-    </mc:Choice>
-    <mc:Fallback xmlns="">
-      <p:transition spd="slow"/>
-    </mc:Fallback>
-  </mc:AlternateContent>
 </p:sldLayout>
 </file>
 
@@ -7965,14 +7911,6 @@
     <p:sldLayoutId id="2147483668" r:id="rId20"/>
     <p:sldLayoutId id="2147483669" r:id="rId21"/>
   </p:sldLayoutIdLst>
-  <mc:AlternateContent xmlns:mc="http://schemas.openxmlformats.org/markup-compatibility/2006" xmlns:p14="http://schemas.microsoft.com/office/powerpoint/2010/main">
-    <mc:Choice Requires="p14">
-      <p:transition spd="slow" p14:dur="2000"/>
-    </mc:Choice>
-    <mc:Fallback xmlns="">
-      <p:transition spd="slow"/>
-    </mc:Fallback>
-  </mc:AlternateContent>
   <p:txStyles>
     <p:titleStyle>
       <a:lvl1pPr marL="0" marR="0" lvl="0" indent="0" algn="l" defTabSz="914400" rtl="0" fontAlgn="auto" hangingPunct="1">
@@ -8361,10 +8299,9 @@
           <a:p>
             <a:pPr lvl="0"/>
             <a:r>
-              <a:rPr lang="en-GB" dirty="0" smtClean="0"/>
+              <a:rPr lang="en-GB" dirty="0"/>
               <a:t>Design pattern: Observer</a:t>
             </a:r>
-            <a:endParaRPr lang="en-GB" dirty="0"/>
           </a:p>
         </p:txBody>
       </p:sp>
@@ -8373,21 +8310,6 @@
   <p:clrMapOvr>
     <a:masterClrMapping/>
   </p:clrMapOvr>
-  <mc:AlternateContent xmlns:mc="http://schemas.openxmlformats.org/markup-compatibility/2006" xmlns:p14="http://schemas.microsoft.com/office/powerpoint/2010/main">
-    <mc:Choice Requires="p14">
-      <p:transition spd="slow" p14:dur="2000"/>
-    </mc:Choice>
-    <mc:Fallback xmlns="">
-      <p:transition spd="slow"/>
-    </mc:Fallback>
-  </mc:AlternateContent>
-  <p:timing>
-    <p:tnLst>
-      <p:par>
-        <p:cTn id="1" dur="indefinite" restart="never" nodeType="tmRoot"/>
-      </p:par>
-    </p:tnLst>
-  </p:timing>
 </p:sld>
 </file>
 
@@ -8410,6 +8332,999 @@
       </p:grpSpPr>
       <p:sp>
         <p:nvSpPr>
+          <p:cNvPr id="2" name="Title 1">
+            <a:extLst>
+              <a:ext uri="{FF2B5EF4-FFF2-40B4-BE49-F238E27FC236}">
+                <a16:creationId xmlns:a16="http://schemas.microsoft.com/office/drawing/2014/main" id="{9CE38596-A2E5-BB2B-4458-981D5991E8BE}"/>
+              </a:ext>
+            </a:extLst>
+          </p:cNvPr>
+          <p:cNvSpPr>
+            <a:spLocks noGrp="1"/>
+          </p:cNvSpPr>
+          <p:nvPr>
+            <p:ph type="title"/>
+          </p:nvPr>
+        </p:nvSpPr>
+        <p:spPr/>
+        <p:txBody>
+          <a:bodyPr/>
+          <a:lstStyle/>
+          <a:p>
+            <a:r>
+              <a:rPr lang="en-DK" dirty="0"/>
+              <a:t>Example: Blood Pressure Measurement</a:t>
+            </a:r>
+          </a:p>
+        </p:txBody>
+      </p:sp>
+      <p:sp>
+        <p:nvSpPr>
+          <p:cNvPr id="3" name="Content Placeholder 2">
+            <a:extLst>
+              <a:ext uri="{FF2B5EF4-FFF2-40B4-BE49-F238E27FC236}">
+                <a16:creationId xmlns:a16="http://schemas.microsoft.com/office/drawing/2014/main" id="{9F452398-2FE6-3EDB-B5F2-2BFCE2BA8B50}"/>
+              </a:ext>
+            </a:extLst>
+          </p:cNvPr>
+          <p:cNvSpPr>
+            <a:spLocks noGrp="1"/>
+          </p:cNvSpPr>
+          <p:nvPr>
+            <p:ph idx="4294967295"/>
+          </p:nvPr>
+        </p:nvSpPr>
+        <p:spPr>
+          <a:xfrm>
+            <a:off x="985843" y="1960080"/>
+            <a:ext cx="6953826" cy="3937479"/>
+          </a:xfrm>
+        </p:spPr>
+        <p:txBody>
+          <a:bodyPr/>
+          <a:lstStyle/>
+          <a:p>
+            <a:r>
+              <a:rPr lang="en-DK" dirty="0"/>
+              <a:t>Your task: Design this system using GoF Observer.</a:t>
+            </a:r>
+          </a:p>
+          <a:p>
+            <a:endParaRPr lang="en-DK" dirty="0"/>
+          </a:p>
+          <a:p>
+            <a:r>
+              <a:rPr lang="en-DK" dirty="0"/>
+              <a:t>Think about:</a:t>
+            </a:r>
+          </a:p>
+          <a:p>
+            <a:pPr marL="342900" indent="-342900">
+              <a:buFont typeface="Arial" panose="020B0604020202020204" pitchFamily="34" charset="0"/>
+              <a:buChar char="•"/>
+            </a:pPr>
+            <a:r>
+              <a:rPr lang="en-DK" dirty="0"/>
+              <a:t>What is the Subject, what is the Observer</a:t>
+            </a:r>
+          </a:p>
+          <a:p>
+            <a:pPr marL="342900" indent="-342900">
+              <a:buFont typeface="Arial" panose="020B0604020202020204" pitchFamily="34" charset="0"/>
+              <a:buChar char="•"/>
+            </a:pPr>
+            <a:r>
+              <a:rPr lang="en-DK" dirty="0"/>
+              <a:t>What methods / properties do you need in the Measurement class</a:t>
+            </a:r>
+          </a:p>
+          <a:p>
+            <a:pPr marL="342900" indent="-342900">
+              <a:buFont typeface="Arial" panose="020B0604020202020204" pitchFamily="34" charset="0"/>
+              <a:buChar char="•"/>
+            </a:pPr>
+            <a:r>
+              <a:rPr lang="en-DK" dirty="0"/>
+              <a:t>What methods / properties do you need in the Display class</a:t>
+            </a:r>
+          </a:p>
+          <a:p>
+            <a:pPr marL="342900" indent="-342900">
+              <a:buFont typeface="Arial" panose="020B0604020202020204" pitchFamily="34" charset="0"/>
+              <a:buChar char="•"/>
+            </a:pPr>
+            <a:r>
+              <a:rPr lang="en-DK" dirty="0"/>
+              <a:t>Sketch the class and sequence diagrams for you design</a:t>
+            </a:r>
+          </a:p>
+        </p:txBody>
+      </p:sp>
+      <p:sp>
+        <p:nvSpPr>
+          <p:cNvPr id="5" name="Rounded Rectangle 4">
+            <a:extLst>
+              <a:ext uri="{FF2B5EF4-FFF2-40B4-BE49-F238E27FC236}">
+                <a16:creationId xmlns:a16="http://schemas.microsoft.com/office/drawing/2014/main" id="{362ABD05-6F32-55E7-044D-14CD4D0C26B5}"/>
+              </a:ext>
+            </a:extLst>
+          </p:cNvPr>
+          <p:cNvSpPr/>
+          <p:nvPr/>
+        </p:nvSpPr>
+        <p:spPr>
+          <a:xfrm>
+            <a:off x="4858008" y="5338119"/>
+            <a:ext cx="1595854" cy="708324"/>
+          </a:xfrm>
+          <a:prstGeom prst="roundRect">
+            <a:avLst/>
+          </a:prstGeom>
+        </p:spPr>
+        <p:style>
+          <a:lnRef idx="2">
+            <a:schemeClr val="accent1">
+              <a:shade val="15000"/>
+            </a:schemeClr>
+          </a:lnRef>
+          <a:fillRef idx="1">
+            <a:schemeClr val="accent1"/>
+          </a:fillRef>
+          <a:effectRef idx="0">
+            <a:schemeClr val="accent1"/>
+          </a:effectRef>
+          <a:fontRef idx="minor">
+            <a:schemeClr val="lt1"/>
+          </a:fontRef>
+        </p:style>
+        <p:txBody>
+          <a:bodyPr rtlCol="0" anchor="ctr"/>
+          <a:lstStyle/>
+          <a:p>
+            <a:pPr algn="ctr"/>
+            <a:r>
+              <a:rPr lang="en-DK" sz="1200" dirty="0"/>
+              <a:t>Systolic BP: 123</a:t>
+            </a:r>
+          </a:p>
+          <a:p>
+            <a:pPr algn="ctr"/>
+            <a:r>
+              <a:rPr lang="en-DK" sz="1200" dirty="0"/>
+              <a:t>Diastolic BP: 60</a:t>
+            </a:r>
+          </a:p>
+        </p:txBody>
+      </p:sp>
+      <p:sp>
+        <p:nvSpPr>
+          <p:cNvPr id="6" name="Rounded Rectangle 5">
+            <a:extLst>
+              <a:ext uri="{FF2B5EF4-FFF2-40B4-BE49-F238E27FC236}">
+                <a16:creationId xmlns:a16="http://schemas.microsoft.com/office/drawing/2014/main" id="{418B427C-DF9F-5B1A-A5E7-9A2D04554B12}"/>
+              </a:ext>
+            </a:extLst>
+          </p:cNvPr>
+          <p:cNvSpPr/>
+          <p:nvPr/>
+        </p:nvSpPr>
+        <p:spPr>
+          <a:xfrm>
+            <a:off x="2640698" y="5338119"/>
+            <a:ext cx="1068349" cy="708324"/>
+          </a:xfrm>
+          <a:prstGeom prst="roundRect">
+            <a:avLst/>
+          </a:prstGeom>
+        </p:spPr>
+        <p:style>
+          <a:lnRef idx="2">
+            <a:schemeClr val="accent1">
+              <a:shade val="15000"/>
+            </a:schemeClr>
+          </a:lnRef>
+          <a:fillRef idx="1">
+            <a:schemeClr val="accent1"/>
+          </a:fillRef>
+          <a:effectRef idx="0">
+            <a:schemeClr val="accent1"/>
+          </a:effectRef>
+          <a:fontRef idx="minor">
+            <a:schemeClr val="lt1"/>
+          </a:fontRef>
+        </p:style>
+        <p:txBody>
+          <a:bodyPr rtlCol="0" anchor="ctr"/>
+          <a:lstStyle/>
+          <a:p>
+            <a:pPr algn="ctr"/>
+            <a:endParaRPr lang="en-DK" dirty="0"/>
+          </a:p>
+        </p:txBody>
+      </p:sp>
+      <p:sp>
+        <p:nvSpPr>
+          <p:cNvPr id="7" name="Freeform 6">
+            <a:extLst>
+              <a:ext uri="{FF2B5EF4-FFF2-40B4-BE49-F238E27FC236}">
+                <a16:creationId xmlns:a16="http://schemas.microsoft.com/office/drawing/2014/main" id="{209652C4-2C44-0D72-EC17-86DE7CA11F14}"/>
+              </a:ext>
+            </a:extLst>
+          </p:cNvPr>
+          <p:cNvSpPr/>
+          <p:nvPr/>
+        </p:nvSpPr>
+        <p:spPr>
+          <a:xfrm>
+            <a:off x="1264298" y="5419480"/>
+            <a:ext cx="1376400" cy="545601"/>
+          </a:xfrm>
+          <a:custGeom>
+            <a:avLst/>
+            <a:gdLst>
+              <a:gd name="connsiteX0" fmla="*/ 0 w 2026508"/>
+              <a:gd name="connsiteY0" fmla="*/ 0 h 704335"/>
+              <a:gd name="connsiteX1" fmla="*/ 24713 w 2026508"/>
+              <a:gd name="connsiteY1" fmla="*/ 111210 h 704335"/>
+              <a:gd name="connsiteX2" fmla="*/ 49427 w 2026508"/>
+              <a:gd name="connsiteY2" fmla="*/ 160638 h 704335"/>
+              <a:gd name="connsiteX3" fmla="*/ 86497 w 2026508"/>
+              <a:gd name="connsiteY3" fmla="*/ 185351 h 704335"/>
+              <a:gd name="connsiteX4" fmla="*/ 160638 w 2026508"/>
+              <a:gd name="connsiteY4" fmla="*/ 259492 h 704335"/>
+              <a:gd name="connsiteX5" fmla="*/ 210065 w 2026508"/>
+              <a:gd name="connsiteY5" fmla="*/ 296562 h 704335"/>
+              <a:gd name="connsiteX6" fmla="*/ 296562 w 2026508"/>
+              <a:gd name="connsiteY6" fmla="*/ 333632 h 704335"/>
+              <a:gd name="connsiteX7" fmla="*/ 395416 w 2026508"/>
+              <a:gd name="connsiteY7" fmla="*/ 383059 h 704335"/>
+              <a:gd name="connsiteX8" fmla="*/ 432486 w 2026508"/>
+              <a:gd name="connsiteY8" fmla="*/ 395416 h 704335"/>
+              <a:gd name="connsiteX9" fmla="*/ 481913 w 2026508"/>
+              <a:gd name="connsiteY9" fmla="*/ 407773 h 704335"/>
+              <a:gd name="connsiteX10" fmla="*/ 531340 w 2026508"/>
+              <a:gd name="connsiteY10" fmla="*/ 432486 h 704335"/>
+              <a:gd name="connsiteX11" fmla="*/ 580767 w 2026508"/>
+              <a:gd name="connsiteY11" fmla="*/ 444843 h 704335"/>
+              <a:gd name="connsiteX12" fmla="*/ 654908 w 2026508"/>
+              <a:gd name="connsiteY12" fmla="*/ 469556 h 704335"/>
+              <a:gd name="connsiteX13" fmla="*/ 864973 w 2026508"/>
+              <a:gd name="connsiteY13" fmla="*/ 457200 h 704335"/>
+              <a:gd name="connsiteX14" fmla="*/ 902043 w 2026508"/>
+              <a:gd name="connsiteY14" fmla="*/ 444843 h 704335"/>
+              <a:gd name="connsiteX15" fmla="*/ 951470 w 2026508"/>
+              <a:gd name="connsiteY15" fmla="*/ 370702 h 704335"/>
+              <a:gd name="connsiteX16" fmla="*/ 939113 w 2026508"/>
+              <a:gd name="connsiteY16" fmla="*/ 284205 h 704335"/>
+              <a:gd name="connsiteX17" fmla="*/ 889686 w 2026508"/>
+              <a:gd name="connsiteY17" fmla="*/ 210065 h 704335"/>
+              <a:gd name="connsiteX18" fmla="*/ 864973 w 2026508"/>
+              <a:gd name="connsiteY18" fmla="*/ 172994 h 704335"/>
+              <a:gd name="connsiteX19" fmla="*/ 827903 w 2026508"/>
+              <a:gd name="connsiteY19" fmla="*/ 148281 h 704335"/>
+              <a:gd name="connsiteX20" fmla="*/ 790832 w 2026508"/>
+              <a:gd name="connsiteY20" fmla="*/ 111210 h 704335"/>
+              <a:gd name="connsiteX21" fmla="*/ 716692 w 2026508"/>
+              <a:gd name="connsiteY21" fmla="*/ 74140 h 704335"/>
+              <a:gd name="connsiteX22" fmla="*/ 679621 w 2026508"/>
+              <a:gd name="connsiteY22" fmla="*/ 86497 h 704335"/>
+              <a:gd name="connsiteX23" fmla="*/ 617838 w 2026508"/>
+              <a:gd name="connsiteY23" fmla="*/ 160638 h 704335"/>
+              <a:gd name="connsiteX24" fmla="*/ 605481 w 2026508"/>
+              <a:gd name="connsiteY24" fmla="*/ 222421 h 704335"/>
+              <a:gd name="connsiteX25" fmla="*/ 593124 w 2026508"/>
+              <a:gd name="connsiteY25" fmla="*/ 259492 h 704335"/>
+              <a:gd name="connsiteX26" fmla="*/ 605481 w 2026508"/>
+              <a:gd name="connsiteY26" fmla="*/ 345989 h 704335"/>
+              <a:gd name="connsiteX27" fmla="*/ 617838 w 2026508"/>
+              <a:gd name="connsiteY27" fmla="*/ 383059 h 704335"/>
+              <a:gd name="connsiteX28" fmla="*/ 654908 w 2026508"/>
+              <a:gd name="connsiteY28" fmla="*/ 407773 h 704335"/>
+              <a:gd name="connsiteX29" fmla="*/ 679621 w 2026508"/>
+              <a:gd name="connsiteY29" fmla="*/ 444843 h 704335"/>
+              <a:gd name="connsiteX30" fmla="*/ 716692 w 2026508"/>
+              <a:gd name="connsiteY30" fmla="*/ 481913 h 704335"/>
+              <a:gd name="connsiteX31" fmla="*/ 741405 w 2026508"/>
+              <a:gd name="connsiteY31" fmla="*/ 531340 h 704335"/>
+              <a:gd name="connsiteX32" fmla="*/ 815546 w 2026508"/>
+              <a:gd name="connsiteY32" fmla="*/ 580767 h 704335"/>
+              <a:gd name="connsiteX33" fmla="*/ 914400 w 2026508"/>
+              <a:gd name="connsiteY33" fmla="*/ 642551 h 704335"/>
+              <a:gd name="connsiteX34" fmla="*/ 988540 w 2026508"/>
+              <a:gd name="connsiteY34" fmla="*/ 679621 h 704335"/>
+              <a:gd name="connsiteX35" fmla="*/ 1087394 w 2026508"/>
+              <a:gd name="connsiteY35" fmla="*/ 704335 h 704335"/>
+              <a:gd name="connsiteX36" fmla="*/ 1186248 w 2026508"/>
+              <a:gd name="connsiteY36" fmla="*/ 691978 h 704335"/>
+              <a:gd name="connsiteX37" fmla="*/ 1272746 w 2026508"/>
+              <a:gd name="connsiteY37" fmla="*/ 667265 h 704335"/>
+              <a:gd name="connsiteX38" fmla="*/ 1334530 w 2026508"/>
+              <a:gd name="connsiteY38" fmla="*/ 580767 h 704335"/>
+              <a:gd name="connsiteX39" fmla="*/ 1383957 w 2026508"/>
+              <a:gd name="connsiteY39" fmla="*/ 531340 h 704335"/>
+              <a:gd name="connsiteX40" fmla="*/ 1433384 w 2026508"/>
+              <a:gd name="connsiteY40" fmla="*/ 457200 h 704335"/>
+              <a:gd name="connsiteX41" fmla="*/ 1445740 w 2026508"/>
+              <a:gd name="connsiteY41" fmla="*/ 420129 h 704335"/>
+              <a:gd name="connsiteX42" fmla="*/ 1433384 w 2026508"/>
+              <a:gd name="connsiteY42" fmla="*/ 383059 h 704335"/>
+              <a:gd name="connsiteX43" fmla="*/ 1346886 w 2026508"/>
+              <a:gd name="connsiteY43" fmla="*/ 296562 h 704335"/>
+              <a:gd name="connsiteX44" fmla="*/ 1248032 w 2026508"/>
+              <a:gd name="connsiteY44" fmla="*/ 284205 h 704335"/>
+              <a:gd name="connsiteX45" fmla="*/ 1235676 w 2026508"/>
+              <a:gd name="connsiteY45" fmla="*/ 321275 h 704335"/>
+              <a:gd name="connsiteX46" fmla="*/ 1248032 w 2026508"/>
+              <a:gd name="connsiteY46" fmla="*/ 506627 h 704335"/>
+              <a:gd name="connsiteX47" fmla="*/ 1272746 w 2026508"/>
+              <a:gd name="connsiteY47" fmla="*/ 580767 h 704335"/>
+              <a:gd name="connsiteX48" fmla="*/ 1346886 w 2026508"/>
+              <a:gd name="connsiteY48" fmla="*/ 617838 h 704335"/>
+              <a:gd name="connsiteX49" fmla="*/ 1569308 w 2026508"/>
+              <a:gd name="connsiteY49" fmla="*/ 593124 h 704335"/>
+              <a:gd name="connsiteX50" fmla="*/ 1606378 w 2026508"/>
+              <a:gd name="connsiteY50" fmla="*/ 568410 h 704335"/>
+              <a:gd name="connsiteX51" fmla="*/ 1655805 w 2026508"/>
+              <a:gd name="connsiteY51" fmla="*/ 494270 h 704335"/>
+              <a:gd name="connsiteX52" fmla="*/ 1680519 w 2026508"/>
+              <a:gd name="connsiteY52" fmla="*/ 457200 h 704335"/>
+              <a:gd name="connsiteX53" fmla="*/ 1717589 w 2026508"/>
+              <a:gd name="connsiteY53" fmla="*/ 432486 h 704335"/>
+              <a:gd name="connsiteX54" fmla="*/ 1742303 w 2026508"/>
+              <a:gd name="connsiteY54" fmla="*/ 395416 h 704335"/>
+              <a:gd name="connsiteX55" fmla="*/ 1816443 w 2026508"/>
+              <a:gd name="connsiteY55" fmla="*/ 358346 h 704335"/>
+              <a:gd name="connsiteX56" fmla="*/ 1853513 w 2026508"/>
+              <a:gd name="connsiteY56" fmla="*/ 333632 h 704335"/>
+              <a:gd name="connsiteX57" fmla="*/ 2026508 w 2026508"/>
+              <a:gd name="connsiteY57" fmla="*/ 321275 h 704335"/>
+            </a:gdLst>
+            <a:ahLst/>
+            <a:cxnLst>
+              <a:cxn ang="0">
+                <a:pos x="connsiteX0" y="connsiteY0"/>
+              </a:cxn>
+              <a:cxn ang="0">
+                <a:pos x="connsiteX1" y="connsiteY1"/>
+              </a:cxn>
+              <a:cxn ang="0">
+                <a:pos x="connsiteX2" y="connsiteY2"/>
+              </a:cxn>
+              <a:cxn ang="0">
+                <a:pos x="connsiteX3" y="connsiteY3"/>
+              </a:cxn>
+              <a:cxn ang="0">
+                <a:pos x="connsiteX4" y="connsiteY4"/>
+              </a:cxn>
+              <a:cxn ang="0">
+                <a:pos x="connsiteX5" y="connsiteY5"/>
+              </a:cxn>
+              <a:cxn ang="0">
+                <a:pos x="connsiteX6" y="connsiteY6"/>
+              </a:cxn>
+              <a:cxn ang="0">
+                <a:pos x="connsiteX7" y="connsiteY7"/>
+              </a:cxn>
+              <a:cxn ang="0">
+                <a:pos x="connsiteX8" y="connsiteY8"/>
+              </a:cxn>
+              <a:cxn ang="0">
+                <a:pos x="connsiteX9" y="connsiteY9"/>
+              </a:cxn>
+              <a:cxn ang="0">
+                <a:pos x="connsiteX10" y="connsiteY10"/>
+              </a:cxn>
+              <a:cxn ang="0">
+                <a:pos x="connsiteX11" y="connsiteY11"/>
+              </a:cxn>
+              <a:cxn ang="0">
+                <a:pos x="connsiteX12" y="connsiteY12"/>
+              </a:cxn>
+              <a:cxn ang="0">
+                <a:pos x="connsiteX13" y="connsiteY13"/>
+              </a:cxn>
+              <a:cxn ang="0">
+                <a:pos x="connsiteX14" y="connsiteY14"/>
+              </a:cxn>
+              <a:cxn ang="0">
+                <a:pos x="connsiteX15" y="connsiteY15"/>
+              </a:cxn>
+              <a:cxn ang="0">
+                <a:pos x="connsiteX16" y="connsiteY16"/>
+              </a:cxn>
+              <a:cxn ang="0">
+                <a:pos x="connsiteX17" y="connsiteY17"/>
+              </a:cxn>
+              <a:cxn ang="0">
+                <a:pos x="connsiteX18" y="connsiteY18"/>
+              </a:cxn>
+              <a:cxn ang="0">
+                <a:pos x="connsiteX19" y="connsiteY19"/>
+              </a:cxn>
+              <a:cxn ang="0">
+                <a:pos x="connsiteX20" y="connsiteY20"/>
+              </a:cxn>
+              <a:cxn ang="0">
+                <a:pos x="connsiteX21" y="connsiteY21"/>
+              </a:cxn>
+              <a:cxn ang="0">
+                <a:pos x="connsiteX22" y="connsiteY22"/>
+              </a:cxn>
+              <a:cxn ang="0">
+                <a:pos x="connsiteX23" y="connsiteY23"/>
+              </a:cxn>
+              <a:cxn ang="0">
+                <a:pos x="connsiteX24" y="connsiteY24"/>
+              </a:cxn>
+              <a:cxn ang="0">
+                <a:pos x="connsiteX25" y="connsiteY25"/>
+              </a:cxn>
+              <a:cxn ang="0">
+                <a:pos x="connsiteX26" y="connsiteY26"/>
+              </a:cxn>
+              <a:cxn ang="0">
+                <a:pos x="connsiteX27" y="connsiteY27"/>
+              </a:cxn>
+              <a:cxn ang="0">
+                <a:pos x="connsiteX28" y="connsiteY28"/>
+              </a:cxn>
+              <a:cxn ang="0">
+                <a:pos x="connsiteX29" y="connsiteY29"/>
+              </a:cxn>
+              <a:cxn ang="0">
+                <a:pos x="connsiteX30" y="connsiteY30"/>
+              </a:cxn>
+              <a:cxn ang="0">
+                <a:pos x="connsiteX31" y="connsiteY31"/>
+              </a:cxn>
+              <a:cxn ang="0">
+                <a:pos x="connsiteX32" y="connsiteY32"/>
+              </a:cxn>
+              <a:cxn ang="0">
+                <a:pos x="connsiteX33" y="connsiteY33"/>
+              </a:cxn>
+              <a:cxn ang="0">
+                <a:pos x="connsiteX34" y="connsiteY34"/>
+              </a:cxn>
+              <a:cxn ang="0">
+                <a:pos x="connsiteX35" y="connsiteY35"/>
+              </a:cxn>
+              <a:cxn ang="0">
+                <a:pos x="connsiteX36" y="connsiteY36"/>
+              </a:cxn>
+              <a:cxn ang="0">
+                <a:pos x="connsiteX37" y="connsiteY37"/>
+              </a:cxn>
+              <a:cxn ang="0">
+                <a:pos x="connsiteX38" y="connsiteY38"/>
+              </a:cxn>
+              <a:cxn ang="0">
+                <a:pos x="connsiteX39" y="connsiteY39"/>
+              </a:cxn>
+              <a:cxn ang="0">
+                <a:pos x="connsiteX40" y="connsiteY40"/>
+              </a:cxn>
+              <a:cxn ang="0">
+                <a:pos x="connsiteX41" y="connsiteY41"/>
+              </a:cxn>
+              <a:cxn ang="0">
+                <a:pos x="connsiteX42" y="connsiteY42"/>
+              </a:cxn>
+              <a:cxn ang="0">
+                <a:pos x="connsiteX43" y="connsiteY43"/>
+              </a:cxn>
+              <a:cxn ang="0">
+                <a:pos x="connsiteX44" y="connsiteY44"/>
+              </a:cxn>
+              <a:cxn ang="0">
+                <a:pos x="connsiteX45" y="connsiteY45"/>
+              </a:cxn>
+              <a:cxn ang="0">
+                <a:pos x="connsiteX46" y="connsiteY46"/>
+              </a:cxn>
+              <a:cxn ang="0">
+                <a:pos x="connsiteX47" y="connsiteY47"/>
+              </a:cxn>
+              <a:cxn ang="0">
+                <a:pos x="connsiteX48" y="connsiteY48"/>
+              </a:cxn>
+              <a:cxn ang="0">
+                <a:pos x="connsiteX49" y="connsiteY49"/>
+              </a:cxn>
+              <a:cxn ang="0">
+                <a:pos x="connsiteX50" y="connsiteY50"/>
+              </a:cxn>
+              <a:cxn ang="0">
+                <a:pos x="connsiteX51" y="connsiteY51"/>
+              </a:cxn>
+              <a:cxn ang="0">
+                <a:pos x="connsiteX52" y="connsiteY52"/>
+              </a:cxn>
+              <a:cxn ang="0">
+                <a:pos x="connsiteX53" y="connsiteY53"/>
+              </a:cxn>
+              <a:cxn ang="0">
+                <a:pos x="connsiteX54" y="connsiteY54"/>
+              </a:cxn>
+              <a:cxn ang="0">
+                <a:pos x="connsiteX55" y="connsiteY55"/>
+              </a:cxn>
+              <a:cxn ang="0">
+                <a:pos x="connsiteX56" y="connsiteY56"/>
+              </a:cxn>
+              <a:cxn ang="0">
+                <a:pos x="connsiteX57" y="connsiteY57"/>
+              </a:cxn>
+            </a:cxnLst>
+            <a:rect l="l" t="t" r="r" b="b"/>
+            <a:pathLst>
+              <a:path w="2026508" h="704335">
+                <a:moveTo>
+                  <a:pt x="0" y="0"/>
+                </a:moveTo>
+                <a:cubicBezTo>
+                  <a:pt x="7405" y="44426"/>
+                  <a:pt x="8122" y="72498"/>
+                  <a:pt x="24713" y="111210"/>
+                </a:cubicBezTo>
+                <a:cubicBezTo>
+                  <a:pt x="31969" y="128141"/>
+                  <a:pt x="37634" y="146487"/>
+                  <a:pt x="49427" y="160638"/>
+                </a:cubicBezTo>
+                <a:cubicBezTo>
+                  <a:pt x="58934" y="172047"/>
+                  <a:pt x="75397" y="175485"/>
+                  <a:pt x="86497" y="185351"/>
+                </a:cubicBezTo>
+                <a:cubicBezTo>
+                  <a:pt x="112619" y="208571"/>
+                  <a:pt x="132678" y="238522"/>
+                  <a:pt x="160638" y="259492"/>
+                </a:cubicBezTo>
+                <a:cubicBezTo>
+                  <a:pt x="177114" y="271849"/>
+                  <a:pt x="192601" y="285647"/>
+                  <a:pt x="210065" y="296562"/>
+                </a:cubicBezTo>
+                <a:cubicBezTo>
+                  <a:pt x="281203" y="341023"/>
+                  <a:pt x="234903" y="305605"/>
+                  <a:pt x="296562" y="333632"/>
+                </a:cubicBezTo>
+                <a:cubicBezTo>
+                  <a:pt x="330101" y="348877"/>
+                  <a:pt x="360466" y="371409"/>
+                  <a:pt x="395416" y="383059"/>
+                </a:cubicBezTo>
+                <a:cubicBezTo>
+                  <a:pt x="407773" y="387178"/>
+                  <a:pt x="419962" y="391838"/>
+                  <a:pt x="432486" y="395416"/>
+                </a:cubicBezTo>
+                <a:cubicBezTo>
+                  <a:pt x="448815" y="400082"/>
+                  <a:pt x="466012" y="401810"/>
+                  <a:pt x="481913" y="407773"/>
+                </a:cubicBezTo>
+                <a:cubicBezTo>
+                  <a:pt x="499160" y="414241"/>
+                  <a:pt x="514093" y="426018"/>
+                  <a:pt x="531340" y="432486"/>
+                </a:cubicBezTo>
+                <a:cubicBezTo>
+                  <a:pt x="547241" y="438449"/>
+                  <a:pt x="564500" y="439963"/>
+                  <a:pt x="580767" y="444843"/>
+                </a:cubicBezTo>
+                <a:cubicBezTo>
+                  <a:pt x="605719" y="452328"/>
+                  <a:pt x="654908" y="469556"/>
+                  <a:pt x="654908" y="469556"/>
+                </a:cubicBezTo>
+                <a:cubicBezTo>
+                  <a:pt x="724930" y="465437"/>
+                  <a:pt x="795178" y="464179"/>
+                  <a:pt x="864973" y="457200"/>
+                </a:cubicBezTo>
+                <a:cubicBezTo>
+                  <a:pt x="877933" y="455904"/>
+                  <a:pt x="892833" y="454053"/>
+                  <a:pt x="902043" y="444843"/>
+                </a:cubicBezTo>
+                <a:cubicBezTo>
+                  <a:pt x="923045" y="423840"/>
+                  <a:pt x="951470" y="370702"/>
+                  <a:pt x="951470" y="370702"/>
+                </a:cubicBezTo>
+                <a:cubicBezTo>
+                  <a:pt x="947351" y="341870"/>
+                  <a:pt x="949568" y="311389"/>
+                  <a:pt x="939113" y="284205"/>
+                </a:cubicBezTo>
+                <a:cubicBezTo>
+                  <a:pt x="928451" y="256483"/>
+                  <a:pt x="906161" y="234778"/>
+                  <a:pt x="889686" y="210065"/>
+                </a:cubicBezTo>
+                <a:cubicBezTo>
+                  <a:pt x="881448" y="197708"/>
+                  <a:pt x="877330" y="181232"/>
+                  <a:pt x="864973" y="172994"/>
+                </a:cubicBezTo>
+                <a:cubicBezTo>
+                  <a:pt x="852616" y="164756"/>
+                  <a:pt x="839312" y="157788"/>
+                  <a:pt x="827903" y="148281"/>
+                </a:cubicBezTo>
+                <a:cubicBezTo>
+                  <a:pt x="814478" y="137094"/>
+                  <a:pt x="804257" y="122397"/>
+                  <a:pt x="790832" y="111210"/>
+                </a:cubicBezTo>
+                <a:cubicBezTo>
+                  <a:pt x="758895" y="84596"/>
+                  <a:pt x="753844" y="86524"/>
+                  <a:pt x="716692" y="74140"/>
+                </a:cubicBezTo>
+                <a:cubicBezTo>
+                  <a:pt x="704335" y="78259"/>
+                  <a:pt x="690459" y="79272"/>
+                  <a:pt x="679621" y="86497"/>
+                </a:cubicBezTo>
+                <a:cubicBezTo>
+                  <a:pt x="651077" y="105526"/>
+                  <a:pt x="636074" y="133283"/>
+                  <a:pt x="617838" y="160638"/>
+                </a:cubicBezTo>
+                <a:cubicBezTo>
+                  <a:pt x="613719" y="181232"/>
+                  <a:pt x="610575" y="202046"/>
+                  <a:pt x="605481" y="222421"/>
+                </a:cubicBezTo>
+                <a:cubicBezTo>
+                  <a:pt x="602322" y="235058"/>
+                  <a:pt x="593124" y="246467"/>
+                  <a:pt x="593124" y="259492"/>
+                </a:cubicBezTo>
+                <a:cubicBezTo>
+                  <a:pt x="593124" y="288617"/>
+                  <a:pt x="599769" y="317430"/>
+                  <a:pt x="605481" y="345989"/>
+                </a:cubicBezTo>
+                <a:cubicBezTo>
+                  <a:pt x="608035" y="358761"/>
+                  <a:pt x="609701" y="372888"/>
+                  <a:pt x="617838" y="383059"/>
+                </a:cubicBezTo>
+                <a:cubicBezTo>
+                  <a:pt x="627115" y="394656"/>
+                  <a:pt x="642551" y="399535"/>
+                  <a:pt x="654908" y="407773"/>
+                </a:cubicBezTo>
+                <a:cubicBezTo>
+                  <a:pt x="663146" y="420130"/>
+                  <a:pt x="670114" y="433434"/>
+                  <a:pt x="679621" y="444843"/>
+                </a:cubicBezTo>
+                <a:cubicBezTo>
+                  <a:pt x="690808" y="458268"/>
+                  <a:pt x="706535" y="467693"/>
+                  <a:pt x="716692" y="481913"/>
+                </a:cubicBezTo>
+                <a:cubicBezTo>
+                  <a:pt x="727399" y="496902"/>
+                  <a:pt x="728380" y="518315"/>
+                  <a:pt x="741405" y="531340"/>
+                </a:cubicBezTo>
+                <a:cubicBezTo>
+                  <a:pt x="762408" y="552343"/>
+                  <a:pt x="791785" y="562946"/>
+                  <a:pt x="815546" y="580767"/>
+                </a:cubicBezTo>
+                <a:cubicBezTo>
+                  <a:pt x="910055" y="651650"/>
+                  <a:pt x="819411" y="588271"/>
+                  <a:pt x="914400" y="642551"/>
+                </a:cubicBezTo>
+                <a:cubicBezTo>
+                  <a:pt x="965753" y="671896"/>
+                  <a:pt x="934359" y="664845"/>
+                  <a:pt x="988540" y="679621"/>
+                </a:cubicBezTo>
+                <a:cubicBezTo>
+                  <a:pt x="1021309" y="688558"/>
+                  <a:pt x="1087394" y="704335"/>
+                  <a:pt x="1087394" y="704335"/>
+                </a:cubicBezTo>
+                <a:cubicBezTo>
+                  <a:pt x="1120345" y="700216"/>
+                  <a:pt x="1153492" y="697437"/>
+                  <a:pt x="1186248" y="691978"/>
+                </a:cubicBezTo>
+                <a:cubicBezTo>
+                  <a:pt x="1217277" y="686806"/>
+                  <a:pt x="1243366" y="677058"/>
+                  <a:pt x="1272746" y="667265"/>
+                </a:cubicBezTo>
+                <a:cubicBezTo>
+                  <a:pt x="1384565" y="555443"/>
+                  <a:pt x="1236938" y="710888"/>
+                  <a:pt x="1334530" y="580767"/>
+                </a:cubicBezTo>
+                <a:cubicBezTo>
+                  <a:pt x="1348510" y="562127"/>
+                  <a:pt x="1369401" y="549534"/>
+                  <a:pt x="1383957" y="531340"/>
+                </a:cubicBezTo>
+                <a:cubicBezTo>
+                  <a:pt x="1402512" y="508147"/>
+                  <a:pt x="1433384" y="457200"/>
+                  <a:pt x="1433384" y="457200"/>
+                </a:cubicBezTo>
+                <a:cubicBezTo>
+                  <a:pt x="1437503" y="444843"/>
+                  <a:pt x="1445740" y="433154"/>
+                  <a:pt x="1445740" y="420129"/>
+                </a:cubicBezTo>
+                <a:cubicBezTo>
+                  <a:pt x="1445740" y="407104"/>
+                  <a:pt x="1439709" y="394445"/>
+                  <a:pt x="1433384" y="383059"/>
+                </a:cubicBezTo>
+                <a:cubicBezTo>
+                  <a:pt x="1388320" y="301944"/>
+                  <a:pt x="1407053" y="316618"/>
+                  <a:pt x="1346886" y="296562"/>
+                </a:cubicBezTo>
+                <a:cubicBezTo>
+                  <a:pt x="1311235" y="272794"/>
+                  <a:pt x="1297658" y="251121"/>
+                  <a:pt x="1248032" y="284205"/>
+                </a:cubicBezTo>
+                <a:cubicBezTo>
+                  <a:pt x="1237195" y="291430"/>
+                  <a:pt x="1239795" y="308918"/>
+                  <a:pt x="1235676" y="321275"/>
+                </a:cubicBezTo>
+                <a:cubicBezTo>
+                  <a:pt x="1239795" y="383059"/>
+                  <a:pt x="1239275" y="445328"/>
+                  <a:pt x="1248032" y="506627"/>
+                </a:cubicBezTo>
+                <a:cubicBezTo>
+                  <a:pt x="1251716" y="532415"/>
+                  <a:pt x="1251071" y="566317"/>
+                  <a:pt x="1272746" y="580767"/>
+                </a:cubicBezTo>
+                <a:cubicBezTo>
+                  <a:pt x="1320653" y="612706"/>
+                  <a:pt x="1295727" y="600785"/>
+                  <a:pt x="1346886" y="617838"/>
+                </a:cubicBezTo>
+                <a:cubicBezTo>
+                  <a:pt x="1370044" y="616294"/>
+                  <a:pt x="1510346" y="622606"/>
+                  <a:pt x="1569308" y="593124"/>
+                </a:cubicBezTo>
+                <a:cubicBezTo>
+                  <a:pt x="1582591" y="586482"/>
+                  <a:pt x="1594021" y="576648"/>
+                  <a:pt x="1606378" y="568410"/>
+                </a:cubicBezTo>
+                <a:lnTo>
+                  <a:pt x="1655805" y="494270"/>
+                </a:lnTo>
+                <a:cubicBezTo>
+                  <a:pt x="1664043" y="481913"/>
+                  <a:pt x="1668162" y="465438"/>
+                  <a:pt x="1680519" y="457200"/>
+                </a:cubicBezTo>
+                <a:lnTo>
+                  <a:pt x="1717589" y="432486"/>
+                </a:lnTo>
+                <a:cubicBezTo>
+                  <a:pt x="1725827" y="420129"/>
+                  <a:pt x="1731802" y="405917"/>
+                  <a:pt x="1742303" y="395416"/>
+                </a:cubicBezTo>
+                <a:cubicBezTo>
+                  <a:pt x="1766259" y="371460"/>
+                  <a:pt x="1786291" y="368396"/>
+                  <a:pt x="1816443" y="358346"/>
+                </a:cubicBezTo>
+                <a:cubicBezTo>
+                  <a:pt x="1828800" y="350108"/>
+                  <a:pt x="1840230" y="340274"/>
+                  <a:pt x="1853513" y="333632"/>
+                </a:cubicBezTo>
+                <a:cubicBezTo>
+                  <a:pt x="1906882" y="306947"/>
+                  <a:pt x="1970382" y="321275"/>
+                  <a:pt x="2026508" y="321275"/>
+                </a:cubicBezTo>
+              </a:path>
+            </a:pathLst>
+          </a:custGeom>
+          <a:ln>
+            <a:headEnd type="none" w="med" len="med"/>
+            <a:tailEnd type="arrow" w="med" len="med"/>
+          </a:ln>
+        </p:spPr>
+        <p:style>
+          <a:lnRef idx="3">
+            <a:schemeClr val="dk1"/>
+          </a:lnRef>
+          <a:fillRef idx="0">
+            <a:schemeClr val="dk1"/>
+          </a:fillRef>
+          <a:effectRef idx="2">
+            <a:schemeClr val="dk1"/>
+          </a:effectRef>
+          <a:fontRef idx="minor">
+            <a:schemeClr val="tx1"/>
+          </a:fontRef>
+        </p:style>
+        <p:txBody>
+          <a:bodyPr rtlCol="0" anchor="ctr"/>
+          <a:lstStyle/>
+          <a:p>
+            <a:pPr algn="ctr"/>
+            <a:endParaRPr lang="en-DK"/>
+          </a:p>
+        </p:txBody>
+      </p:sp>
+      <p:cxnSp>
+        <p:nvCxnSpPr>
+          <p:cNvPr id="8" name="Straight Arrow Connector 7">
+            <a:extLst>
+              <a:ext uri="{FF2B5EF4-FFF2-40B4-BE49-F238E27FC236}">
+                <a16:creationId xmlns:a16="http://schemas.microsoft.com/office/drawing/2014/main" id="{D266B06F-9AA3-5D79-6341-F466DF837F7A}"/>
+              </a:ext>
+            </a:extLst>
+          </p:cNvPr>
+          <p:cNvCxnSpPr>
+            <a:cxnSpLocks/>
+            <a:stCxn id="6" idx="3"/>
+            <a:endCxn id="5" idx="1"/>
+          </p:cNvCxnSpPr>
+          <p:nvPr/>
+        </p:nvCxnSpPr>
+        <p:spPr>
+          <a:xfrm>
+            <a:off x="3709047" y="5692281"/>
+            <a:ext cx="1148961" cy="0"/>
+          </a:xfrm>
+          <a:prstGeom prst="straightConnector1">
+            <a:avLst/>
+          </a:prstGeom>
+          <a:ln w="28575" cap="flat" cmpd="sng" algn="ctr">
+            <a:solidFill>
+              <a:schemeClr val="dk1"/>
+            </a:solidFill>
+            <a:prstDash val="solid"/>
+            <a:round/>
+            <a:headEnd type="none" w="med" len="med"/>
+            <a:tailEnd type="arrow" w="med" len="med"/>
+          </a:ln>
+        </p:spPr>
+        <p:style>
+          <a:lnRef idx="0">
+            <a:scrgbClr r="0" g="0" b="0"/>
+          </a:lnRef>
+          <a:fillRef idx="0">
+            <a:scrgbClr r="0" g="0" b="0"/>
+          </a:fillRef>
+          <a:effectRef idx="0">
+            <a:scrgbClr r="0" g="0" b="0"/>
+          </a:effectRef>
+          <a:fontRef idx="minor">
+            <a:schemeClr val="tx1"/>
+          </a:fontRef>
+        </p:style>
+      </p:cxnSp>
+      <p:pic>
+        <p:nvPicPr>
+          <p:cNvPr id="10" name="Picture 3">
+            <a:extLst>
+              <a:ext uri="{FF2B5EF4-FFF2-40B4-BE49-F238E27FC236}">
+                <a16:creationId xmlns:a16="http://schemas.microsoft.com/office/drawing/2014/main" id="{3F087677-19C3-6900-93C6-017077790898}"/>
+              </a:ext>
+            </a:extLst>
+          </p:cNvPr>
+          <p:cNvPicPr>
+            <a:picLocks noChangeAspect="1" noChangeArrowheads="1"/>
+          </p:cNvPicPr>
+          <p:nvPr/>
+        </p:nvPicPr>
+        <p:blipFill>
+          <a:blip r:embed="rId2">
+            <a:extLst>
+              <a:ext uri="{28A0092B-C50C-407E-A947-70E740481C1C}">
+                <a14:useLocalDpi xmlns:a14="http://schemas.microsoft.com/office/drawing/2010/main" val="0"/>
+              </a:ext>
+            </a:extLst>
+          </a:blip>
+          <a:srcRect/>
+          <a:stretch>
+            <a:fillRect/>
+          </a:stretch>
+        </p:blipFill>
+        <p:spPr bwMode="auto">
+          <a:xfrm>
+            <a:off x="7805854" y="3231730"/>
+            <a:ext cx="4209388" cy="3176076"/>
+          </a:xfrm>
+          <a:prstGeom prst="rect">
+            <a:avLst/>
+          </a:prstGeom>
+          <a:noFill/>
+          <a:ln>
+            <a:noFill/>
+          </a:ln>
+          <a:effectLst/>
+          <a:extLst>
+            <a:ext uri="{909E8E84-426E-40DD-AFC4-6F175D3DCCD1}">
+              <a14:hiddenFill xmlns:a14="http://schemas.microsoft.com/office/drawing/2010/main">
+                <a:solidFill>
+                  <a:schemeClr val="accent1"/>
+                </a:solidFill>
+              </a14:hiddenFill>
+            </a:ext>
+            <a:ext uri="{91240B29-F687-4F45-9708-019B960494DF}">
+              <a14:hiddenLine xmlns:a14="http://schemas.microsoft.com/office/drawing/2010/main" w="9525">
+                <a:solidFill>
+                  <a:schemeClr val="tx1"/>
+                </a:solidFill>
+                <a:miter lim="800000"/>
+                <a:headEnd/>
+                <a:tailEnd/>
+              </a14:hiddenLine>
+            </a:ext>
+            <a:ext uri="{AF507438-7753-43E0-B8FC-AC1667EBCBE1}">
+              <a14:hiddenEffects xmlns:a14="http://schemas.microsoft.com/office/drawing/2010/main">
+                <a:effectLst>
+                  <a:outerShdw dist="35921" dir="2700000" algn="ctr" rotWithShape="0">
+                    <a:schemeClr val="bg2"/>
+                  </a:outerShdw>
+                </a:effectLst>
+              </a14:hiddenEffects>
+            </a:ext>
+          </a:extLst>
+        </p:spPr>
+      </p:pic>
+    </p:spTree>
+    <p:extLst>
+      <p:ext uri="{BB962C8B-B14F-4D97-AF65-F5344CB8AC3E}">
+        <p14:creationId xmlns:p14="http://schemas.microsoft.com/office/powerpoint/2010/main" val="589322524"/>
+      </p:ext>
+    </p:extLst>
+  </p:cSld>
+  <p:clrMapOvr>
+    <a:masterClrMapping/>
+  </p:clrMapOvr>
+</p:sld>
+</file>
+
+<file path=ppt/slides/slide11.xml><?xml version="1.0" encoding="utf-8"?>
+<p:sld xmlns:a="http://schemas.openxmlformats.org/drawingml/2006/main" xmlns:r="http://schemas.openxmlformats.org/officeDocument/2006/relationships" xmlns:p="http://schemas.openxmlformats.org/presentationml/2006/main">
+  <p:cSld>
+    <p:spTree>
+      <p:nvGrpSpPr>
+        <p:cNvPr id="1" name=""/>
+        <p:cNvGrpSpPr/>
+        <p:nvPr/>
+      </p:nvGrpSpPr>
+      <p:grpSpPr>
+        <a:xfrm>
+          <a:off x="0" y="0"/>
+          <a:ext cx="0" cy="0"/>
+          <a:chOff x="0" y="0"/>
+          <a:chExt cx="0" cy="0"/>
+        </a:xfrm>
+      </p:grpSpPr>
+      <p:sp>
+        <p:nvSpPr>
           <p:cNvPr id="2" name="Title 1"/>
           <p:cNvSpPr>
             <a:spLocks noGrp="1"/>
@@ -8424,8 +9339,32 @@
           <a:lstStyle/>
           <a:p>
             <a:r>
-              <a:rPr lang="da-DK" dirty="0" smtClean="0"/>
-              <a:t>Push variant</a:t>
+              <a:rPr lang="da-DK" dirty="0" err="1"/>
+              <a:t>Many</a:t>
+            </a:r>
+            <a:r>
+              <a:rPr lang="da-DK" dirty="0"/>
+              <a:t> </a:t>
+            </a:r>
+            <a:r>
+              <a:rPr lang="da-DK" dirty="0" err="1"/>
+              <a:t>observers</a:t>
+            </a:r>
+            <a:r>
+              <a:rPr lang="da-DK" dirty="0"/>
+              <a:t> to </a:t>
+            </a:r>
+            <a:r>
+              <a:rPr lang="da-DK" dirty="0" err="1"/>
+              <a:t>one</a:t>
+            </a:r>
+            <a:r>
+              <a:rPr lang="da-DK" dirty="0"/>
+              <a:t> </a:t>
+            </a:r>
+            <a:r>
+              <a:rPr lang="da-DK" dirty="0" err="1"/>
+              <a:t>observable</a:t>
             </a:r>
             <a:endParaRPr lang="da-DK" dirty="0"/>
           </a:p>
@@ -8433,7 +9372,7 @@
       </p:sp>
       <p:sp>
         <p:nvSpPr>
-          <p:cNvPr id="3" name="Content Placeholder 2"/>
+          <p:cNvPr id="5" name="Content Placeholder 4"/>
           <p:cNvSpPr>
             <a:spLocks noGrp="1"/>
           </p:cNvSpPr>
@@ -8441,23 +9380,240 @@
             <p:ph idx="4294967295"/>
           </p:nvPr>
         </p:nvSpPr>
-        <p:spPr/>
+        <p:spPr>
+          <a:xfrm>
+            <a:off x="693810" y="4842335"/>
+            <a:ext cx="10801203" cy="1432039"/>
+          </a:xfrm>
+        </p:spPr>
         <p:txBody>
           <a:bodyPr/>
           <a:lstStyle/>
           <a:p>
-            <a:endParaRPr lang="da-DK"/>
-          </a:p>
-        </p:txBody>
-      </p:sp>
-      <p:sp>
-        <p:nvSpPr>
-          <p:cNvPr id="4" name="Text Placeholder 3"/>
+            <a:r>
+              <a:rPr lang="da-DK" dirty="0"/>
+              <a:t>Let the </a:t>
+            </a:r>
+            <a:r>
+              <a:rPr lang="da-DK" dirty="0" err="1"/>
+              <a:t>subject</a:t>
+            </a:r>
+            <a:r>
+              <a:rPr lang="da-DK" dirty="0"/>
+              <a:t> hold a list of </a:t>
+            </a:r>
+            <a:r>
+              <a:rPr lang="da-DK" dirty="0" err="1"/>
+              <a:t>observers</a:t>
+            </a:r>
+            <a:r>
+              <a:rPr lang="da-DK" dirty="0"/>
+              <a:t>.</a:t>
+            </a:r>
+          </a:p>
+          <a:p>
+            <a:r>
+              <a:rPr lang="da-DK" dirty="0" err="1"/>
+              <a:t>Then</a:t>
+            </a:r>
+            <a:r>
+              <a:rPr lang="da-DK" dirty="0"/>
+              <a:t> </a:t>
+            </a:r>
+            <a:r>
+              <a:rPr lang="da-DK" dirty="0" err="1"/>
+              <a:t>many</a:t>
+            </a:r>
+            <a:r>
+              <a:rPr lang="da-DK" dirty="0"/>
+              <a:t> </a:t>
+            </a:r>
+            <a:r>
+              <a:rPr lang="da-DK" dirty="0" err="1"/>
+              <a:t>observers</a:t>
+            </a:r>
+            <a:r>
+              <a:rPr lang="da-DK" dirty="0"/>
+              <a:t> </a:t>
+            </a:r>
+            <a:r>
+              <a:rPr lang="da-DK" dirty="0" err="1"/>
+              <a:t>can</a:t>
+            </a:r>
+            <a:r>
+              <a:rPr lang="da-DK" dirty="0"/>
+              <a:t> </a:t>
+            </a:r>
+            <a:r>
+              <a:rPr lang="da-DK" dirty="0" err="1"/>
+              <a:t>attach</a:t>
+            </a:r>
+            <a:r>
+              <a:rPr lang="da-DK" dirty="0"/>
+              <a:t> to the same </a:t>
+            </a:r>
+            <a:r>
+              <a:rPr lang="da-DK" dirty="0" err="1"/>
+              <a:t>subject</a:t>
+            </a:r>
+            <a:r>
+              <a:rPr lang="da-DK" dirty="0"/>
+              <a:t>.</a:t>
+            </a:r>
+          </a:p>
+          <a:p>
+            <a:r>
+              <a:rPr lang="da-DK" dirty="0"/>
+              <a:t>An observer </a:t>
+            </a:r>
+            <a:r>
+              <a:rPr lang="da-DK" dirty="0" err="1"/>
+              <a:t>can</a:t>
+            </a:r>
+            <a:r>
+              <a:rPr lang="da-DK" dirty="0"/>
+              <a:t> </a:t>
+            </a:r>
+            <a:r>
+              <a:rPr lang="da-DK" dirty="0" err="1"/>
+              <a:t>remove</a:t>
+            </a:r>
+            <a:r>
+              <a:rPr lang="da-DK" dirty="0"/>
+              <a:t> it </a:t>
+            </a:r>
+            <a:r>
+              <a:rPr lang="da-DK" dirty="0" err="1"/>
+              <a:t>self</a:t>
+            </a:r>
+            <a:r>
+              <a:rPr lang="da-DK" dirty="0"/>
+              <a:t> from the list, by </a:t>
+            </a:r>
+            <a:r>
+              <a:rPr lang="da-DK" dirty="0" err="1"/>
+              <a:t>calling</a:t>
+            </a:r>
+            <a:r>
+              <a:rPr lang="da-DK" dirty="0"/>
+              <a:t> </a:t>
+            </a:r>
+            <a:r>
+              <a:rPr lang="da-DK" i="1" dirty="0" err="1"/>
+              <a:t>Detach</a:t>
+            </a:r>
+            <a:r>
+              <a:rPr lang="da-DK" i="1" dirty="0"/>
+              <a:t>.</a:t>
+            </a:r>
+          </a:p>
+          <a:p>
+            <a:endParaRPr lang="da-DK" dirty="0"/>
+          </a:p>
+        </p:txBody>
+      </p:sp>
+      <p:pic>
+        <p:nvPicPr>
+          <p:cNvPr id="7" name="Picture 7"/>
+          <p:cNvPicPr>
+            <a:picLocks noChangeAspect="1" noChangeArrowheads="1"/>
+          </p:cNvPicPr>
+          <p:nvPr/>
+        </p:nvPicPr>
+        <p:blipFill>
+          <a:blip r:embed="rId3">
+            <a:extLst>
+              <a:ext uri="{28A0092B-C50C-407E-A947-70E740481C1C}">
+                <a14:useLocalDpi xmlns:a14="http://schemas.microsoft.com/office/drawing/2010/main" val="0"/>
+              </a:ext>
+            </a:extLst>
+          </a:blip>
+          <a:srcRect/>
+          <a:stretch>
+            <a:fillRect/>
+          </a:stretch>
+        </p:blipFill>
+        <p:spPr bwMode="auto">
+          <a:xfrm>
+            <a:off x="3568087" y="1426433"/>
+            <a:ext cx="3701910" cy="2789111"/>
+          </a:xfrm>
+          <a:prstGeom prst="rect">
+            <a:avLst/>
+          </a:prstGeom>
+          <a:noFill/>
+          <a:ln>
+            <a:noFill/>
+          </a:ln>
+          <a:effectLst/>
+          <a:extLst>
+            <a:ext uri="{909E8E84-426E-40DD-AFC4-6F175D3DCCD1}">
+              <a14:hiddenFill xmlns:a14="http://schemas.microsoft.com/office/drawing/2010/main">
+                <a:solidFill>
+                  <a:schemeClr val="accent1"/>
+                </a:solidFill>
+              </a14:hiddenFill>
+            </a:ext>
+            <a:ext uri="{91240B29-F687-4F45-9708-019B960494DF}">
+              <a14:hiddenLine xmlns:a14="http://schemas.microsoft.com/office/drawing/2010/main" w="9525">
+                <a:solidFill>
+                  <a:schemeClr val="tx1"/>
+                </a:solidFill>
+                <a:miter lim="800000"/>
+                <a:headEnd/>
+                <a:tailEnd/>
+              </a14:hiddenLine>
+            </a:ext>
+            <a:ext uri="{AF507438-7753-43E0-B8FC-AC1667EBCBE1}">
+              <a14:hiddenEffects xmlns:a14="http://schemas.microsoft.com/office/drawing/2010/main">
+                <a:effectLst>
+                  <a:outerShdw dist="35921" dir="2700000" algn="ctr" rotWithShape="0">
+                    <a:schemeClr val="bg2"/>
+                  </a:outerShdw>
+                </a:effectLst>
+              </a14:hiddenEffects>
+            </a:ext>
+          </a:extLst>
+        </p:spPr>
+      </p:pic>
+    </p:spTree>
+    <p:extLst>
+      <p:ext uri="{BB962C8B-B14F-4D97-AF65-F5344CB8AC3E}">
+        <p14:creationId xmlns:p14="http://schemas.microsoft.com/office/powerpoint/2010/main" val="918554087"/>
+      </p:ext>
+    </p:extLst>
+  </p:cSld>
+  <p:clrMapOvr>
+    <a:masterClrMapping/>
+  </p:clrMapOvr>
+</p:sld>
+</file>
+
+<file path=ppt/slides/slide12.xml><?xml version="1.0" encoding="utf-8"?>
+<p:sld xmlns:a="http://schemas.openxmlformats.org/drawingml/2006/main" xmlns:r="http://schemas.openxmlformats.org/officeDocument/2006/relationships" xmlns:p="http://schemas.openxmlformats.org/presentationml/2006/main">
+  <p:cSld>
+    <p:spTree>
+      <p:nvGrpSpPr>
+        <p:cNvPr id="1" name=""/>
+        <p:cNvGrpSpPr/>
+        <p:nvPr/>
+      </p:nvGrpSpPr>
+      <p:grpSpPr>
+        <a:xfrm>
+          <a:off x="0" y="0"/>
+          <a:ext cx="0" cy="0"/>
+          <a:chOff x="0" y="0"/>
+          <a:chExt cx="0" cy="0"/>
+        </a:xfrm>
+      </p:grpSpPr>
+      <p:sp>
+        <p:nvSpPr>
+          <p:cNvPr id="2" name="Title 1"/>
           <p:cNvSpPr>
             <a:spLocks noGrp="1"/>
           </p:cNvSpPr>
           <p:nvPr>
-            <p:ph type="body" idx="4294967295"/>
+            <p:ph type="title"/>
           </p:nvPr>
         </p:nvSpPr>
         <p:spPr/>
@@ -8465,7 +9621,10 @@
           <a:bodyPr/>
           <a:lstStyle/>
           <a:p>
-            <a:endParaRPr lang="da-DK"/>
+            <a:r>
+              <a:rPr lang="da-DK" dirty="0"/>
+              <a:t>Push variant</a:t>
+            </a:r>
           </a:p>
         </p:txBody>
       </p:sp>
@@ -8543,14 +9702,6 @@
   <p:clrMapOvr>
     <a:masterClrMapping/>
   </p:clrMapOvr>
-  <mc:AlternateContent xmlns:mc="http://schemas.openxmlformats.org/markup-compatibility/2006" xmlns:p14="http://schemas.microsoft.com/office/powerpoint/2010/main">
-    <mc:Choice Requires="p14">
-      <p:transition spd="slow" p14:dur="2000"/>
-    </mc:Choice>
-    <mc:Fallback xmlns="">
-      <p:transition spd="slow"/>
-    </mc:Fallback>
-  </mc:AlternateContent>
   <p:timing>
     <p:tnLst>
       <p:par>
@@ -8629,7 +9780,7 @@
 </p:sld>
 </file>
 
-<file path=ppt/slides/slide11.xml><?xml version="1.0" encoding="utf-8"?>
+<file path=ppt/slides/slide13.xml><?xml version="1.0" encoding="utf-8"?>
 <p:sld xmlns:a="http://schemas.openxmlformats.org/drawingml/2006/main" xmlns:r="http://schemas.openxmlformats.org/officeDocument/2006/relationships" xmlns:p="http://schemas.openxmlformats.org/presentationml/2006/main">
   <p:cSld>
     <p:spTree>
@@ -8670,44 +9821,6 @@
               <a:t>pull</a:t>
             </a:r>
             <a:endParaRPr lang="da-DK" dirty="0"/>
-          </a:p>
-        </p:txBody>
-      </p:sp>
-      <p:sp>
-        <p:nvSpPr>
-          <p:cNvPr id="3" name="Content Placeholder 2"/>
-          <p:cNvSpPr>
-            <a:spLocks noGrp="1"/>
-          </p:cNvSpPr>
-          <p:nvPr>
-            <p:ph idx="4294967295"/>
-          </p:nvPr>
-        </p:nvSpPr>
-        <p:spPr/>
-        <p:txBody>
-          <a:bodyPr/>
-          <a:lstStyle/>
-          <a:p>
-            <a:endParaRPr lang="da-DK" dirty="0"/>
-          </a:p>
-        </p:txBody>
-      </p:sp>
-      <p:sp>
-        <p:nvSpPr>
-          <p:cNvPr id="4" name="Text Placeholder 3"/>
-          <p:cNvSpPr>
-            <a:spLocks noGrp="1"/>
-          </p:cNvSpPr>
-          <p:nvPr>
-            <p:ph type="body" idx="4294967295"/>
-          </p:nvPr>
-        </p:nvSpPr>
-        <p:spPr/>
-        <p:txBody>
-          <a:bodyPr/>
-          <a:lstStyle/>
-          <a:p>
-            <a:endParaRPr lang="da-DK"/>
           </a:p>
         </p:txBody>
       </p:sp>
@@ -9089,34 +10202,34 @@
           </a:lstStyle>
           <a:p>
             <a:r>
-              <a:rPr lang="en-US" sz="2400" i="1" dirty="0" smtClean="0"/>
+              <a:rPr lang="en-US" sz="2400" i="1" dirty="0"/>
               <a:t>Pull</a:t>
             </a:r>
             <a:r>
-              <a:rPr lang="en-US" sz="2400" dirty="0" smtClean="0"/>
+              <a:rPr lang="en-US" sz="2400" dirty="0"/>
               <a:t> variant </a:t>
             </a:r>
             <a:br>
-              <a:rPr lang="en-US" sz="2400" dirty="0" smtClean="0"/>
+              <a:rPr lang="en-US" sz="2400" dirty="0"/>
             </a:br>
             <a:r>
-              <a:rPr lang="en-US" sz="2400" dirty="0" smtClean="0"/>
+              <a:rPr lang="en-US" sz="2400" dirty="0"/>
               <a:t>(Observer </a:t>
             </a:r>
             <a:r>
-              <a:rPr lang="en-US" sz="2400" i="1" dirty="0" smtClean="0"/>
+              <a:rPr lang="en-US" sz="2400" i="1" dirty="0"/>
               <a:t>pulls </a:t>
             </a:r>
             <a:r>
-              <a:rPr lang="en-US" sz="2400" dirty="0" smtClean="0"/>
+              <a:rPr lang="en-US" sz="2400" dirty="0"/>
               <a:t>state from subject)</a:t>
             </a:r>
           </a:p>
           <a:p>
-            <a:endParaRPr lang="en-US" sz="2400" dirty="0" smtClean="0"/>
-          </a:p>
-          <a:p>
-            <a:endParaRPr lang="en-US" sz="2400" dirty="0" smtClean="0"/>
+            <a:endParaRPr lang="en-US" sz="2400" dirty="0"/>
+          </a:p>
+          <a:p>
+            <a:endParaRPr lang="en-US" sz="2400" dirty="0"/>
           </a:p>
         </p:txBody>
       </p:sp>
@@ -9286,22 +10399,16 @@
               <a:buNone/>
             </a:pPr>
             <a:r>
-              <a:rPr lang="en-US" sz="2400" i="1" dirty="0" smtClean="0">
+              <a:rPr lang="en-US" sz="2400" i="1" dirty="0">
                 <a:latin typeface="AU Passata" panose="020B0503030502030804" pitchFamily="34" charset="0"/>
               </a:rPr>
               <a:t>Push</a:t>
             </a:r>
             <a:r>
-              <a:rPr lang="en-US" sz="2400" dirty="0" smtClean="0">
+              <a:rPr lang="en-US" sz="2400" dirty="0">
                 <a:latin typeface="AU Passata" panose="020B0503030502030804" pitchFamily="34" charset="0"/>
               </a:rPr>
               <a:t> variant</a:t>
-            </a:r>
-            <a:r>
-              <a:rPr lang="en-US" sz="2400" dirty="0">
-                <a:latin typeface="AU Passata" panose="020B0503030502030804" pitchFamily="34" charset="0"/>
-              </a:rPr>
-              <a:t/>
             </a:r>
             <a:br>
               <a:rPr lang="en-US" sz="2400" dirty="0">
@@ -9309,19 +10416,19 @@
               </a:rPr>
             </a:br>
             <a:r>
-              <a:rPr lang="en-US" sz="2400" dirty="0" smtClean="0">
+              <a:rPr lang="en-US" sz="2400" dirty="0">
                 <a:latin typeface="AU Passata" panose="020B0503030502030804" pitchFamily="34" charset="0"/>
               </a:rPr>
               <a:t>(Subject </a:t>
             </a:r>
             <a:r>
-              <a:rPr lang="en-US" sz="2400" i="1" dirty="0" smtClean="0">
+              <a:rPr lang="en-US" sz="2400" i="1" dirty="0">
                 <a:latin typeface="AU Passata" panose="020B0503030502030804" pitchFamily="34" charset="0"/>
               </a:rPr>
               <a:t>pushes</a:t>
             </a:r>
             <a:r>
-              <a:rPr lang="en-US" sz="2400" dirty="0" smtClean="0">
+              <a:rPr lang="en-US" sz="2400" dirty="0">
                 <a:latin typeface="AU Passata" panose="020B0503030502030804" pitchFamily="34" charset="0"/>
               </a:rPr>
               <a:t> state to observer)</a:t>
@@ -9339,14 +10446,6 @@
   <p:clrMapOvr>
     <a:masterClrMapping/>
   </p:clrMapOvr>
-  <mc:AlternateContent xmlns:mc="http://schemas.openxmlformats.org/markup-compatibility/2006" xmlns:p14="http://schemas.microsoft.com/office/powerpoint/2010/main">
-    <mc:Choice Requires="p14">
-      <p:transition spd="slow" p14:dur="2000"/>
-    </mc:Choice>
-    <mc:Fallback xmlns="">
-      <p:transition spd="slow"/>
-    </mc:Fallback>
-  </mc:AlternateContent>
   <p:timing>
     <p:tnLst>
       <p:par>
@@ -9455,7 +10554,7 @@
 </p:sld>
 </file>
 
-<file path=ppt/slides/slide12.xml><?xml version="1.0" encoding="utf-8"?>
+<file path=ppt/slides/slide14.xml><?xml version="1.0" encoding="utf-8"?>
 <p:sld xmlns:a="http://schemas.openxmlformats.org/drawingml/2006/main" xmlns:r="http://schemas.openxmlformats.org/officeDocument/2006/relationships" xmlns:p="http://schemas.openxmlformats.org/presentationml/2006/main">
   <p:cSld>
     <p:spTree>
@@ -9493,14 +10592,7 @@
             </a:r>
             <a:r>
               <a:rPr lang="en-US" sz="2800" dirty="0"/>
-              <a:t> Observer – </a:t>
-            </a:r>
-            <a:br>
-              <a:rPr lang="en-US" sz="2800" dirty="0"/>
-            </a:br>
-            <a:r>
-              <a:rPr lang="en-US" sz="2800" dirty="0"/>
-              <a:t>handling subjects of different types</a:t>
+              <a:t> Observer – handling subjects of different types</a:t>
             </a:r>
             <a:endParaRPr lang="da-DK" sz="2800" dirty="0"/>
           </a:p>
@@ -9519,7 +10611,7 @@
         <p:spPr>
           <a:xfrm>
             <a:off x="693810" y="1268757"/>
-            <a:ext cx="4839243" cy="4968547"/>
+            <a:ext cx="4839243" cy="1054313"/>
           </a:xfrm>
         </p:spPr>
         <p:txBody>
@@ -9541,25 +10633,6 @@
           </a:p>
           <a:p>
             <a:endParaRPr lang="da-DK" dirty="0"/>
-          </a:p>
-        </p:txBody>
-      </p:sp>
-      <p:sp>
-        <p:nvSpPr>
-          <p:cNvPr id="4" name="Text Placeholder 3"/>
-          <p:cNvSpPr>
-            <a:spLocks noGrp="1"/>
-          </p:cNvSpPr>
-          <p:nvPr>
-            <p:ph type="body" idx="4294967295"/>
-          </p:nvPr>
-        </p:nvSpPr>
-        <p:spPr/>
-        <p:txBody>
-          <a:bodyPr/>
-          <a:lstStyle/>
-          <a:p>
-            <a:endParaRPr lang="da-DK"/>
           </a:p>
         </p:txBody>
       </p:sp>
@@ -9586,7 +10659,7 @@
         </p:blipFill>
         <p:spPr bwMode="auto">
           <a:xfrm>
-            <a:off x="7142393" y="836712"/>
+            <a:off x="8224061" y="923356"/>
             <a:ext cx="2552700" cy="1981200"/>
           </a:xfrm>
           <a:prstGeom prst="rect">
@@ -9635,7 +10708,7 @@
         </p:nvSpPr>
         <p:spPr>
           <a:xfrm>
-            <a:off x="7966388" y="3818008"/>
+            <a:off x="7485748" y="3266196"/>
             <a:ext cx="2608498" cy="923330"/>
           </a:xfrm>
           <a:prstGeom prst="rect">
@@ -9668,7 +10741,7 @@
           <a:p>
             <a:pPr marL="0" lvl="1"/>
             <a:r>
-              <a:rPr lang="en-US" dirty="0" smtClean="0"/>
+              <a:rPr lang="en-US" dirty="0"/>
               <a:t>Use C# generics to specify the type of subject(s) to observe</a:t>
             </a:r>
             <a:endParaRPr lang="en-US" sz="1400" dirty="0"/>
@@ -9679,14 +10752,15 @@
         <p:nvCxnSpPr>
           <p:cNvPr id="7" name="Straight Arrow Connector 6"/>
           <p:cNvCxnSpPr>
+            <a:cxnSpLocks/>
             <a:stCxn id="6" idx="1"/>
           </p:cNvCxnSpPr>
           <p:nvPr/>
         </p:nvCxnSpPr>
         <p:spPr>
           <a:xfrm flipH="1" flipV="1">
-            <a:off x="7635570" y="3549081"/>
-            <a:ext cx="330818" cy="730592"/>
+            <a:off x="6462645" y="2997269"/>
+            <a:ext cx="1023103" cy="730592"/>
           </a:xfrm>
           <a:prstGeom prst="straightConnector1">
             <a:avLst/>
@@ -9718,7 +10792,7 @@
         </p:nvSpPr>
         <p:spPr>
           <a:xfrm>
-            <a:off x="7966388" y="5342626"/>
+            <a:off x="7619563" y="4623162"/>
             <a:ext cx="2608498" cy="646331"/>
           </a:xfrm>
           <a:prstGeom prst="rect">
@@ -9751,7 +10825,7 @@
           <a:p>
             <a:pPr marL="0" lvl="1"/>
             <a:r>
-              <a:rPr lang="en-US" dirty="0" smtClean="0"/>
+              <a:rPr lang="en-US" dirty="0"/>
               <a:t>Implement </a:t>
             </a:r>
             <a:r>
@@ -9762,7 +10836,7 @@
               <a:t>Update</a:t>
             </a:r>
             <a:r>
-              <a:rPr lang="en-US" dirty="0" smtClean="0"/>
+              <a:rPr lang="en-US" dirty="0"/>
               <a:t> for each </a:t>
             </a:r>
             <a:r>
@@ -9783,14 +10857,15 @@
         <p:nvCxnSpPr>
           <p:cNvPr id="9" name="Straight Arrow Connector 8"/>
           <p:cNvCxnSpPr>
+            <a:cxnSpLocks/>
             <a:stCxn id="8" idx="1"/>
           </p:cNvCxnSpPr>
           <p:nvPr/>
         </p:nvCxnSpPr>
         <p:spPr>
           <a:xfrm flipH="1">
-            <a:off x="7390324" y="5665792"/>
-            <a:ext cx="576064" cy="161582"/>
+            <a:off x="6196006" y="4946328"/>
+            <a:ext cx="1423557" cy="323165"/>
           </a:xfrm>
           <a:prstGeom prst="straightConnector1">
             <a:avLst/>
@@ -9818,14 +10893,15 @@
         <p:nvCxnSpPr>
           <p:cNvPr id="10" name="Straight Arrow Connector 9"/>
           <p:cNvCxnSpPr>
+            <a:cxnSpLocks/>
             <a:stCxn id="6" idx="1"/>
           </p:cNvCxnSpPr>
           <p:nvPr/>
         </p:nvCxnSpPr>
         <p:spPr>
           <a:xfrm flipH="1" flipV="1">
-            <a:off x="4293980" y="3549081"/>
-            <a:ext cx="3672408" cy="730592"/>
+            <a:off x="3099662" y="2997269"/>
+            <a:ext cx="4386086" cy="730592"/>
           </a:xfrm>
           <a:prstGeom prst="straightConnector1">
             <a:avLst/>
@@ -9852,13 +10928,15 @@
       <p:cxnSp>
         <p:nvCxnSpPr>
           <p:cNvPr id="11" name="Straight Arrow Connector 10"/>
-          <p:cNvCxnSpPr/>
+          <p:cNvCxnSpPr>
+            <a:cxnSpLocks/>
+          </p:cNvCxnSpPr>
           <p:nvPr/>
         </p:nvCxnSpPr>
         <p:spPr>
           <a:xfrm flipH="1">
-            <a:off x="7390324" y="5827374"/>
-            <a:ext cx="576064" cy="161582"/>
+            <a:off x="6196006" y="5140712"/>
+            <a:ext cx="1423557" cy="290363"/>
           </a:xfrm>
           <a:prstGeom prst="straightConnector1">
             <a:avLst/>
@@ -9905,7 +10983,7 @@
         </p:blipFill>
         <p:spPr bwMode="auto">
           <a:xfrm>
-            <a:off x="1934781" y="3261049"/>
+            <a:off x="740463" y="2703168"/>
             <a:ext cx="5743575" cy="2886075"/>
           </a:xfrm>
           <a:prstGeom prst="rect">
@@ -9946,6 +11024,41 @@
           </a:extLst>
         </p:spPr>
       </p:pic>
+      <p:sp>
+        <p:nvSpPr>
+          <p:cNvPr id="13" name="TextBox 12">
+            <a:extLst>
+              <a:ext uri="{FF2B5EF4-FFF2-40B4-BE49-F238E27FC236}">
+                <a16:creationId xmlns:a16="http://schemas.microsoft.com/office/drawing/2014/main" id="{D459824D-07A8-C5C7-DF8E-49CC942FB181}"/>
+              </a:ext>
+            </a:extLst>
+          </p:cNvPr>
+          <p:cNvSpPr txBox="1"/>
+          <p:nvPr/>
+        </p:nvSpPr>
+        <p:spPr>
+          <a:xfrm>
+            <a:off x="3099662" y="5912409"/>
+            <a:ext cx="5271888" cy="523220"/>
+          </a:xfrm>
+          <a:prstGeom prst="rect">
+            <a:avLst/>
+          </a:prstGeom>
+          <a:noFill/>
+        </p:spPr>
+        <p:txBody>
+          <a:bodyPr wrap="square" rtlCol="0">
+            <a:spAutoFit/>
+          </a:bodyPr>
+          <a:lstStyle/>
+          <a:p>
+            <a:r>
+              <a:rPr lang="en-DK" sz="2800" b="1" dirty="0"/>
+              <a:t>Covered in 4th semester</a:t>
+            </a:r>
+          </a:p>
+        </p:txBody>
+      </p:sp>
     </p:spTree>
     <p:extLst>
       <p:ext uri="{BB962C8B-B14F-4D97-AF65-F5344CB8AC3E}">
@@ -9956,14 +11069,6 @@
   <p:clrMapOvr>
     <a:masterClrMapping/>
   </p:clrMapOvr>
-  <mc:AlternateContent xmlns:mc="http://schemas.openxmlformats.org/markup-compatibility/2006" xmlns:p14="http://schemas.microsoft.com/office/powerpoint/2010/main">
-    <mc:Choice Requires="p14">
-      <p:transition spd="slow" p14:dur="2000"/>
-    </mc:Choice>
-    <mc:Fallback xmlns="">
-      <p:transition spd="slow"/>
-    </mc:Fallback>
-  </mc:AlternateContent>
   <p:timing>
     <p:tnLst>
       <p:par>
@@ -10181,242 +11286,6 @@
 </p:sld>
 </file>
 
-<file path=ppt/slides/slide13.xml><?xml version="1.0" encoding="utf-8"?>
-<p:sld xmlns:a="http://schemas.openxmlformats.org/drawingml/2006/main" xmlns:r="http://schemas.openxmlformats.org/officeDocument/2006/relationships" xmlns:p="http://schemas.openxmlformats.org/presentationml/2006/main">
-  <p:cSld>
-    <p:spTree>
-      <p:nvGrpSpPr>
-        <p:cNvPr id="1" name=""/>
-        <p:cNvGrpSpPr/>
-        <p:nvPr/>
-      </p:nvGrpSpPr>
-      <p:grpSpPr>
-        <a:xfrm>
-          <a:off x="0" y="0"/>
-          <a:ext cx="0" cy="0"/>
-          <a:chOff x="0" y="0"/>
-          <a:chExt cx="0" cy="0"/>
-        </a:xfrm>
-      </p:grpSpPr>
-      <p:sp>
-        <p:nvSpPr>
-          <p:cNvPr id="2" name="Title 1"/>
-          <p:cNvSpPr>
-            <a:spLocks noGrp="1"/>
-          </p:cNvSpPr>
-          <p:nvPr>
-            <p:ph type="title"/>
-          </p:nvPr>
-        </p:nvSpPr>
-        <p:spPr/>
-        <p:txBody>
-          <a:bodyPr/>
-          <a:lstStyle/>
-          <a:p>
-            <a:r>
-              <a:rPr lang="da-DK" dirty="0" smtClean="0"/>
-              <a:t>C# </a:t>
-            </a:r>
-            <a:r>
-              <a:rPr lang="da-DK" dirty="0" err="1" smtClean="0"/>
-              <a:t>Speficics</a:t>
-            </a:r>
-            <a:r>
-              <a:rPr lang="da-DK" dirty="0" smtClean="0"/>
-              <a:t>: </a:t>
-            </a:r>
-            <a:r>
-              <a:rPr lang="da-DK" dirty="0" err="1" smtClean="0"/>
-              <a:t>delegates</a:t>
-            </a:r>
-            <a:r>
-              <a:rPr lang="da-DK" dirty="0" smtClean="0"/>
-              <a:t> and events</a:t>
-            </a:r>
-            <a:endParaRPr lang="da-DK" dirty="0"/>
-          </a:p>
-        </p:txBody>
-      </p:sp>
-      <p:sp>
-        <p:nvSpPr>
-          <p:cNvPr id="3" name="Content Placeholder 2"/>
-          <p:cNvSpPr>
-            <a:spLocks noGrp="1"/>
-          </p:cNvSpPr>
-          <p:nvPr>
-            <p:ph idx="4294967295"/>
-          </p:nvPr>
-        </p:nvSpPr>
-        <p:spPr/>
-        <p:txBody>
-          <a:bodyPr/>
-          <a:lstStyle/>
-          <a:p>
-            <a:endParaRPr lang="da-DK"/>
-          </a:p>
-        </p:txBody>
-      </p:sp>
-      <p:sp>
-        <p:nvSpPr>
-          <p:cNvPr id="4" name="Text Placeholder 3"/>
-          <p:cNvSpPr>
-            <a:spLocks noGrp="1"/>
-          </p:cNvSpPr>
-          <p:nvPr>
-            <p:ph type="body" idx="4294967295"/>
-          </p:nvPr>
-        </p:nvSpPr>
-        <p:spPr/>
-        <p:txBody>
-          <a:bodyPr/>
-          <a:lstStyle/>
-          <a:p>
-            <a:endParaRPr lang="da-DK"/>
-          </a:p>
-        </p:txBody>
-      </p:sp>
-    </p:spTree>
-    <p:extLst>
-      <p:ext uri="{BB962C8B-B14F-4D97-AF65-F5344CB8AC3E}">
-        <p14:creationId xmlns:p14="http://schemas.microsoft.com/office/powerpoint/2010/main" val="2620044389"/>
-      </p:ext>
-    </p:extLst>
-  </p:cSld>
-  <p:clrMapOvr>
-    <a:masterClrMapping/>
-  </p:clrMapOvr>
-  <mc:AlternateContent xmlns:mc="http://schemas.openxmlformats.org/markup-compatibility/2006" xmlns:p14="http://schemas.microsoft.com/office/powerpoint/2010/main">
-    <mc:Choice Requires="p14">
-      <p:transition spd="slow" p14:dur="2000"/>
-    </mc:Choice>
-    <mc:Fallback xmlns="">
-      <p:transition spd="slow"/>
-    </mc:Fallback>
-  </mc:AlternateContent>
-  <p:timing>
-    <p:tnLst>
-      <p:par>
-        <p:cTn id="1" dur="indefinite" restart="never" nodeType="tmRoot"/>
-      </p:par>
-    </p:tnLst>
-  </p:timing>
-</p:sld>
-</file>
-
-<file path=ppt/slides/slide14.xml><?xml version="1.0" encoding="utf-8"?>
-<p:sld xmlns:a="http://schemas.openxmlformats.org/drawingml/2006/main" xmlns:r="http://schemas.openxmlformats.org/officeDocument/2006/relationships" xmlns:p="http://schemas.openxmlformats.org/presentationml/2006/main">
-  <p:cSld>
-    <p:spTree>
-      <p:nvGrpSpPr>
-        <p:cNvPr id="1" name=""/>
-        <p:cNvGrpSpPr/>
-        <p:nvPr/>
-      </p:nvGrpSpPr>
-      <p:grpSpPr>
-        <a:xfrm>
-          <a:off x="0" y="0"/>
-          <a:ext cx="0" cy="0"/>
-          <a:chOff x="0" y="0"/>
-          <a:chExt cx="0" cy="0"/>
-        </a:xfrm>
-      </p:grpSpPr>
-      <p:sp>
-        <p:nvSpPr>
-          <p:cNvPr id="2" name="Title 1"/>
-          <p:cNvSpPr>
-            <a:spLocks noGrp="1"/>
-          </p:cNvSpPr>
-          <p:nvPr>
-            <p:ph type="title"/>
-          </p:nvPr>
-        </p:nvSpPr>
-        <p:spPr/>
-        <p:txBody>
-          <a:bodyPr/>
-          <a:lstStyle/>
-          <a:p>
-            <a:r>
-              <a:rPr lang="da-DK" dirty="0" err="1" smtClean="0"/>
-              <a:t>Dependency</a:t>
-            </a:r>
-            <a:r>
-              <a:rPr lang="da-DK" dirty="0" smtClean="0"/>
-              <a:t> Inversion </a:t>
-            </a:r>
-            <a:r>
-              <a:rPr lang="da-DK" dirty="0" err="1" smtClean="0"/>
-              <a:t>Principle</a:t>
-            </a:r>
-            <a:endParaRPr lang="da-DK" dirty="0"/>
-          </a:p>
-        </p:txBody>
-      </p:sp>
-      <p:sp>
-        <p:nvSpPr>
-          <p:cNvPr id="3" name="Content Placeholder 2"/>
-          <p:cNvSpPr>
-            <a:spLocks noGrp="1"/>
-          </p:cNvSpPr>
-          <p:nvPr>
-            <p:ph idx="4294967295"/>
-          </p:nvPr>
-        </p:nvSpPr>
-        <p:spPr/>
-        <p:txBody>
-          <a:bodyPr/>
-          <a:lstStyle/>
-          <a:p>
-            <a:endParaRPr lang="da-DK"/>
-          </a:p>
-        </p:txBody>
-      </p:sp>
-      <p:sp>
-        <p:nvSpPr>
-          <p:cNvPr id="4" name="Text Placeholder 3"/>
-          <p:cNvSpPr>
-            <a:spLocks noGrp="1"/>
-          </p:cNvSpPr>
-          <p:nvPr>
-            <p:ph type="body" idx="4294967295"/>
-          </p:nvPr>
-        </p:nvSpPr>
-        <p:spPr/>
-        <p:txBody>
-          <a:bodyPr/>
-          <a:lstStyle/>
-          <a:p>
-            <a:endParaRPr lang="da-DK"/>
-          </a:p>
-        </p:txBody>
-      </p:sp>
-    </p:spTree>
-    <p:extLst>
-      <p:ext uri="{BB962C8B-B14F-4D97-AF65-F5344CB8AC3E}">
-        <p14:creationId xmlns:p14="http://schemas.microsoft.com/office/powerpoint/2010/main" val="2407481134"/>
-      </p:ext>
-    </p:extLst>
-  </p:cSld>
-  <p:clrMapOvr>
-    <a:masterClrMapping/>
-  </p:clrMapOvr>
-  <mc:AlternateContent xmlns:mc="http://schemas.openxmlformats.org/markup-compatibility/2006" xmlns:p14="http://schemas.microsoft.com/office/powerpoint/2010/main">
-    <mc:Choice Requires="p14">
-      <p:transition spd="slow" p14:dur="2000"/>
-    </mc:Choice>
-    <mc:Fallback xmlns="">
-      <p:transition spd="slow"/>
-    </mc:Fallback>
-  </mc:AlternateContent>
-  <p:timing>
-    <p:tnLst>
-      <p:par>
-        <p:cTn id="1" dur="indefinite" restart="never" nodeType="tmRoot"/>
-      </p:par>
-    </p:tnLst>
-  </p:timing>
-</p:sld>
-</file>
-
 <file path=ppt/slides/slide15.xml><?xml version="1.0" encoding="utf-8"?>
 <p:sld xmlns:a="http://schemas.openxmlformats.org/drawingml/2006/main" xmlns:r="http://schemas.openxmlformats.org/officeDocument/2006/relationships" xmlns:p="http://schemas.openxmlformats.org/presentationml/2006/main">
   <p:cSld>
@@ -10450,10 +11319,17 @@
           <a:lstStyle/>
           <a:p>
             <a:r>
-              <a:rPr lang="da-DK" dirty="0" smtClean="0"/>
-              <a:t>Summary</a:t>
-            </a:r>
-            <a:endParaRPr lang="da-DK" dirty="0"/>
+              <a:rPr lang="da-DK" dirty="0"/>
+              <a:t>C# </a:t>
+            </a:r>
+            <a:r>
+              <a:rPr lang="da-DK" dirty="0" err="1"/>
+              <a:t>Specific</a:t>
+            </a:r>
+            <a:r>
+              <a:rPr lang="da-DK" dirty="0"/>
+              <a:t>: events</a:t>
+            </a:r>
           </a:p>
         </p:txBody>
       </p:sp>
@@ -10467,58 +11343,591 @@
             <p:ph idx="4294967295"/>
           </p:nvPr>
         </p:nvSpPr>
-        <p:spPr/>
+        <p:spPr>
+          <a:xfrm>
+            <a:off x="985842" y="1383958"/>
+            <a:ext cx="7489085" cy="4513602"/>
+          </a:xfrm>
+        </p:spPr>
         <p:txBody>
           <a:bodyPr/>
           <a:lstStyle/>
           <a:p>
-            <a:endParaRPr lang="da-DK"/>
-          </a:p>
-        </p:txBody>
-      </p:sp>
-      <p:sp>
-        <p:nvSpPr>
-          <p:cNvPr id="4" name="Text Placeholder 3"/>
-          <p:cNvSpPr>
-            <a:spLocks noGrp="1"/>
-          </p:cNvSpPr>
-          <p:nvPr>
-            <p:ph type="body" idx="4294967295"/>
-          </p:nvPr>
-        </p:nvSpPr>
-        <p:spPr/>
-        <p:txBody>
-          <a:bodyPr/>
+            <a:pPr>
+              <a:buNone/>
+            </a:pPr>
+            <a:r>
+              <a:rPr lang="da-DK" dirty="0"/>
+              <a:t>On </a:t>
+            </a:r>
+            <a:r>
+              <a:rPr lang="da-DK" dirty="0" err="1"/>
+              <a:t>subject</a:t>
+            </a:r>
+            <a:r>
+              <a:rPr lang="da-DK" dirty="0"/>
+              <a:t> (</a:t>
+            </a:r>
+            <a:r>
+              <a:rPr lang="da-DK" dirty="0" err="1"/>
+              <a:t>observable</a:t>
+            </a:r>
+            <a:r>
+              <a:rPr lang="da-DK" dirty="0"/>
+              <a:t>)</a:t>
+            </a:r>
+          </a:p>
+          <a:p>
+            <a:pPr>
+              <a:buNone/>
+            </a:pPr>
+            <a:r>
+              <a:rPr lang="da-DK" b="1" dirty="0"/>
+              <a:t>1)</a:t>
+            </a:r>
+            <a:r>
+              <a:rPr lang="da-DK" dirty="0"/>
+              <a:t> </a:t>
+            </a:r>
+            <a:r>
+              <a:rPr lang="da-DK" dirty="0" err="1"/>
+              <a:t>Define</a:t>
+            </a:r>
+            <a:r>
+              <a:rPr lang="da-DK" dirty="0"/>
+              <a:t> data and event </a:t>
+            </a:r>
+          </a:p>
+          <a:p>
+            <a:pPr>
+              <a:buNone/>
+            </a:pPr>
+            <a:r>
+              <a:rPr lang="da-DK" dirty="0">
+                <a:latin typeface="Consolas" panose="020B0609020204030204" pitchFamily="49" charset="0"/>
+                <a:cs typeface="Consolas" panose="020B0609020204030204" pitchFamily="49" charset="0"/>
+              </a:rPr>
+              <a:t>	public class </a:t>
+            </a:r>
+            <a:r>
+              <a:rPr lang="da-DK" dirty="0" err="1">
+                <a:latin typeface="Consolas" panose="020B0609020204030204" pitchFamily="49" charset="0"/>
+                <a:cs typeface="Consolas" panose="020B0609020204030204" pitchFamily="49" charset="0"/>
+              </a:rPr>
+              <a:t>BPDataArgs</a:t>
+            </a:r>
+            <a:r>
+              <a:rPr lang="da-DK" dirty="0">
+                <a:latin typeface="Consolas" panose="020B0609020204030204" pitchFamily="49" charset="0"/>
+                <a:cs typeface="Consolas" panose="020B0609020204030204" pitchFamily="49" charset="0"/>
+              </a:rPr>
+              <a:t> : </a:t>
+            </a:r>
+            <a:r>
+              <a:rPr lang="da-DK" dirty="0" err="1">
+                <a:latin typeface="Consolas" panose="020B0609020204030204" pitchFamily="49" charset="0"/>
+                <a:cs typeface="Consolas" panose="020B0609020204030204" pitchFamily="49" charset="0"/>
+              </a:rPr>
+              <a:t>EventArgs</a:t>
+            </a:r>
+            <a:r>
+              <a:rPr lang="da-DK" dirty="0">
+                <a:latin typeface="Consolas" panose="020B0609020204030204" pitchFamily="49" charset="0"/>
+                <a:cs typeface="Consolas" panose="020B0609020204030204" pitchFamily="49" charset="0"/>
+              </a:rPr>
+              <a:t> {</a:t>
+            </a:r>
+          </a:p>
+          <a:p>
+            <a:pPr>
+              <a:buNone/>
+            </a:pPr>
+            <a:r>
+              <a:rPr lang="da-DK" dirty="0">
+                <a:latin typeface="Consolas" panose="020B0609020204030204" pitchFamily="49" charset="0"/>
+                <a:cs typeface="Consolas" panose="020B0609020204030204" pitchFamily="49" charset="0"/>
+              </a:rPr>
+              <a:t> 	    public </a:t>
+            </a:r>
+            <a:r>
+              <a:rPr lang="da-DK" dirty="0" err="1">
+                <a:latin typeface="Consolas" panose="020B0609020204030204" pitchFamily="49" charset="0"/>
+                <a:cs typeface="Consolas" panose="020B0609020204030204" pitchFamily="49" charset="0"/>
+              </a:rPr>
+              <a:t>int</a:t>
+            </a:r>
+            <a:r>
+              <a:rPr lang="da-DK" dirty="0">
+                <a:latin typeface="Consolas" panose="020B0609020204030204" pitchFamily="49" charset="0"/>
+                <a:cs typeface="Consolas" panose="020B0609020204030204" pitchFamily="49" charset="0"/>
+              </a:rPr>
+              <a:t> </a:t>
+            </a:r>
+            <a:r>
+              <a:rPr lang="da-DK" dirty="0" err="1">
+                <a:latin typeface="Consolas" panose="020B0609020204030204" pitchFamily="49" charset="0"/>
+                <a:cs typeface="Consolas" panose="020B0609020204030204" pitchFamily="49" charset="0"/>
+              </a:rPr>
+              <a:t>Systolic</a:t>
+            </a:r>
+            <a:r>
+              <a:rPr lang="da-DK" dirty="0">
+                <a:latin typeface="Consolas" panose="020B0609020204030204" pitchFamily="49" charset="0"/>
+                <a:cs typeface="Consolas" panose="020B0609020204030204" pitchFamily="49" charset="0"/>
+              </a:rPr>
+              <a:t> { </a:t>
+            </a:r>
+            <a:r>
+              <a:rPr lang="da-DK" dirty="0" err="1">
+                <a:latin typeface="Consolas" panose="020B0609020204030204" pitchFamily="49" charset="0"/>
+                <a:cs typeface="Consolas" panose="020B0609020204030204" pitchFamily="49" charset="0"/>
+              </a:rPr>
+              <a:t>get</a:t>
+            </a:r>
+            <a:r>
+              <a:rPr lang="da-DK" dirty="0">
+                <a:latin typeface="Consolas" panose="020B0609020204030204" pitchFamily="49" charset="0"/>
+                <a:cs typeface="Consolas" panose="020B0609020204030204" pitchFamily="49" charset="0"/>
+              </a:rPr>
+              <a:t>; set; }</a:t>
+            </a:r>
+          </a:p>
+          <a:p>
+            <a:pPr>
+              <a:buNone/>
+            </a:pPr>
+            <a:r>
+              <a:rPr lang="da-DK" dirty="0">
+                <a:latin typeface="Consolas" panose="020B0609020204030204" pitchFamily="49" charset="0"/>
+                <a:cs typeface="Consolas" panose="020B0609020204030204" pitchFamily="49" charset="0"/>
+              </a:rPr>
+              <a:t>	}</a:t>
+            </a:r>
+          </a:p>
+          <a:p>
+            <a:pPr>
+              <a:buNone/>
+            </a:pPr>
+            <a:r>
+              <a:rPr lang="da-DK" dirty="0">
+                <a:latin typeface="Consolas" panose="020B0609020204030204" pitchFamily="49" charset="0"/>
+                <a:cs typeface="Consolas" panose="020B0609020204030204" pitchFamily="49" charset="0"/>
+              </a:rPr>
+              <a:t>	public event </a:t>
+            </a:r>
+            <a:r>
+              <a:rPr lang="da-DK" dirty="0" err="1">
+                <a:latin typeface="Consolas" panose="020B0609020204030204" pitchFamily="49" charset="0"/>
+                <a:cs typeface="Consolas" panose="020B0609020204030204" pitchFamily="49" charset="0"/>
+              </a:rPr>
+              <a:t>EventHandler</a:t>
+            </a:r>
+            <a:r>
+              <a:rPr lang="da-DK" dirty="0">
+                <a:latin typeface="Consolas" panose="020B0609020204030204" pitchFamily="49" charset="0"/>
+                <a:cs typeface="Consolas" panose="020B0609020204030204" pitchFamily="49" charset="0"/>
+              </a:rPr>
+              <a:t>&lt;</a:t>
+            </a:r>
+            <a:r>
+              <a:rPr lang="da-DK" dirty="0" err="1">
+                <a:latin typeface="Consolas" panose="020B0609020204030204" pitchFamily="49" charset="0"/>
+                <a:cs typeface="Consolas" panose="020B0609020204030204" pitchFamily="49" charset="0"/>
+              </a:rPr>
+              <a:t>BPDataArgs</a:t>
+            </a:r>
+            <a:r>
+              <a:rPr lang="da-DK" dirty="0">
+                <a:latin typeface="Consolas" panose="020B0609020204030204" pitchFamily="49" charset="0"/>
+                <a:cs typeface="Consolas" panose="020B0609020204030204" pitchFamily="49" charset="0"/>
+              </a:rPr>
+              <a:t>&gt; </a:t>
+            </a:r>
+            <a:r>
+              <a:rPr lang="da-DK" dirty="0" err="1">
+                <a:latin typeface="Consolas" panose="020B0609020204030204" pitchFamily="49" charset="0"/>
+                <a:cs typeface="Consolas" panose="020B0609020204030204" pitchFamily="49" charset="0"/>
+              </a:rPr>
+              <a:t>BPEvent</a:t>
+            </a:r>
+            <a:r>
+              <a:rPr lang="da-DK" dirty="0">
+                <a:latin typeface="Consolas" panose="020B0609020204030204" pitchFamily="49" charset="0"/>
+                <a:cs typeface="Consolas" panose="020B0609020204030204" pitchFamily="49" charset="0"/>
+              </a:rPr>
+              <a:t>;</a:t>
+            </a:r>
+          </a:p>
+          <a:p>
+            <a:pPr>
+              <a:buNone/>
+            </a:pPr>
+            <a:endParaRPr lang="da-DK" dirty="0"/>
+          </a:p>
+          <a:p>
+            <a:pPr>
+              <a:buNone/>
+            </a:pPr>
+            <a:r>
+              <a:rPr lang="da-DK" dirty="0"/>
+              <a:t>2) </a:t>
+            </a:r>
+            <a:r>
+              <a:rPr lang="da-DK" dirty="0" err="1"/>
+              <a:t>Subscribe</a:t>
+            </a:r>
+            <a:r>
+              <a:rPr lang="da-DK" dirty="0"/>
+              <a:t> (observer)</a:t>
+            </a:r>
+          </a:p>
+          <a:p>
+            <a:pPr>
+              <a:buNone/>
+            </a:pPr>
+            <a:r>
+              <a:rPr lang="da-DK" dirty="0"/>
+              <a:t>	</a:t>
+            </a:r>
+            <a:r>
+              <a:rPr lang="da-DK" dirty="0">
+                <a:latin typeface="Consolas" panose="020B0609020204030204" pitchFamily="49" charset="0"/>
+                <a:cs typeface="Consolas" panose="020B0609020204030204" pitchFamily="49" charset="0"/>
+              </a:rPr>
+              <a:t>public </a:t>
+            </a:r>
+            <a:r>
+              <a:rPr lang="da-DK" dirty="0" err="1">
+                <a:latin typeface="Consolas" panose="020B0609020204030204" pitchFamily="49" charset="0"/>
+                <a:cs typeface="Consolas" panose="020B0609020204030204" pitchFamily="49" charset="0"/>
+              </a:rPr>
+              <a:t>void</a:t>
+            </a:r>
+            <a:r>
+              <a:rPr lang="da-DK" dirty="0">
+                <a:latin typeface="Consolas" panose="020B0609020204030204" pitchFamily="49" charset="0"/>
+                <a:cs typeface="Consolas" panose="020B0609020204030204" pitchFamily="49" charset="0"/>
+              </a:rPr>
+              <a:t> Display(</a:t>
+            </a:r>
+            <a:r>
+              <a:rPr lang="da-DK" dirty="0" err="1">
+                <a:latin typeface="Consolas" panose="020B0609020204030204" pitchFamily="49" charset="0"/>
+                <a:cs typeface="Consolas" panose="020B0609020204030204" pitchFamily="49" charset="0"/>
+              </a:rPr>
+              <a:t>Subject</a:t>
+            </a:r>
+            <a:r>
+              <a:rPr lang="da-DK" dirty="0">
+                <a:latin typeface="Consolas" panose="020B0609020204030204" pitchFamily="49" charset="0"/>
+                <a:cs typeface="Consolas" panose="020B0609020204030204" pitchFamily="49" charset="0"/>
+              </a:rPr>
+              <a:t> </a:t>
+            </a:r>
+            <a:r>
+              <a:rPr lang="da-DK" dirty="0" err="1">
+                <a:latin typeface="Consolas" panose="020B0609020204030204" pitchFamily="49" charset="0"/>
+                <a:cs typeface="Consolas" panose="020B0609020204030204" pitchFamily="49" charset="0"/>
+              </a:rPr>
+              <a:t>subject</a:t>
+            </a:r>
+            <a:r>
+              <a:rPr lang="da-DK" dirty="0">
+                <a:latin typeface="Consolas" panose="020B0609020204030204" pitchFamily="49" charset="0"/>
+                <a:cs typeface="Consolas" panose="020B0609020204030204" pitchFamily="49" charset="0"/>
+              </a:rPr>
+              <a:t>) {</a:t>
+            </a:r>
+          </a:p>
+          <a:p>
+            <a:pPr>
+              <a:buNone/>
+            </a:pPr>
+            <a:r>
+              <a:rPr lang="da-DK" dirty="0">
+                <a:latin typeface="Consolas" panose="020B0609020204030204" pitchFamily="49" charset="0"/>
+                <a:cs typeface="Consolas" panose="020B0609020204030204" pitchFamily="49" charset="0"/>
+              </a:rPr>
+              <a:t>	    </a:t>
+            </a:r>
+            <a:r>
+              <a:rPr lang="da-DK" dirty="0" err="1">
+                <a:latin typeface="Consolas" panose="020B0609020204030204" pitchFamily="49" charset="0"/>
+                <a:cs typeface="Consolas" panose="020B0609020204030204" pitchFamily="49" charset="0"/>
+              </a:rPr>
+              <a:t>subject.BPEvent</a:t>
+            </a:r>
+            <a:r>
+              <a:rPr lang="da-DK" dirty="0">
+                <a:latin typeface="Consolas" panose="020B0609020204030204" pitchFamily="49" charset="0"/>
+                <a:cs typeface="Consolas" panose="020B0609020204030204" pitchFamily="49" charset="0"/>
+              </a:rPr>
+              <a:t> += </a:t>
+            </a:r>
+            <a:r>
+              <a:rPr lang="da-DK" dirty="0" err="1">
+                <a:latin typeface="Consolas" panose="020B0609020204030204" pitchFamily="49" charset="0"/>
+                <a:cs typeface="Consolas" panose="020B0609020204030204" pitchFamily="49" charset="0"/>
+              </a:rPr>
+              <a:t>HandleNewBPData</a:t>
+            </a:r>
+            <a:r>
+              <a:rPr lang="da-DK" dirty="0">
+                <a:latin typeface="Consolas" panose="020B0609020204030204" pitchFamily="49" charset="0"/>
+                <a:cs typeface="Consolas" panose="020B0609020204030204" pitchFamily="49" charset="0"/>
+              </a:rPr>
+              <a:t>;</a:t>
+            </a:r>
+          </a:p>
+          <a:p>
+            <a:pPr>
+              <a:buNone/>
+            </a:pPr>
+            <a:r>
+              <a:rPr lang="da-DK" dirty="0">
+                <a:latin typeface="Consolas" panose="020B0609020204030204" pitchFamily="49" charset="0"/>
+                <a:cs typeface="Consolas" panose="020B0609020204030204" pitchFamily="49" charset="0"/>
+              </a:rPr>
+              <a:t>	}</a:t>
+            </a:r>
+          </a:p>
+        </p:txBody>
+      </p:sp>
+      <p:sp>
+        <p:nvSpPr>
+          <p:cNvPr id="5" name="Rounded Rectangle 4">
+            <a:extLst>
+              <a:ext uri="{FF2B5EF4-FFF2-40B4-BE49-F238E27FC236}">
+                <a16:creationId xmlns:a16="http://schemas.microsoft.com/office/drawing/2014/main" id="{DFFEDE32-3486-7DB1-2A24-132EC71928FD}"/>
+              </a:ext>
+            </a:extLst>
+          </p:cNvPr>
+          <p:cNvSpPr/>
+          <p:nvPr/>
+        </p:nvSpPr>
+        <p:spPr>
+          <a:xfrm>
+            <a:off x="8760941" y="1804086"/>
+            <a:ext cx="3111976" cy="1359244"/>
+          </a:xfrm>
+          <a:prstGeom prst="roundRect">
+            <a:avLst/>
+          </a:prstGeom>
+        </p:spPr>
+        <p:style>
+          <a:lnRef idx="2">
+            <a:schemeClr val="accent1">
+              <a:shade val="15000"/>
+            </a:schemeClr>
+          </a:lnRef>
+          <a:fillRef idx="1">
+            <a:schemeClr val="accent1"/>
+          </a:fillRef>
+          <a:effectRef idx="0">
+            <a:schemeClr val="accent1"/>
+          </a:effectRef>
+          <a:fontRef idx="minor">
+            <a:schemeClr val="lt1"/>
+          </a:fontRef>
+        </p:style>
+        <p:txBody>
+          <a:bodyPr rtlCol="0" anchor="ctr"/>
           <a:lstStyle/>
           <a:p>
-            <a:endParaRPr lang="da-DK"/>
+            <a:r>
+              <a:rPr lang="en-DK" dirty="0"/>
+              <a:t>A provider can have multiple subjects</a:t>
+            </a:r>
+          </a:p>
+        </p:txBody>
+      </p:sp>
+      <p:sp>
+        <p:nvSpPr>
+          <p:cNvPr id="6" name="Rounded Rectangle 5">
+            <a:extLst>
+              <a:ext uri="{FF2B5EF4-FFF2-40B4-BE49-F238E27FC236}">
+                <a16:creationId xmlns:a16="http://schemas.microsoft.com/office/drawing/2014/main" id="{D1A096F9-1246-CBE6-D5CE-ABB72659BA04}"/>
+              </a:ext>
+            </a:extLst>
+          </p:cNvPr>
+          <p:cNvSpPr/>
+          <p:nvPr/>
+        </p:nvSpPr>
+        <p:spPr>
+          <a:xfrm>
+            <a:off x="8616779" y="4538316"/>
+            <a:ext cx="3111976" cy="1359244"/>
+          </a:xfrm>
+          <a:prstGeom prst="roundRect">
+            <a:avLst/>
+          </a:prstGeom>
+        </p:spPr>
+        <p:style>
+          <a:lnRef idx="2">
+            <a:schemeClr val="accent1">
+              <a:shade val="15000"/>
+            </a:schemeClr>
+          </a:lnRef>
+          <a:fillRef idx="1">
+            <a:schemeClr val="accent1"/>
+          </a:fillRef>
+          <a:effectRef idx="0">
+            <a:schemeClr val="accent1"/>
+          </a:effectRef>
+          <a:fontRef idx="minor">
+            <a:schemeClr val="lt1"/>
+          </a:fontRef>
+        </p:style>
+        <p:txBody>
+          <a:bodyPr rtlCol="0" anchor="ctr"/>
+          <a:lstStyle/>
+          <a:p>
+            <a:r>
+              <a:rPr lang="en-DK" dirty="0"/>
+              <a:t>The update method can be called anything</a:t>
+            </a:r>
+          </a:p>
+          <a:p>
+            <a:r>
+              <a:rPr lang="en-DK" dirty="0"/>
+              <a:t>Can attach to multiple subjects</a:t>
+            </a:r>
           </a:p>
         </p:txBody>
       </p:sp>
     </p:spTree>
     <p:extLst>
       <p:ext uri="{BB962C8B-B14F-4D97-AF65-F5344CB8AC3E}">
-        <p14:creationId xmlns:p14="http://schemas.microsoft.com/office/powerpoint/2010/main" val="759802878"/>
+        <p14:creationId xmlns:p14="http://schemas.microsoft.com/office/powerpoint/2010/main" val="2620044389"/>
       </p:ext>
     </p:extLst>
   </p:cSld>
   <p:clrMapOvr>
     <a:masterClrMapping/>
   </p:clrMapOvr>
-  <mc:AlternateContent xmlns:mc="http://schemas.openxmlformats.org/markup-compatibility/2006" xmlns:p14="http://schemas.microsoft.com/office/powerpoint/2010/main">
-    <mc:Choice Requires="p14">
-      <p:transition spd="slow" p14:dur="2000"/>
-    </mc:Choice>
-    <mc:Fallback xmlns="">
-      <p:transition spd="slow"/>
-    </mc:Fallback>
-  </mc:AlternateContent>
   <p:timing>
     <p:tnLst>
       <p:par>
-        <p:cTn id="1" dur="indefinite" restart="never" nodeType="tmRoot"/>
+        <p:cTn id="1" dur="indefinite" restart="never" nodeType="tmRoot">
+          <p:childTnLst>
+            <p:seq concurrent="1" nextAc="seek">
+              <p:cTn id="2" dur="indefinite" nodeType="mainSeq">
+                <p:childTnLst>
+                  <p:par>
+                    <p:cTn id="3" fill="hold">
+                      <p:stCondLst>
+                        <p:cond delay="indefinite"/>
+                      </p:stCondLst>
+                      <p:childTnLst>
+                        <p:par>
+                          <p:cTn id="4" fill="hold">
+                            <p:stCondLst>
+                              <p:cond delay="0"/>
+                            </p:stCondLst>
+                            <p:childTnLst>
+                              <p:par>
+                                <p:cTn id="5" presetID="1" presetClass="entr" presetSubtype="0" fill="hold" grpId="0" nodeType="clickEffect">
+                                  <p:stCondLst>
+                                    <p:cond delay="0"/>
+                                  </p:stCondLst>
+                                  <p:childTnLst>
+                                    <p:set>
+                                      <p:cBhvr>
+                                        <p:cTn id="6" dur="1" fill="hold">
+                                          <p:stCondLst>
+                                            <p:cond delay="0"/>
+                                          </p:stCondLst>
+                                        </p:cTn>
+                                        <p:tgtEl>
+                                          <p:spTgt spid="5"/>
+                                        </p:tgtEl>
+                                        <p:attrNameLst>
+                                          <p:attrName>style.visibility</p:attrName>
+                                        </p:attrNameLst>
+                                      </p:cBhvr>
+                                      <p:to>
+                                        <p:strVal val="visible"/>
+                                      </p:to>
+                                    </p:set>
+                                  </p:childTnLst>
+                                </p:cTn>
+                              </p:par>
+                            </p:childTnLst>
+                          </p:cTn>
+                        </p:par>
+                      </p:childTnLst>
+                    </p:cTn>
+                  </p:par>
+                  <p:par>
+                    <p:cTn id="7" fill="hold">
+                      <p:stCondLst>
+                        <p:cond delay="indefinite"/>
+                      </p:stCondLst>
+                      <p:childTnLst>
+                        <p:par>
+                          <p:cTn id="8" fill="hold">
+                            <p:stCondLst>
+                              <p:cond delay="0"/>
+                            </p:stCondLst>
+                            <p:childTnLst>
+                              <p:par>
+                                <p:cTn id="9" presetID="1" presetClass="entr" presetSubtype="0" fill="hold" grpId="0" nodeType="clickEffect">
+                                  <p:stCondLst>
+                                    <p:cond delay="0"/>
+                                  </p:stCondLst>
+                                  <p:childTnLst>
+                                    <p:set>
+                                      <p:cBhvr>
+                                        <p:cTn id="10" dur="1" fill="hold">
+                                          <p:stCondLst>
+                                            <p:cond delay="0"/>
+                                          </p:stCondLst>
+                                        </p:cTn>
+                                        <p:tgtEl>
+                                          <p:spTgt spid="6"/>
+                                        </p:tgtEl>
+                                        <p:attrNameLst>
+                                          <p:attrName>style.visibility</p:attrName>
+                                        </p:attrNameLst>
+                                      </p:cBhvr>
+                                      <p:to>
+                                        <p:strVal val="visible"/>
+                                      </p:to>
+                                    </p:set>
+                                  </p:childTnLst>
+                                </p:cTn>
+                              </p:par>
+                            </p:childTnLst>
+                          </p:cTn>
+                        </p:par>
+                      </p:childTnLst>
+                    </p:cTn>
+                  </p:par>
+                </p:childTnLst>
+              </p:cTn>
+              <p:prevCondLst>
+                <p:cond evt="onPrev" delay="0">
+                  <p:tgtEl>
+                    <p:sldTgt/>
+                  </p:tgtEl>
+                </p:cond>
+              </p:prevCondLst>
+              <p:nextCondLst>
+                <p:cond evt="onNext" delay="0">
+                  <p:tgtEl>
+                    <p:sldTgt/>
+                  </p:tgtEl>
+                </p:cond>
+              </p:nextCondLst>
+            </p:seq>
+          </p:childTnLst>
+        </p:cTn>
       </p:par>
     </p:tnLst>
+    <p:bldLst>
+      <p:bldP spid="5" grpId="0" animBg="1"/>
+      <p:bldP spid="6" grpId="0" animBg="1"/>
+    </p:bldLst>
   </p:timing>
 </p:sld>
 </file>
@@ -10542,7 +11951,13 @@
       </p:grpSpPr>
       <p:sp>
         <p:nvSpPr>
-          <p:cNvPr id="2" name="Title 1"/>
+          <p:cNvPr id="2" name="Title 1">
+            <a:extLst>
+              <a:ext uri="{FF2B5EF4-FFF2-40B4-BE49-F238E27FC236}">
+                <a16:creationId xmlns:a16="http://schemas.microsoft.com/office/drawing/2014/main" id="{6EC6DEA2-F11D-837B-11B9-A589354FCA0E}"/>
+              </a:ext>
+            </a:extLst>
+          </p:cNvPr>
           <p:cNvSpPr>
             <a:spLocks noGrp="1"/>
           </p:cNvSpPr>
@@ -10555,13 +11970,31 @@
           <a:bodyPr/>
           <a:lstStyle/>
           <a:p>
-            <a:endParaRPr lang="da-DK"/>
-          </a:p>
-        </p:txBody>
-      </p:sp>
-      <p:sp>
-        <p:nvSpPr>
-          <p:cNvPr id="3" name="Content Placeholder 2"/>
+            <a:r>
+              <a:rPr lang="da-DK" dirty="0"/>
+              <a:t>C# </a:t>
+            </a:r>
+            <a:r>
+              <a:rPr lang="da-DK" dirty="0" err="1"/>
+              <a:t>Specific</a:t>
+            </a:r>
+            <a:r>
+              <a:rPr lang="da-DK" dirty="0"/>
+              <a:t>: events</a:t>
+            </a:r>
+            <a:endParaRPr lang="en-DK" dirty="0"/>
+          </a:p>
+        </p:txBody>
+      </p:sp>
+      <p:sp>
+        <p:nvSpPr>
+          <p:cNvPr id="3" name="Content Placeholder 2">
+            <a:extLst>
+              <a:ext uri="{FF2B5EF4-FFF2-40B4-BE49-F238E27FC236}">
+                <a16:creationId xmlns:a16="http://schemas.microsoft.com/office/drawing/2014/main" id="{373E01F0-D451-7344-E004-36C3DF2E1B63}"/>
+              </a:ext>
+            </a:extLst>
+          </p:cNvPr>
           <p:cNvSpPr>
             <a:spLocks noGrp="1"/>
           </p:cNvSpPr>
@@ -10569,34 +12002,527 @@
             <p:ph idx="4294967295"/>
           </p:nvPr>
         </p:nvSpPr>
-        <p:spPr/>
+        <p:spPr>
+          <a:xfrm>
+            <a:off x="985842" y="1960080"/>
+            <a:ext cx="9239826" cy="4507627"/>
+          </a:xfrm>
+        </p:spPr>
         <p:txBody>
           <a:bodyPr/>
           <a:lstStyle/>
           <a:p>
-            <a:endParaRPr lang="da-DK"/>
-          </a:p>
-        </p:txBody>
-      </p:sp>
-      <p:sp>
-        <p:nvSpPr>
-          <p:cNvPr id="4" name="Text Placeholder 3"/>
-          <p:cNvSpPr>
-            <a:spLocks noGrp="1"/>
-          </p:cNvSpPr>
-          <p:nvPr>
-            <p:ph type="body" idx="4294967295"/>
-          </p:nvPr>
-        </p:nvSpPr>
-        <p:spPr/>
-        <p:txBody>
-          <a:bodyPr/>
+            <a:r>
+              <a:rPr lang="en-DK" b="1" dirty="0"/>
+              <a:t>3)</a:t>
+            </a:r>
+            <a:r>
+              <a:rPr lang="en-DK" dirty="0"/>
+              <a:t> Send update to observers (subject)</a:t>
+            </a:r>
+          </a:p>
+          <a:p>
+            <a:pPr marL="971998" lvl="3" indent="0">
+              <a:buNone/>
+            </a:pPr>
+            <a:r>
+              <a:rPr lang="en-GB" dirty="0">
+                <a:latin typeface="Consolas" panose="020B0609020204030204" pitchFamily="49" charset="0"/>
+                <a:cs typeface="Consolas" panose="020B0609020204030204" pitchFamily="49" charset="0"/>
+              </a:rPr>
+              <a:t>private void </a:t>
+            </a:r>
+            <a:r>
+              <a:rPr lang="en-GB" dirty="0" err="1">
+                <a:latin typeface="Consolas" panose="020B0609020204030204" pitchFamily="49" charset="0"/>
+                <a:cs typeface="Consolas" panose="020B0609020204030204" pitchFamily="49" charset="0"/>
+              </a:rPr>
+              <a:t>OnNewData</a:t>
+            </a:r>
+            <a:r>
+              <a:rPr lang="en-GB" dirty="0">
+                <a:latin typeface="Consolas" panose="020B0609020204030204" pitchFamily="49" charset="0"/>
+                <a:cs typeface="Consolas" panose="020B0609020204030204" pitchFamily="49" charset="0"/>
+              </a:rPr>
+              <a:t>() {</a:t>
+            </a:r>
+          </a:p>
+          <a:p>
+            <a:pPr marL="971998" lvl="3" indent="0">
+              <a:buNone/>
+            </a:pPr>
+            <a:r>
+              <a:rPr lang="en-GB" dirty="0">
+                <a:latin typeface="Consolas" panose="020B0609020204030204" pitchFamily="49" charset="0"/>
+                <a:cs typeface="Consolas" panose="020B0609020204030204" pitchFamily="49" charset="0"/>
+              </a:rPr>
+              <a:t>    </a:t>
+            </a:r>
+            <a:r>
+              <a:rPr lang="en-GB" dirty="0" err="1">
+                <a:latin typeface="Consolas" panose="020B0609020204030204" pitchFamily="49" charset="0"/>
+                <a:cs typeface="Consolas" panose="020B0609020204030204" pitchFamily="49" charset="0"/>
+              </a:rPr>
+              <a:t>BPEvent</a:t>
+            </a:r>
+            <a:r>
+              <a:rPr lang="en-GB" dirty="0">
+                <a:latin typeface="Consolas" panose="020B0609020204030204" pitchFamily="49" charset="0"/>
+                <a:cs typeface="Consolas" panose="020B0609020204030204" pitchFamily="49" charset="0"/>
+              </a:rPr>
+              <a:t>?.invoke(this, new </a:t>
+            </a:r>
+            <a:r>
+              <a:rPr lang="en-GB" dirty="0" err="1">
+                <a:latin typeface="Consolas" panose="020B0609020204030204" pitchFamily="49" charset="0"/>
+                <a:cs typeface="Consolas" panose="020B0609020204030204" pitchFamily="49" charset="0"/>
+              </a:rPr>
+              <a:t>BPDataArgs</a:t>
+            </a:r>
+            <a:r>
+              <a:rPr lang="en-GB" dirty="0">
+                <a:latin typeface="Consolas" panose="020B0609020204030204" pitchFamily="49" charset="0"/>
+                <a:cs typeface="Consolas" panose="020B0609020204030204" pitchFamily="49" charset="0"/>
+              </a:rPr>
+              <a:t>() { </a:t>
+            </a:r>
+          </a:p>
+          <a:p>
+            <a:pPr marL="971998" lvl="3" indent="0">
+              <a:buNone/>
+            </a:pPr>
+            <a:r>
+              <a:rPr lang="en-GB" dirty="0">
+                <a:latin typeface="Consolas" panose="020B0609020204030204" pitchFamily="49" charset="0"/>
+                <a:cs typeface="Consolas" panose="020B0609020204030204" pitchFamily="49" charset="0"/>
+              </a:rPr>
+              <a:t>	Systolic = </a:t>
+            </a:r>
+            <a:r>
+              <a:rPr lang="en-GB" dirty="0" err="1">
+                <a:latin typeface="Consolas" panose="020B0609020204030204" pitchFamily="49" charset="0"/>
+                <a:cs typeface="Consolas" panose="020B0609020204030204" pitchFamily="49" charset="0"/>
+              </a:rPr>
+              <a:t>newSystolic</a:t>
+            </a:r>
+            <a:endParaRPr lang="en-GB" dirty="0">
+              <a:latin typeface="Consolas" panose="020B0609020204030204" pitchFamily="49" charset="0"/>
+              <a:cs typeface="Consolas" panose="020B0609020204030204" pitchFamily="49" charset="0"/>
+            </a:endParaRPr>
+          </a:p>
+          <a:p>
+            <a:pPr marL="971998" lvl="3" indent="0">
+              <a:buNone/>
+            </a:pPr>
+            <a:r>
+              <a:rPr lang="en-GB" dirty="0">
+                <a:latin typeface="Consolas" panose="020B0609020204030204" pitchFamily="49" charset="0"/>
+                <a:cs typeface="Consolas" panose="020B0609020204030204" pitchFamily="49" charset="0"/>
+              </a:rPr>
+              <a:t>    }</a:t>
+            </a:r>
+          </a:p>
+          <a:p>
+            <a:pPr marL="971998" lvl="3" indent="0">
+              <a:buNone/>
+            </a:pPr>
+            <a:r>
+              <a:rPr lang="en-GB" dirty="0">
+                <a:latin typeface="Consolas" panose="020B0609020204030204" pitchFamily="49" charset="0"/>
+                <a:cs typeface="Consolas" panose="020B0609020204030204" pitchFamily="49" charset="0"/>
+              </a:rPr>
+              <a:t>}</a:t>
+            </a:r>
+          </a:p>
+          <a:p>
+            <a:pPr indent="-179999">
+              <a:buNone/>
+            </a:pPr>
+            <a:r>
+              <a:rPr lang="en-GB" b="1" dirty="0"/>
+              <a:t>4)</a:t>
+            </a:r>
+            <a:r>
+              <a:rPr lang="en-GB" dirty="0"/>
+              <a:t> Handle event (observer)</a:t>
+            </a:r>
+          </a:p>
+          <a:p>
+            <a:pPr indent="-179999">
+              <a:buNone/>
+            </a:pPr>
+            <a:r>
+              <a:rPr lang="en-GB" dirty="0">
+                <a:latin typeface="Consolas" panose="020B0609020204030204" pitchFamily="49" charset="0"/>
+                <a:cs typeface="Consolas" panose="020B0609020204030204" pitchFamily="49" charset="0"/>
+              </a:rPr>
+              <a:t>	private void </a:t>
+            </a:r>
+            <a:r>
+              <a:rPr lang="da-DK" dirty="0" err="1">
+                <a:latin typeface="Consolas" panose="020B0609020204030204" pitchFamily="49" charset="0"/>
+                <a:cs typeface="Consolas" panose="020B0609020204030204" pitchFamily="49" charset="0"/>
+              </a:rPr>
+              <a:t>HandleNewBPData</a:t>
+            </a:r>
+            <a:r>
+              <a:rPr lang="da-DK" dirty="0">
+                <a:latin typeface="Consolas" panose="020B0609020204030204" pitchFamily="49" charset="0"/>
+                <a:cs typeface="Consolas" panose="020B0609020204030204" pitchFamily="49" charset="0"/>
+              </a:rPr>
+              <a:t>(</a:t>
+            </a:r>
+            <a:r>
+              <a:rPr lang="da-DK" dirty="0" err="1">
+                <a:latin typeface="Consolas" panose="020B0609020204030204" pitchFamily="49" charset="0"/>
+                <a:cs typeface="Consolas" panose="020B0609020204030204" pitchFamily="49" charset="0"/>
+              </a:rPr>
+              <a:t>object</a:t>
+            </a:r>
+            <a:r>
+              <a:rPr lang="da-DK" dirty="0">
+                <a:latin typeface="Consolas" panose="020B0609020204030204" pitchFamily="49" charset="0"/>
+                <a:cs typeface="Consolas" panose="020B0609020204030204" pitchFamily="49" charset="0"/>
+              </a:rPr>
+              <a:t> sender, </a:t>
+            </a:r>
+            <a:r>
+              <a:rPr lang="da-DK" dirty="0" err="1">
+                <a:latin typeface="Consolas" panose="020B0609020204030204" pitchFamily="49" charset="0"/>
+                <a:cs typeface="Consolas" panose="020B0609020204030204" pitchFamily="49" charset="0"/>
+              </a:rPr>
+              <a:t>BPDataArgs</a:t>
+            </a:r>
+            <a:r>
+              <a:rPr lang="da-DK" dirty="0">
+                <a:latin typeface="Consolas" panose="020B0609020204030204" pitchFamily="49" charset="0"/>
+                <a:cs typeface="Consolas" panose="020B0609020204030204" pitchFamily="49" charset="0"/>
+              </a:rPr>
+              <a:t> e) {</a:t>
+            </a:r>
+          </a:p>
+          <a:p>
+            <a:pPr indent="-179999">
+              <a:buNone/>
+            </a:pPr>
+            <a:r>
+              <a:rPr lang="en-GB" dirty="0">
+                <a:latin typeface="Consolas" panose="020B0609020204030204" pitchFamily="49" charset="0"/>
+                <a:cs typeface="Consolas" panose="020B0609020204030204" pitchFamily="49" charset="0"/>
+              </a:rPr>
+              <a:t>	    </a:t>
+            </a:r>
+            <a:r>
+              <a:rPr lang="en-GB" dirty="0" err="1">
+                <a:latin typeface="Consolas" panose="020B0609020204030204" pitchFamily="49" charset="0"/>
+                <a:cs typeface="Consolas" panose="020B0609020204030204" pitchFamily="49" charset="0"/>
+              </a:rPr>
+              <a:t>MySystolicCopy</a:t>
+            </a:r>
+            <a:r>
+              <a:rPr lang="en-GB" dirty="0">
+                <a:latin typeface="Consolas" panose="020B0609020204030204" pitchFamily="49" charset="0"/>
+                <a:cs typeface="Consolas" panose="020B0609020204030204" pitchFamily="49" charset="0"/>
+              </a:rPr>
+              <a:t> = </a:t>
+            </a:r>
+            <a:r>
+              <a:rPr lang="en-GB" dirty="0" err="1">
+                <a:latin typeface="Consolas" panose="020B0609020204030204" pitchFamily="49" charset="0"/>
+                <a:cs typeface="Consolas" panose="020B0609020204030204" pitchFamily="49" charset="0"/>
+              </a:rPr>
+              <a:t>e.Systolic</a:t>
+            </a:r>
+            <a:r>
+              <a:rPr lang="en-GB" dirty="0">
+                <a:latin typeface="Consolas" panose="020B0609020204030204" pitchFamily="49" charset="0"/>
+                <a:cs typeface="Consolas" panose="020B0609020204030204" pitchFamily="49" charset="0"/>
+              </a:rPr>
+              <a:t>;</a:t>
+            </a:r>
+          </a:p>
+          <a:p>
+            <a:pPr indent="-179999">
+              <a:buNone/>
+            </a:pPr>
+            <a:r>
+              <a:rPr lang="en-GB" dirty="0">
+                <a:latin typeface="Consolas" panose="020B0609020204030204" pitchFamily="49" charset="0"/>
+                <a:cs typeface="Consolas" panose="020B0609020204030204" pitchFamily="49" charset="0"/>
+              </a:rPr>
+              <a:t>	    // Other work done on new data</a:t>
+            </a:r>
+          </a:p>
+          <a:p>
+            <a:pPr indent="-179999">
+              <a:buNone/>
+            </a:pPr>
+            <a:r>
+              <a:rPr lang="en-GB" dirty="0">
+                <a:latin typeface="Consolas" panose="020B0609020204030204" pitchFamily="49" charset="0"/>
+                <a:cs typeface="Consolas" panose="020B0609020204030204" pitchFamily="49" charset="0"/>
+              </a:rPr>
+              <a:t>	}</a:t>
+            </a:r>
+          </a:p>
+          <a:p>
+            <a:pPr indent="-179999">
+              <a:buNone/>
+            </a:pPr>
+            <a:endParaRPr lang="da-DK" dirty="0"/>
+          </a:p>
+        </p:txBody>
+      </p:sp>
+      <p:sp>
+        <p:nvSpPr>
+          <p:cNvPr id="6" name="Rounded Rectangle 5">
+            <a:extLst>
+              <a:ext uri="{FF2B5EF4-FFF2-40B4-BE49-F238E27FC236}">
+                <a16:creationId xmlns:a16="http://schemas.microsoft.com/office/drawing/2014/main" id="{56D6EB21-3C36-CF1C-5F43-40D46FD2D51B}"/>
+              </a:ext>
+            </a:extLst>
+          </p:cNvPr>
+          <p:cNvSpPr/>
+          <p:nvPr/>
+        </p:nvSpPr>
+        <p:spPr>
+          <a:xfrm>
+            <a:off x="8383037" y="1782759"/>
+            <a:ext cx="3111976" cy="1359244"/>
+          </a:xfrm>
+          <a:prstGeom prst="roundRect">
+            <a:avLst/>
+          </a:prstGeom>
+        </p:spPr>
+        <p:style>
+          <a:lnRef idx="2">
+            <a:schemeClr val="accent1">
+              <a:shade val="15000"/>
+            </a:schemeClr>
+          </a:lnRef>
+          <a:fillRef idx="1">
+            <a:schemeClr val="accent1"/>
+          </a:fillRef>
+          <a:effectRef idx="0">
+            <a:schemeClr val="accent1"/>
+          </a:effectRef>
+          <a:fontRef idx="minor">
+            <a:schemeClr val="lt1"/>
+          </a:fontRef>
+        </p:style>
+        <p:txBody>
+          <a:bodyPr rtlCol="0" anchor="ctr"/>
           <a:lstStyle/>
           <a:p>
-            <a:endParaRPr lang="da-DK"/>
-          </a:p>
-        </p:txBody>
-      </p:sp>
+            <a:r>
+              <a:rPr lang="en-DK" dirty="0"/>
+              <a:t>Provider don’t know observers or their method name</a:t>
+            </a:r>
+          </a:p>
+        </p:txBody>
+      </p:sp>
+      <p:sp>
+        <p:nvSpPr>
+          <p:cNvPr id="7" name="Rounded Rectangle 6">
+            <a:extLst>
+              <a:ext uri="{FF2B5EF4-FFF2-40B4-BE49-F238E27FC236}">
+                <a16:creationId xmlns:a16="http://schemas.microsoft.com/office/drawing/2014/main" id="{ED304DB4-BDA9-5A40-F891-39BC33C2337F}"/>
+              </a:ext>
+            </a:extLst>
+          </p:cNvPr>
+          <p:cNvSpPr/>
+          <p:nvPr/>
+        </p:nvSpPr>
+        <p:spPr>
+          <a:xfrm>
+            <a:off x="8547793" y="4955933"/>
+            <a:ext cx="3111976" cy="1359244"/>
+          </a:xfrm>
+          <a:prstGeom prst="roundRect">
+            <a:avLst/>
+          </a:prstGeom>
+        </p:spPr>
+        <p:style>
+          <a:lnRef idx="2">
+            <a:schemeClr val="accent1">
+              <a:shade val="15000"/>
+            </a:schemeClr>
+          </a:lnRef>
+          <a:fillRef idx="1">
+            <a:schemeClr val="accent1"/>
+          </a:fillRef>
+          <a:effectRef idx="0">
+            <a:schemeClr val="accent1"/>
+          </a:effectRef>
+          <a:fontRef idx="minor">
+            <a:schemeClr val="lt1"/>
+          </a:fontRef>
+        </p:style>
+        <p:txBody>
+          <a:bodyPr rtlCol="0" anchor="ctr"/>
+          <a:lstStyle/>
+          <a:p>
+            <a:r>
+              <a:rPr lang="en-DK" dirty="0"/>
+              <a:t>Observer can identify the provider by looking at the sender parameter.</a:t>
+            </a:r>
+          </a:p>
+        </p:txBody>
+      </p:sp>
+    </p:spTree>
+    <p:extLst>
+      <p:ext uri="{BB962C8B-B14F-4D97-AF65-F5344CB8AC3E}">
+        <p14:creationId xmlns:p14="http://schemas.microsoft.com/office/powerpoint/2010/main" val="2085881599"/>
+      </p:ext>
+    </p:extLst>
+  </p:cSld>
+  <p:clrMapOvr>
+    <a:masterClrMapping/>
+  </p:clrMapOvr>
+  <p:timing>
+    <p:tnLst>
+      <p:par>
+        <p:cTn id="1" dur="indefinite" restart="never" nodeType="tmRoot">
+          <p:childTnLst>
+            <p:seq concurrent="1" nextAc="seek">
+              <p:cTn id="2" dur="indefinite" nodeType="mainSeq">
+                <p:childTnLst>
+                  <p:par>
+                    <p:cTn id="3" fill="hold">
+                      <p:stCondLst>
+                        <p:cond delay="indefinite"/>
+                      </p:stCondLst>
+                      <p:childTnLst>
+                        <p:par>
+                          <p:cTn id="4" fill="hold">
+                            <p:stCondLst>
+                              <p:cond delay="0"/>
+                            </p:stCondLst>
+                            <p:childTnLst>
+                              <p:par>
+                                <p:cTn id="5" presetID="1" presetClass="entr" presetSubtype="0" fill="hold" grpId="0" nodeType="clickEffect">
+                                  <p:stCondLst>
+                                    <p:cond delay="0"/>
+                                  </p:stCondLst>
+                                  <p:childTnLst>
+                                    <p:set>
+                                      <p:cBhvr>
+                                        <p:cTn id="6" dur="1" fill="hold">
+                                          <p:stCondLst>
+                                            <p:cond delay="0"/>
+                                          </p:stCondLst>
+                                        </p:cTn>
+                                        <p:tgtEl>
+                                          <p:spTgt spid="6"/>
+                                        </p:tgtEl>
+                                        <p:attrNameLst>
+                                          <p:attrName>style.visibility</p:attrName>
+                                        </p:attrNameLst>
+                                      </p:cBhvr>
+                                      <p:to>
+                                        <p:strVal val="visible"/>
+                                      </p:to>
+                                    </p:set>
+                                  </p:childTnLst>
+                                </p:cTn>
+                              </p:par>
+                            </p:childTnLst>
+                          </p:cTn>
+                        </p:par>
+                      </p:childTnLst>
+                    </p:cTn>
+                  </p:par>
+                  <p:par>
+                    <p:cTn id="7" fill="hold">
+                      <p:stCondLst>
+                        <p:cond delay="indefinite"/>
+                      </p:stCondLst>
+                      <p:childTnLst>
+                        <p:par>
+                          <p:cTn id="8" fill="hold">
+                            <p:stCondLst>
+                              <p:cond delay="0"/>
+                            </p:stCondLst>
+                            <p:childTnLst>
+                              <p:par>
+                                <p:cTn id="9" presetID="1" presetClass="entr" presetSubtype="0" fill="hold" grpId="0" nodeType="clickEffect">
+                                  <p:stCondLst>
+                                    <p:cond delay="0"/>
+                                  </p:stCondLst>
+                                  <p:childTnLst>
+                                    <p:set>
+                                      <p:cBhvr>
+                                        <p:cTn id="10" dur="1" fill="hold">
+                                          <p:stCondLst>
+                                            <p:cond delay="0"/>
+                                          </p:stCondLst>
+                                        </p:cTn>
+                                        <p:tgtEl>
+                                          <p:spTgt spid="7"/>
+                                        </p:tgtEl>
+                                        <p:attrNameLst>
+                                          <p:attrName>style.visibility</p:attrName>
+                                        </p:attrNameLst>
+                                      </p:cBhvr>
+                                      <p:to>
+                                        <p:strVal val="visible"/>
+                                      </p:to>
+                                    </p:set>
+                                  </p:childTnLst>
+                                </p:cTn>
+                              </p:par>
+                            </p:childTnLst>
+                          </p:cTn>
+                        </p:par>
+                      </p:childTnLst>
+                    </p:cTn>
+                  </p:par>
+                </p:childTnLst>
+              </p:cTn>
+              <p:prevCondLst>
+                <p:cond evt="onPrev" delay="0">
+                  <p:tgtEl>
+                    <p:sldTgt/>
+                  </p:tgtEl>
+                </p:cond>
+              </p:prevCondLst>
+              <p:nextCondLst>
+                <p:cond evt="onNext" delay="0">
+                  <p:tgtEl>
+                    <p:sldTgt/>
+                  </p:tgtEl>
+                </p:cond>
+              </p:nextCondLst>
+            </p:seq>
+          </p:childTnLst>
+        </p:cTn>
+      </p:par>
+    </p:tnLst>
+    <p:bldLst>
+      <p:bldP spid="6" grpId="0" animBg="1"/>
+      <p:bldP spid="7" grpId="0" animBg="1"/>
+    </p:bldLst>
+  </p:timing>
+</p:sld>
+</file>
+
+<file path=ppt/slides/slide17.xml><?xml version="1.0" encoding="utf-8"?>
+<p:sld xmlns:a="http://schemas.openxmlformats.org/drawingml/2006/main" xmlns:r="http://schemas.openxmlformats.org/officeDocument/2006/relationships" xmlns:p="http://schemas.openxmlformats.org/presentationml/2006/main">
+  <p:cSld>
+    <p:spTree>
+      <p:nvGrpSpPr>
+        <p:cNvPr id="1" name=""/>
+        <p:cNvGrpSpPr/>
+        <p:nvPr/>
+      </p:nvGrpSpPr>
+      <p:grpSpPr>
+        <a:xfrm>
+          <a:off x="0" y="0"/>
+          <a:ext cx="0" cy="0"/>
+          <a:chOff x="0" y="0"/>
+          <a:chExt cx="0" cy="0"/>
+        </a:xfrm>
+      </p:grpSpPr>
       <p:pic>
         <p:nvPicPr>
           <p:cNvPr id="5" name="Picture 4"/>
@@ -10631,25 +12557,10 @@
   <p:clrMapOvr>
     <a:masterClrMapping/>
   </p:clrMapOvr>
-  <mc:AlternateContent xmlns:mc="http://schemas.openxmlformats.org/markup-compatibility/2006" xmlns:p14="http://schemas.microsoft.com/office/powerpoint/2010/main">
-    <mc:Choice Requires="p14">
-      <p:transition spd="slow" p14:dur="2000"/>
-    </mc:Choice>
-    <mc:Fallback xmlns="">
-      <p:transition spd="slow"/>
-    </mc:Fallback>
-  </mc:AlternateContent>
-  <p:timing>
-    <p:tnLst>
-      <p:par>
-        <p:cTn id="1" dur="indefinite" restart="never" nodeType="tmRoot"/>
-      </p:par>
-    </p:tnLst>
-  </p:timing>
 </p:sld>
 </file>
 
-<file path=ppt/slides/slide17.xml><?xml version="1.0" encoding="utf-8"?>
+<file path=ppt/slides/slide18.xml><?xml version="1.0" encoding="utf-8"?>
 <p:sld xmlns:a="http://schemas.openxmlformats.org/drawingml/2006/main" xmlns:r="http://schemas.openxmlformats.org/officeDocument/2006/relationships" xmlns:p="http://schemas.openxmlformats.org/presentationml/2006/main">
   <p:cSld>
     <p:spTree>
@@ -10682,10 +12593,9 @@
           <a:lstStyle/>
           <a:p>
             <a:r>
-              <a:rPr lang="da-DK" dirty="0" smtClean="0"/>
+              <a:rPr lang="da-DK" dirty="0"/>
               <a:t>References</a:t>
             </a:r>
-            <a:endParaRPr lang="da-DK" dirty="0"/>
           </a:p>
         </p:txBody>
       </p:sp>
@@ -10708,32 +12618,20 @@
               <a:buNone/>
             </a:pPr>
             <a:r>
-              <a:rPr lang="da-DK" dirty="0" err="1" smtClean="0"/>
+              <a:rPr lang="da-DK" dirty="0" err="1"/>
               <a:t>Questions-Answers</a:t>
             </a:r>
             <a:r>
-              <a:rPr lang="da-DK" dirty="0" smtClean="0"/>
+              <a:rPr lang="da-DK" dirty="0"/>
               <a:t>: </a:t>
             </a:r>
             <a:r>
               <a:rPr lang="da-DK" dirty="0">
                 <a:hlinkClick r:id="rId2"/>
               </a:rPr>
-              <a:t>https://www.pexels.com/photo/questions-answers-signage-208494</a:t>
-            </a:r>
-            <a:r>
-              <a:rPr lang="da-DK" dirty="0" smtClean="0">
-                <a:hlinkClick r:id="rId2"/>
-              </a:rPr>
-              <a:t>/</a:t>
-            </a:r>
-            <a:endParaRPr lang="da-DK" dirty="0" smtClean="0"/>
-          </a:p>
-          <a:p>
-            <a:pPr>
-              <a:buNone/>
-            </a:pPr>
-            <a:endParaRPr lang="da-DK" dirty="0" smtClean="0"/>
+              <a:t>https://www.pexels.com/photo/questions-answers-signage-208494/</a:t>
+            </a:r>
+            <a:endParaRPr lang="da-DK" dirty="0"/>
           </a:p>
           <a:p>
             <a:pPr>
@@ -10741,24 +12639,11 @@
             </a:pPr>
             <a:endParaRPr lang="da-DK" dirty="0"/>
           </a:p>
-        </p:txBody>
-      </p:sp>
-      <p:sp>
-        <p:nvSpPr>
-          <p:cNvPr id="4" name="Text Placeholder 3"/>
-          <p:cNvSpPr>
-            <a:spLocks noGrp="1"/>
-          </p:cNvSpPr>
-          <p:nvPr>
-            <p:ph type="body" idx="4294967295"/>
-          </p:nvPr>
-        </p:nvSpPr>
-        <p:spPr/>
-        <p:txBody>
-          <a:bodyPr/>
-          <a:lstStyle/>
-          <a:p>
-            <a:endParaRPr lang="da-DK"/>
+          <a:p>
+            <a:pPr>
+              <a:buNone/>
+            </a:pPr>
+            <a:endParaRPr lang="da-DK" dirty="0"/>
           </a:p>
         </p:txBody>
       </p:sp>
@@ -10772,25 +12657,10 @@
   <p:clrMapOvr>
     <a:masterClrMapping/>
   </p:clrMapOvr>
-  <mc:AlternateContent xmlns:mc="http://schemas.openxmlformats.org/markup-compatibility/2006" xmlns:p14="http://schemas.microsoft.com/office/powerpoint/2010/main">
-    <mc:Choice Requires="p14">
-      <p:transition spd="slow" p14:dur="2000"/>
-    </mc:Choice>
-    <mc:Fallback xmlns="">
-      <p:transition spd="slow"/>
-    </mc:Fallback>
-  </mc:AlternateContent>
-  <p:timing>
-    <p:tnLst>
-      <p:par>
-        <p:cTn id="1" dur="indefinite" restart="never" nodeType="tmRoot"/>
-      </p:par>
-    </p:tnLst>
-  </p:timing>
 </p:sld>
 </file>
 
-<file path=ppt/slides/slide18.xml><?xml version="1.0" encoding="utf-8"?>
+<file path=ppt/slides/slide19.xml><?xml version="1.0" encoding="utf-8"?>
 <p:sld xmlns:a="http://schemas.openxmlformats.org/drawingml/2006/main" xmlns:r="http://schemas.openxmlformats.org/officeDocument/2006/relationships" xmlns:p="http://schemas.openxmlformats.org/presentationml/2006/main">
   <p:cSld name="Slide5">
     <p:spTree>
@@ -10812,21 +12682,6 @@
   <p:clrMapOvr>
     <a:masterClrMapping/>
   </p:clrMapOvr>
-  <mc:AlternateContent xmlns:mc="http://schemas.openxmlformats.org/markup-compatibility/2006" xmlns:p14="http://schemas.microsoft.com/office/powerpoint/2010/main">
-    <mc:Choice Requires="p14">
-      <p:transition spd="slow" p14:dur="2000"/>
-    </mc:Choice>
-    <mc:Fallback xmlns="">
-      <p:transition spd="slow"/>
-    </mc:Fallback>
-  </mc:AlternateContent>
-  <p:timing>
-    <p:tnLst>
-      <p:par>
-        <p:cTn id="1" dur="indefinite" restart="never" nodeType="tmRoot"/>
-      </p:par>
-    </p:tnLst>
-  </p:timing>
 </p:sld>
 </file>
 
@@ -10864,51 +12719,8 @@
           <a:p>
             <a:r>
               <a:rPr lang="en-US" dirty="0"/>
-              <a:t>The general “data-update” </a:t>
-            </a:r>
-            <a:r>
-              <a:rPr lang="en-US" dirty="0" smtClean="0"/>
-              <a:t>problem</a:t>
-            </a:r>
-            <a:endParaRPr lang="en-US" dirty="0"/>
-          </a:p>
-        </p:txBody>
-      </p:sp>
-      <p:sp>
-        <p:nvSpPr>
-          <p:cNvPr id="4" name="Text Placeholder 3"/>
-          <p:cNvSpPr>
-            <a:spLocks noGrp="1"/>
-          </p:cNvSpPr>
-          <p:nvPr>
-            <p:ph type="body" idx="4294967295"/>
-          </p:nvPr>
-        </p:nvSpPr>
-        <p:spPr/>
-        <p:txBody>
-          <a:bodyPr/>
-          <a:lstStyle/>
-          <a:p>
-            <a:endParaRPr lang="da-DK"/>
-          </a:p>
-        </p:txBody>
-      </p:sp>
-      <p:sp>
-        <p:nvSpPr>
-          <p:cNvPr id="3" name="Content Placeholder 2"/>
-          <p:cNvSpPr>
-            <a:spLocks noGrp="1"/>
-          </p:cNvSpPr>
-          <p:nvPr>
-            <p:ph idx="4294967295"/>
-          </p:nvPr>
-        </p:nvSpPr>
-        <p:spPr/>
-        <p:txBody>
-          <a:bodyPr/>
-          <a:lstStyle/>
-          <a:p>
-            <a:endParaRPr lang="da-DK" dirty="0"/>
+              <a:t>The general “data-update” problem</a:t>
+            </a:r>
           </a:p>
         </p:txBody>
       </p:sp>
@@ -11081,29 +12893,29 @@
           <a:p>
             <a:pPr marL="0" lvl="1"/>
             <a:r>
-              <a:rPr lang="en-US" sz="1400" b="1" dirty="0" smtClean="0">
+              <a:rPr lang="en-US" sz="1400" b="1" dirty="0">
                 <a:latin typeface="Consolas" pitchFamily="49" charset="0"/>
                 <a:cs typeface="Consolas" pitchFamily="49" charset="0"/>
               </a:rPr>
               <a:t>Provider</a:t>
             </a:r>
             <a:r>
-              <a:rPr lang="en-US" sz="1400" dirty="0" smtClean="0"/>
+              <a:rPr lang="en-US" sz="1400" dirty="0"/>
               <a:t> </a:t>
             </a:r>
             <a:r>
-              <a:rPr lang="en-US" sz="1600" dirty="0" smtClean="0"/>
+              <a:rPr lang="en-US" sz="1600" dirty="0"/>
               <a:t>contains </a:t>
             </a:r>
             <a:r>
-              <a:rPr lang="en-US" sz="1400" dirty="0" smtClean="0">
+              <a:rPr lang="en-US" sz="1400" dirty="0">
                 <a:latin typeface="Consolas" pitchFamily="49" charset="0"/>
                 <a:cs typeface="Consolas" pitchFamily="49" charset="0"/>
               </a:rPr>
               <a:t>data</a:t>
             </a:r>
             <a:r>
-              <a:rPr lang="en-US" sz="1600" dirty="0" smtClean="0"/>
+              <a:rPr lang="en-US" sz="1600" dirty="0"/>
               <a:t> which changes every now and them</a:t>
             </a:r>
           </a:p>
@@ -11154,22 +12966,22 @@
           <a:p>
             <a:pPr marL="0" lvl="1"/>
             <a:r>
-              <a:rPr lang="en-US" sz="1400" b="1" dirty="0" smtClean="0">
+              <a:rPr lang="en-US" sz="1400" b="1" dirty="0">
                 <a:latin typeface="Consolas" pitchFamily="49" charset="0"/>
                 <a:cs typeface="Consolas" pitchFamily="49" charset="0"/>
               </a:rPr>
               <a:t>Consumer</a:t>
             </a:r>
             <a:r>
-              <a:rPr lang="en-US" sz="1400" dirty="0" smtClean="0"/>
+              <a:rPr lang="en-US" sz="1400" dirty="0"/>
               <a:t> </a:t>
             </a:r>
             <a:r>
-              <a:rPr lang="en-US" sz="1600" dirty="0" smtClean="0"/>
+              <a:rPr lang="en-US" sz="1600" dirty="0"/>
               <a:t>uses </a:t>
             </a:r>
             <a:r>
-              <a:rPr lang="en-US" sz="1400" dirty="0" smtClean="0">
+              <a:rPr lang="en-US" sz="1400" dirty="0">
                 <a:latin typeface="Consolas" pitchFamily="49" charset="0"/>
                 <a:cs typeface="Consolas" pitchFamily="49" charset="0"/>
               </a:rPr>
@@ -11180,7 +12992,7 @@
               <a:t> </a:t>
             </a:r>
             <a:r>
-              <a:rPr lang="en-US" sz="1600" dirty="0" smtClean="0"/>
+              <a:rPr lang="en-US" sz="1600" dirty="0"/>
               <a:t>and would like to do some update based on changes in </a:t>
             </a:r>
             <a:r>
@@ -11235,13 +13047,8 @@
             <a:pPr marL="0" lvl="1" algn="ctr"/>
             <a:r>
               <a:rPr lang="en-US" sz="1600" i="1" dirty="0"/>
-              <a:t>How can we realize </a:t>
-            </a:r>
-            <a:r>
-              <a:rPr lang="en-US" sz="1600" i="1" dirty="0" smtClean="0"/>
-              <a:t>this coupling?</a:t>
-            </a:r>
-            <a:endParaRPr lang="en-US" sz="1600" i="1" dirty="0"/>
+              <a:t>How can we realize this coupling?</a:t>
+            </a:r>
           </a:p>
         </p:txBody>
       </p:sp>
@@ -11289,14 +13096,6 @@
   <p:clrMapOvr>
     <a:masterClrMapping/>
   </p:clrMapOvr>
-  <mc:AlternateContent xmlns:mc="http://schemas.openxmlformats.org/markup-compatibility/2006" xmlns:p14="http://schemas.microsoft.com/office/powerpoint/2010/main">
-    <mc:Choice Requires="p14">
-      <p:transition spd="slow" p14:dur="2000"/>
-    </mc:Choice>
-    <mc:Fallback xmlns="">
-      <p:transition spd="slow"/>
-    </mc:Fallback>
-  </mc:AlternateContent>
   <p:timing>
     <p:tnLst>
       <p:par>
@@ -11585,11 +13384,7 @@
           <a:p>
             <a:r>
               <a:rPr lang="en-US" sz="4000" dirty="0"/>
-              <a:t>Discuss pros and cons of these typical </a:t>
-            </a:r>
-            <a:r>
-              <a:rPr lang="en-US" sz="4000" dirty="0" smtClean="0"/>
-              <a:t>solutions:</a:t>
+              <a:t>Discuss pros and cons of these typical solutions:</a:t>
             </a:r>
             <a:endParaRPr lang="da-DK" sz="4000" dirty="0"/>
           </a:p>
@@ -11605,7 +13400,12 @@
             <p:ph idx="4294967295"/>
           </p:nvPr>
         </p:nvSpPr>
-        <p:spPr/>
+        <p:spPr>
+          <a:xfrm>
+            <a:off x="985843" y="1960081"/>
+            <a:ext cx="4500558" cy="3081084"/>
+          </a:xfrm>
+        </p:spPr>
         <p:txBody>
           <a:bodyPr/>
           <a:lstStyle/>
@@ -11679,45 +13479,13 @@
               </a:rPr>
               <a:t>Provider</a:t>
             </a:r>
-            <a:r>
-              <a:rPr lang="en-US" dirty="0"/>
-              <a:t/>
-            </a:r>
-            <a:br>
-              <a:rPr lang="en-US" dirty="0"/>
-            </a:br>
             <a:endParaRPr lang="en-US" dirty="0"/>
           </a:p>
           <a:p>
             <a:endParaRPr lang="en-US" dirty="0"/>
           </a:p>
           <a:p>
-            <a:endParaRPr lang="en-US" dirty="0"/>
-          </a:p>
-          <a:p>
-            <a:endParaRPr lang="en-US" dirty="0"/>
-          </a:p>
-          <a:p>
             <a:endParaRPr lang="da-DK" dirty="0"/>
-          </a:p>
-        </p:txBody>
-      </p:sp>
-      <p:sp>
-        <p:nvSpPr>
-          <p:cNvPr id="4" name="Text Placeholder 3"/>
-          <p:cNvSpPr>
-            <a:spLocks noGrp="1"/>
-          </p:cNvSpPr>
-          <p:nvPr>
-            <p:ph type="body" idx="4294967295"/>
-          </p:nvPr>
-        </p:nvSpPr>
-        <p:spPr/>
-        <p:txBody>
-          <a:bodyPr/>
-          <a:lstStyle/>
-          <a:p>
-            <a:endParaRPr lang="da-DK"/>
           </a:p>
         </p:txBody>
       </p:sp>
@@ -11849,6 +13617,107 @@
           </a:extLst>
         </p:spPr>
       </p:pic>
+      <p:sp>
+        <p:nvSpPr>
+          <p:cNvPr id="7" name="TextBox 6">
+            <a:extLst>
+              <a:ext uri="{FF2B5EF4-FFF2-40B4-BE49-F238E27FC236}">
+                <a16:creationId xmlns:a16="http://schemas.microsoft.com/office/drawing/2014/main" id="{41595743-3FA5-B6A6-F4E7-162E901F45E9}"/>
+              </a:ext>
+            </a:extLst>
+          </p:cNvPr>
+          <p:cNvSpPr txBox="1"/>
+          <p:nvPr/>
+        </p:nvSpPr>
+        <p:spPr>
+          <a:xfrm>
+            <a:off x="1945616" y="5641314"/>
+            <a:ext cx="4013200" cy="523220"/>
+          </a:xfrm>
+          <a:prstGeom prst="rect">
+            <a:avLst/>
+          </a:prstGeom>
+          <a:noFill/>
+        </p:spPr>
+        <p:txBody>
+          <a:bodyPr wrap="square" rtlCol="0">
+            <a:spAutoFit/>
+          </a:bodyPr>
+          <a:lstStyle/>
+          <a:p>
+            <a:r>
+              <a:rPr lang="en-DK" sz="2800" dirty="0">
+                <a:solidFill>
+                  <a:srgbClr val="FF0000"/>
+                </a:solidFill>
+              </a:rPr>
+              <a:t>Events – </a:t>
+            </a:r>
+            <a:r>
+              <a:rPr lang="en-GB" sz="2800" dirty="0">
+                <a:solidFill>
+                  <a:srgbClr val="FF0000"/>
+                </a:solidFill>
+              </a:rPr>
+              <a:t>I</a:t>
+            </a:r>
+            <a:r>
+              <a:rPr lang="en-DK" sz="2800" dirty="0">
+                <a:solidFill>
+                  <a:srgbClr val="FF0000"/>
+                </a:solidFill>
+              </a:rPr>
+              <a:t> know</a:t>
+            </a:r>
+          </a:p>
+        </p:txBody>
+      </p:sp>
+      <p:sp>
+        <p:nvSpPr>
+          <p:cNvPr id="8" name="Lightning Bolt 7">
+            <a:extLst>
+              <a:ext uri="{FF2B5EF4-FFF2-40B4-BE49-F238E27FC236}">
+                <a16:creationId xmlns:a16="http://schemas.microsoft.com/office/drawing/2014/main" id="{10F831D4-46EC-8F2B-26D1-30B65157F4B2}"/>
+              </a:ext>
+            </a:extLst>
+          </p:cNvPr>
+          <p:cNvSpPr/>
+          <p:nvPr/>
+        </p:nvSpPr>
+        <p:spPr>
+          <a:xfrm>
+            <a:off x="985843" y="5277093"/>
+            <a:ext cx="1097280" cy="1209040"/>
+          </a:xfrm>
+          <a:prstGeom prst="lightningBolt">
+            <a:avLst/>
+          </a:prstGeom>
+        </p:spPr>
+        <p:style>
+          <a:lnRef idx="2">
+            <a:schemeClr val="accent1">
+              <a:shade val="15000"/>
+            </a:schemeClr>
+          </a:lnRef>
+          <a:fillRef idx="1">
+            <a:schemeClr val="accent1"/>
+          </a:fillRef>
+          <a:effectRef idx="0">
+            <a:schemeClr val="accent1"/>
+          </a:effectRef>
+          <a:fontRef idx="minor">
+            <a:schemeClr val="lt1"/>
+          </a:fontRef>
+        </p:style>
+        <p:txBody>
+          <a:bodyPr rtlCol="0" anchor="ctr"/>
+          <a:lstStyle/>
+          <a:p>
+            <a:pPr algn="ctr"/>
+            <a:endParaRPr lang="en-DK"/>
+          </a:p>
+        </p:txBody>
+      </p:sp>
     </p:spTree>
     <p:extLst>
       <p:ext uri="{BB962C8B-B14F-4D97-AF65-F5344CB8AC3E}">
@@ -11859,14 +13728,112 @@
   <p:clrMapOvr>
     <a:masterClrMapping/>
   </p:clrMapOvr>
-  <mc:AlternateContent xmlns:mc="http://schemas.openxmlformats.org/markup-compatibility/2006" xmlns:p14="http://schemas.microsoft.com/office/powerpoint/2010/main">
-    <mc:Choice Requires="p14">
-      <p:transition spd="slow" p14:dur="2000"/>
-    </mc:Choice>
-    <mc:Fallback xmlns="">
-      <p:transition spd="slow"/>
-    </mc:Fallback>
-  </mc:AlternateContent>
+  <p:timing>
+    <p:tnLst>
+      <p:par>
+        <p:cTn id="1" dur="indefinite" restart="never" nodeType="tmRoot">
+          <p:childTnLst>
+            <p:seq concurrent="1" nextAc="seek">
+              <p:cTn id="2" dur="indefinite" nodeType="mainSeq">
+                <p:childTnLst>
+                  <p:par>
+                    <p:cTn id="3" fill="hold">
+                      <p:stCondLst>
+                        <p:cond delay="indefinite"/>
+                      </p:stCondLst>
+                      <p:childTnLst>
+                        <p:par>
+                          <p:cTn id="4" fill="hold">
+                            <p:stCondLst>
+                              <p:cond delay="0"/>
+                            </p:stCondLst>
+                            <p:childTnLst>
+                              <p:par>
+                                <p:cTn id="5" presetID="1" presetClass="entr" presetSubtype="0" fill="hold" grpId="0" nodeType="clickEffect">
+                                  <p:stCondLst>
+                                    <p:cond delay="0"/>
+                                  </p:stCondLst>
+                                  <p:childTnLst>
+                                    <p:set>
+                                      <p:cBhvr>
+                                        <p:cTn id="6" dur="1" fill="hold">
+                                          <p:stCondLst>
+                                            <p:cond delay="0"/>
+                                          </p:stCondLst>
+                                        </p:cTn>
+                                        <p:tgtEl>
+                                          <p:spTgt spid="7"/>
+                                        </p:tgtEl>
+                                        <p:attrNameLst>
+                                          <p:attrName>style.visibility</p:attrName>
+                                        </p:attrNameLst>
+                                      </p:cBhvr>
+                                      <p:to>
+                                        <p:strVal val="visible"/>
+                                      </p:to>
+                                    </p:set>
+                                  </p:childTnLst>
+                                </p:cTn>
+                              </p:par>
+                              <p:par>
+                                <p:cTn id="7" presetID="1" presetClass="entr" presetSubtype="0" fill="hold" grpId="0" nodeType="withEffect">
+                                  <p:stCondLst>
+                                    <p:cond delay="0"/>
+                                  </p:stCondLst>
+                                  <p:childTnLst>
+                                    <p:set>
+                                      <p:cBhvr>
+                                        <p:cTn id="8" dur="1" fill="hold">
+                                          <p:stCondLst>
+                                            <p:cond delay="0"/>
+                                          </p:stCondLst>
+                                        </p:cTn>
+                                        <p:tgtEl>
+                                          <p:spTgt spid="8"/>
+                                        </p:tgtEl>
+                                        <p:attrNameLst>
+                                          <p:attrName>style.visibility</p:attrName>
+                                        </p:attrNameLst>
+                                      </p:cBhvr>
+                                      <p:to>
+                                        <p:strVal val="visible"/>
+                                      </p:to>
+                                    </p:set>
+                                  </p:childTnLst>
+                                </p:cTn>
+                              </p:par>
+                            </p:childTnLst>
+                          </p:cTn>
+                        </p:par>
+                      </p:childTnLst>
+                    </p:cTn>
+                  </p:par>
+                </p:childTnLst>
+              </p:cTn>
+              <p:prevCondLst>
+                <p:cond evt="onPrev" delay="0">
+                  <p:tgtEl>
+                    <p:sldTgt/>
+                  </p:tgtEl>
+                </p:cond>
+              </p:prevCondLst>
+              <p:nextCondLst>
+                <p:cond evt="onNext" delay="0">
+                  <p:tgtEl>
+                    <p:sldTgt/>
+                  </p:tgtEl>
+                </p:cond>
+              </p:nextCondLst>
+            </p:seq>
+          </p:childTnLst>
+        </p:cTn>
+      </p:par>
+    </p:tnLst>
+    <p:bldLst>
+      <p:bldP spid="7" grpId="0"/>
+      <p:bldP spid="8" grpId="0" animBg="1"/>
+    </p:bldLst>
+  </p:timing>
 </p:sld>
 </file>
 
@@ -11903,52 +13870,14 @@
           <a:lstStyle/>
           <a:p>
             <a:r>
-              <a:rPr lang="da-DK" dirty="0" smtClean="0"/>
+              <a:rPr lang="da-DK" dirty="0"/>
               <a:t>Simple </a:t>
             </a:r>
             <a:r>
-              <a:rPr lang="da-DK" dirty="0" err="1" smtClean="0"/>
+              <a:rPr lang="da-DK" dirty="0" err="1"/>
               <a:t>example</a:t>
             </a:r>
             <a:endParaRPr lang="da-DK" dirty="0"/>
-          </a:p>
-        </p:txBody>
-      </p:sp>
-      <p:sp>
-        <p:nvSpPr>
-          <p:cNvPr id="3" name="Content Placeholder 2"/>
-          <p:cNvSpPr>
-            <a:spLocks noGrp="1"/>
-          </p:cNvSpPr>
-          <p:nvPr>
-            <p:ph idx="4294967295"/>
-          </p:nvPr>
-        </p:nvSpPr>
-        <p:spPr/>
-        <p:txBody>
-          <a:bodyPr/>
-          <a:lstStyle/>
-          <a:p>
-            <a:endParaRPr lang="da-DK"/>
-          </a:p>
-        </p:txBody>
-      </p:sp>
-      <p:sp>
-        <p:nvSpPr>
-          <p:cNvPr id="4" name="Text Placeholder 3"/>
-          <p:cNvSpPr>
-            <a:spLocks noGrp="1"/>
-          </p:cNvSpPr>
-          <p:nvPr>
-            <p:ph type="body" idx="4294967295"/>
-          </p:nvPr>
-        </p:nvSpPr>
-        <p:spPr/>
-        <p:txBody>
-          <a:bodyPr/>
-          <a:lstStyle/>
-          <a:p>
-            <a:endParaRPr lang="da-DK"/>
           </a:p>
         </p:txBody>
       </p:sp>
@@ -11997,14 +13926,6 @@
   <p:clrMapOvr>
     <a:masterClrMapping/>
   </p:clrMapOvr>
-  <mc:AlternateContent xmlns:mc="http://schemas.openxmlformats.org/markup-compatibility/2006" xmlns:p14="http://schemas.microsoft.com/office/powerpoint/2010/main">
-    <mc:Choice Requires="p14">
-      <p:transition spd="slow" p14:dur="2000"/>
-    </mc:Choice>
-    <mc:Fallback xmlns="">
-      <p:transition spd="slow"/>
-    </mc:Fallback>
-  </mc:AlternateContent>
 </p:sld>
 </file>
 
@@ -12041,14 +13962,13 @@
           <a:lstStyle/>
           <a:p>
             <a:r>
-              <a:rPr lang="da-DK" dirty="0" err="1" smtClean="0"/>
+              <a:rPr lang="da-DK" dirty="0" err="1"/>
               <a:t>GoF</a:t>
             </a:r>
             <a:r>
-              <a:rPr lang="da-DK" dirty="0" smtClean="0"/>
+              <a:rPr lang="da-DK" dirty="0"/>
               <a:t> Observer</a:t>
             </a:r>
-            <a:endParaRPr lang="da-DK" dirty="0"/>
           </a:p>
         </p:txBody>
       </p:sp>
@@ -12183,25 +14103,6 @@
           </a:p>
           <a:p>
             <a:endParaRPr lang="da-DK" dirty="0"/>
-          </a:p>
-        </p:txBody>
-      </p:sp>
-      <p:sp>
-        <p:nvSpPr>
-          <p:cNvPr id="4" name="Text Placeholder 3"/>
-          <p:cNvSpPr>
-            <a:spLocks noGrp="1"/>
-          </p:cNvSpPr>
-          <p:nvPr>
-            <p:ph type="body" idx="4294967295"/>
-          </p:nvPr>
-        </p:nvSpPr>
-        <p:spPr/>
-        <p:txBody>
-          <a:bodyPr/>
-          <a:lstStyle/>
-          <a:p>
-            <a:endParaRPr lang="da-DK"/>
           </a:p>
         </p:txBody>
       </p:sp>
@@ -12228,7 +14129,7 @@
         </p:blipFill>
         <p:spPr bwMode="auto">
           <a:xfrm>
-            <a:off x="7919460" y="3000544"/>
+            <a:off x="10015422" y="3074685"/>
             <a:ext cx="2088232" cy="3236760"/>
           </a:xfrm>
           <a:prstGeom prst="rect">
@@ -12277,13 +14178,13 @@
         </p:nvSpPr>
         <p:spPr>
           <a:xfrm>
-            <a:off x="3022916" y="4437104"/>
+            <a:off x="5172992" y="4845467"/>
             <a:ext cx="4176464" cy="1368152"/>
           </a:xfrm>
           <a:prstGeom prst="wedgeRoundRectCallout">
             <a:avLst>
-              <a:gd name="adj1" fmla="val 99500"/>
-              <a:gd name="adj2" fmla="val -131096"/>
+              <a:gd name="adj1" fmla="val 97429"/>
+              <a:gd name="adj2" fmla="val -159094"/>
               <a:gd name="adj3" fmla="val 16667"/>
             </a:avLst>
           </a:prstGeom>
@@ -12310,12 +14211,8 @@
           <a:p>
             <a:pPr marL="0" lvl="1"/>
             <a:r>
-              <a:rPr lang="en-US" dirty="0" smtClean="0"/>
-              <a:t>Define </a:t>
-            </a:r>
-            <a:r>
               <a:rPr lang="en-US" dirty="0"/>
-              <a:t>a one-to-many dependency between objects so that when one object changes state, all its dependents are notified and updated automatically</a:t>
+              <a:t>Define a one-to-many dependency between objects so that when one object changes state, all its dependents are notified and updated automatically</a:t>
             </a:r>
           </a:p>
         </p:txBody>
@@ -12330,14 +14227,6 @@
   <p:clrMapOvr>
     <a:masterClrMapping/>
   </p:clrMapOvr>
-  <mc:AlternateContent xmlns:mc="http://schemas.openxmlformats.org/markup-compatibility/2006" xmlns:p14="http://schemas.microsoft.com/office/powerpoint/2010/main">
-    <mc:Choice Requires="p14">
-      <p:transition spd="slow" p14:dur="2000"/>
-    </mc:Choice>
-    <mc:Fallback xmlns="">
-      <p:transition spd="slow"/>
-    </mc:Fallback>
-  </mc:AlternateContent>
   <p:timing>
     <p:tnLst>
       <p:par>
@@ -12516,48 +14405,9 @@
           <a:lstStyle/>
           <a:p>
             <a:r>
-              <a:rPr lang="da-DK" dirty="0" smtClean="0"/>
+              <a:rPr lang="da-DK" dirty="0"/>
               <a:t>Observer class diagram</a:t>
             </a:r>
-            <a:endParaRPr lang="da-DK" dirty="0"/>
-          </a:p>
-        </p:txBody>
-      </p:sp>
-      <p:sp>
-        <p:nvSpPr>
-          <p:cNvPr id="3" name="Content Placeholder 2"/>
-          <p:cNvSpPr>
-            <a:spLocks noGrp="1"/>
-          </p:cNvSpPr>
-          <p:nvPr>
-            <p:ph idx="4294967295"/>
-          </p:nvPr>
-        </p:nvSpPr>
-        <p:spPr/>
-        <p:txBody>
-          <a:bodyPr/>
-          <a:lstStyle/>
-          <a:p>
-            <a:endParaRPr lang="da-DK"/>
-          </a:p>
-        </p:txBody>
-      </p:sp>
-      <p:sp>
-        <p:nvSpPr>
-          <p:cNvPr id="4" name="Text Placeholder 3"/>
-          <p:cNvSpPr>
-            <a:spLocks noGrp="1"/>
-          </p:cNvSpPr>
-          <p:nvPr>
-            <p:ph type="body" idx="4294967295"/>
-          </p:nvPr>
-        </p:nvSpPr>
-        <p:spPr/>
-        <p:txBody>
-          <a:bodyPr/>
-          <a:lstStyle/>
-          <a:p>
-            <a:endParaRPr lang="da-DK"/>
           </a:p>
         </p:txBody>
       </p:sp>
@@ -12602,7 +14452,7 @@
           <a:p>
             <a:pPr marL="0" lvl="1"/>
             <a:r>
-              <a:rPr lang="en-US" sz="1400" dirty="0" smtClean="0">
+              <a:rPr lang="en-US" sz="1400" dirty="0">
                 <a:latin typeface="Consolas" pitchFamily="49" charset="0"/>
                 <a:cs typeface="Consolas" pitchFamily="49" charset="0"/>
               </a:rPr>
@@ -12610,25 +14460,21 @@
             </a:r>
             <a:r>
               <a:rPr lang="en-US" sz="1600" dirty="0"/>
-              <a:t> </a:t>
-            </a:r>
-            <a:r>
-              <a:rPr lang="en-US" sz="1600" dirty="0" smtClean="0"/>
-              <a:t>is an abstract base class for all data subjects</a:t>
+              <a:t> is an abstract base class for all data subjects</a:t>
             </a:r>
           </a:p>
           <a:p>
             <a:pPr marL="0" lvl="1"/>
             <a:r>
-              <a:rPr lang="en-US" sz="1600" dirty="0" smtClean="0"/>
+              <a:rPr lang="en-US" sz="1600" dirty="0"/>
               <a:t>(i.e. things that get </a:t>
             </a:r>
             <a:r>
-              <a:rPr lang="en-US" sz="1600" i="1" dirty="0" smtClean="0"/>
+              <a:rPr lang="en-US" sz="1600" i="1" dirty="0"/>
               <a:t>updated</a:t>
             </a:r>
             <a:r>
-              <a:rPr lang="en-US" sz="1600" dirty="0" smtClean="0"/>
+              <a:rPr lang="en-US" sz="1600" dirty="0"/>
               <a:t>)</a:t>
             </a:r>
             <a:endParaRPr lang="en-US" sz="1400" dirty="0"/>
@@ -12676,14 +14522,14 @@
           <a:p>
             <a:pPr marL="0" lvl="1"/>
             <a:r>
-              <a:rPr lang="en-US" sz="1400" dirty="0" smtClean="0">
+              <a:rPr lang="en-US" sz="1400" dirty="0">
                 <a:latin typeface="Consolas" pitchFamily="49" charset="0"/>
                 <a:cs typeface="Consolas" pitchFamily="49" charset="0"/>
               </a:rPr>
               <a:t>Observer </a:t>
             </a:r>
             <a:r>
-              <a:rPr lang="en-US" sz="1600" dirty="0" smtClean="0"/>
+              <a:rPr lang="en-US" sz="1600" dirty="0"/>
               <a:t>is an interface that must be implemented by all classes that wish to be informed of data changes</a:t>
             </a:r>
             <a:endParaRPr lang="en-US" sz="1400" dirty="0"/>
@@ -12731,7 +14577,7 @@
           <a:p>
             <a:pPr marL="0" lvl="1"/>
             <a:r>
-              <a:rPr lang="en-US" sz="1400" dirty="0" err="1" smtClean="0">
+              <a:rPr lang="en-US" sz="1400" dirty="0" err="1">
                 <a:latin typeface="Consolas" pitchFamily="49" charset="0"/>
                 <a:cs typeface="Consolas" pitchFamily="49" charset="0"/>
               </a:rPr>
@@ -12739,11 +14585,7 @@
             </a:r>
             <a:r>
               <a:rPr lang="en-US" sz="1600" dirty="0"/>
-              <a:t> </a:t>
-            </a:r>
-            <a:r>
-              <a:rPr lang="en-US" sz="1600" dirty="0" smtClean="0"/>
-              <a:t>inherits from </a:t>
+              <a:t> inherits from </a:t>
             </a:r>
             <a:r>
               <a:rPr lang="en-US" sz="1400" dirty="0">
@@ -12754,21 +14596,17 @@
             </a:r>
             <a:r>
               <a:rPr lang="en-US" sz="1600" dirty="0"/>
-              <a:t>. </a:t>
-            </a:r>
-            <a:r>
-              <a:rPr lang="en-US" sz="1600" dirty="0" smtClean="0"/>
-              <a:t>This is the actual class that must be monitored (in our case, </a:t>
-            </a:r>
-            <a:r>
-              <a:rPr lang="en-US" sz="1400" dirty="0" smtClean="0">
+              <a:t>. This is the actual class that must be monitored (in our case, </a:t>
+            </a:r>
+            <a:r>
+              <a:rPr lang="en-US" sz="1400" dirty="0">
                 <a:latin typeface="Consolas" pitchFamily="49" charset="0"/>
                 <a:cs typeface="Consolas" pitchFamily="49" charset="0"/>
               </a:rPr>
               <a:t>Provider</a:t>
             </a:r>
             <a:r>
-              <a:rPr lang="en-US" sz="1600" dirty="0" smtClean="0"/>
+              <a:rPr lang="en-US" sz="1600" dirty="0"/>
               <a:t>)</a:t>
             </a:r>
             <a:endParaRPr lang="en-US" sz="1400" dirty="0"/>
@@ -12816,7 +14654,7 @@
           <a:p>
             <a:pPr marL="0" lvl="1"/>
             <a:r>
-              <a:rPr lang="en-US" sz="1400" dirty="0" err="1" smtClean="0">
+              <a:rPr lang="en-US" sz="1400" dirty="0" err="1">
                 <a:latin typeface="Consolas" pitchFamily="49" charset="0"/>
                 <a:cs typeface="Consolas" pitchFamily="49" charset="0"/>
               </a:rPr>
@@ -12824,11 +14662,7 @@
             </a:r>
             <a:r>
               <a:rPr lang="en-US" sz="1600" dirty="0"/>
-              <a:t> </a:t>
-            </a:r>
-            <a:r>
-              <a:rPr lang="en-US" sz="1600" dirty="0" smtClean="0"/>
-              <a:t>implements the </a:t>
+              <a:t> implements the </a:t>
             </a:r>
             <a:r>
               <a:rPr lang="en-US" sz="1400" dirty="0">
@@ -12838,18 +14672,18 @@
               <a:t>Observer</a:t>
             </a:r>
             <a:r>
-              <a:rPr lang="en-US" sz="1600" dirty="0" smtClean="0"/>
+              <a:rPr lang="en-US" sz="1600" dirty="0"/>
               <a:t> interface. This is the actual class that must receive updates (in our case, </a:t>
             </a:r>
             <a:r>
-              <a:rPr lang="en-US" sz="1400" dirty="0" smtClean="0">
+              <a:rPr lang="en-US" sz="1400" dirty="0">
                 <a:latin typeface="Consolas" pitchFamily="49" charset="0"/>
                 <a:cs typeface="Consolas" pitchFamily="49" charset="0"/>
               </a:rPr>
               <a:t>Po</a:t>
             </a:r>
             <a:r>
-              <a:rPr lang="en-US" sz="1600" dirty="0" smtClean="0"/>
+              <a:rPr lang="en-US" sz="1600" dirty="0"/>
               <a:t>)</a:t>
             </a:r>
             <a:endParaRPr lang="en-US" sz="1400" dirty="0"/>
@@ -12930,14 +14764,6 @@
   <p:clrMapOvr>
     <a:masterClrMapping/>
   </p:clrMapOvr>
-  <mc:AlternateContent xmlns:mc="http://schemas.openxmlformats.org/markup-compatibility/2006" xmlns:p14="http://schemas.microsoft.com/office/powerpoint/2010/main">
-    <mc:Choice Requires="p14">
-      <p:transition spd="slow" p14:dur="2000"/>
-    </mc:Choice>
-    <mc:Fallback xmlns="">
-      <p:transition spd="slow"/>
-    </mc:Fallback>
-  </mc:AlternateContent>
   <p:timing>
     <p:tnLst>
       <p:par>
@@ -13190,7 +15016,7 @@
           <a:lstStyle/>
           <a:p>
             <a:r>
-              <a:rPr lang="da-DK" dirty="0" err="1" smtClean="0"/>
+              <a:rPr lang="da-DK" dirty="0" err="1"/>
               <a:t>Naming</a:t>
             </a:r>
             <a:endParaRPr lang="da-DK" dirty="0"/>
@@ -13216,23 +15042,23 @@
               <a:buNone/>
             </a:pPr>
             <a:r>
-              <a:rPr lang="da-DK" sz="3200" dirty="0" err="1" smtClean="0"/>
+              <a:rPr lang="da-DK" sz="3200" dirty="0" err="1"/>
               <a:t>Subject</a:t>
             </a:r>
             <a:r>
-              <a:rPr lang="da-DK" sz="3200" dirty="0" smtClean="0"/>
+              <a:rPr lang="da-DK" sz="3200" dirty="0"/>
               <a:t>, </a:t>
             </a:r>
             <a:r>
-              <a:rPr lang="da-DK" sz="3200" dirty="0" err="1" smtClean="0"/>
+              <a:rPr lang="da-DK" sz="3200" dirty="0" err="1"/>
               <a:t>provider</a:t>
             </a:r>
             <a:r>
-              <a:rPr lang="da-DK" sz="3200" dirty="0" smtClean="0"/>
+              <a:rPr lang="da-DK" sz="3200" dirty="0"/>
               <a:t>, </a:t>
             </a:r>
             <a:r>
-              <a:rPr lang="da-DK" sz="3200" dirty="0" err="1" smtClean="0"/>
+              <a:rPr lang="da-DK" sz="3200" dirty="0" err="1"/>
               <a:t>observable</a:t>
             </a:r>
             <a:endParaRPr lang="da-DK" sz="3200" dirty="0"/>
@@ -13240,39 +15066,33 @@
           <a:p>
             <a:pPr marL="889199" lvl="1" indent="-457200"/>
             <a:r>
-              <a:rPr lang="da-DK" sz="2400" dirty="0" smtClean="0"/>
+              <a:rPr lang="da-DK" sz="2400" dirty="0"/>
               <a:t>Just </a:t>
             </a:r>
             <a:r>
-              <a:rPr lang="da-DK" sz="2400" dirty="0" err="1" smtClean="0"/>
+              <a:rPr lang="da-DK" sz="2400" dirty="0" err="1"/>
               <a:t>different</a:t>
             </a:r>
             <a:r>
-              <a:rPr lang="da-DK" sz="2400" dirty="0" smtClean="0"/>
+              <a:rPr lang="da-DK" sz="2400" dirty="0"/>
               <a:t> </a:t>
             </a:r>
             <a:r>
-              <a:rPr lang="da-DK" sz="2400" dirty="0" err="1" smtClean="0"/>
+              <a:rPr lang="da-DK" sz="2400" dirty="0" err="1"/>
               <a:t>names</a:t>
             </a:r>
             <a:r>
-              <a:rPr lang="da-DK" sz="2400" dirty="0" smtClean="0"/>
+              <a:rPr lang="da-DK" sz="2400" dirty="0"/>
               <a:t> for the same </a:t>
             </a:r>
             <a:r>
-              <a:rPr lang="da-DK" sz="2400" dirty="0" err="1" smtClean="0"/>
+              <a:rPr lang="da-DK" sz="2400" dirty="0" err="1"/>
               <a:t>thing</a:t>
             </a:r>
             <a:r>
-              <a:rPr lang="da-DK" sz="2400" dirty="0" smtClean="0"/>
+              <a:rPr lang="da-DK" sz="2400" dirty="0"/>
               <a:t>.</a:t>
             </a:r>
-          </a:p>
-          <a:p>
-            <a:pPr>
-              <a:buNone/>
-            </a:pPr>
-            <a:endParaRPr lang="da-DK" sz="3200" dirty="0" smtClean="0"/>
           </a:p>
           <a:p>
             <a:pPr>
@@ -13284,19 +15104,25 @@
             <a:pPr>
               <a:buNone/>
             </a:pPr>
-            <a:r>
-              <a:rPr lang="da-DK" sz="3200" dirty="0" smtClean="0"/>
+            <a:endParaRPr lang="da-DK" sz="3200" dirty="0"/>
+          </a:p>
+          <a:p>
+            <a:pPr>
+              <a:buNone/>
+            </a:pPr>
+            <a:r>
+              <a:rPr lang="da-DK" sz="3200" dirty="0"/>
               <a:t>Consumer, observer</a:t>
             </a:r>
           </a:p>
           <a:p>
             <a:pPr marL="889199" lvl="1" indent="-457200"/>
             <a:r>
-              <a:rPr lang="da-DK" sz="2800" dirty="0" err="1" smtClean="0"/>
+              <a:rPr lang="da-DK" sz="2800" dirty="0" err="1"/>
               <a:t>Also</a:t>
             </a:r>
             <a:r>
-              <a:rPr lang="da-DK" sz="2800" dirty="0" smtClean="0"/>
+              <a:rPr lang="da-DK" sz="2800" dirty="0"/>
               <a:t> just </a:t>
             </a:r>
             <a:r>
@@ -13316,39 +15142,19 @@
               <a:t> for the same </a:t>
             </a:r>
             <a:r>
-              <a:rPr lang="da-DK" sz="2800" dirty="0" err="1" smtClean="0"/>
+              <a:rPr lang="da-DK" sz="2800" dirty="0" err="1"/>
               <a:t>thing</a:t>
             </a:r>
             <a:r>
-              <a:rPr lang="da-DK" sz="2800" dirty="0" smtClean="0"/>
+              <a:rPr lang="da-DK" sz="2800" dirty="0"/>
               <a:t>.</a:t>
             </a:r>
-            <a:endParaRPr lang="da-DK" sz="2800" dirty="0"/>
           </a:p>
           <a:p>
             <a:pPr>
               <a:buNone/>
             </a:pPr>
             <a:endParaRPr lang="da-DK" sz="3200" dirty="0"/>
-          </a:p>
-        </p:txBody>
-      </p:sp>
-      <p:sp>
-        <p:nvSpPr>
-          <p:cNvPr id="4" name="Text Placeholder 3"/>
-          <p:cNvSpPr>
-            <a:spLocks noGrp="1"/>
-          </p:cNvSpPr>
-          <p:nvPr>
-            <p:ph type="body" idx="4294967295"/>
-          </p:nvPr>
-        </p:nvSpPr>
-        <p:spPr/>
-        <p:txBody>
-          <a:bodyPr/>
-          <a:lstStyle/>
-          <a:p>
-            <a:endParaRPr lang="da-DK"/>
           </a:p>
         </p:txBody>
       </p:sp>
@@ -13362,14 +15168,6 @@
   <p:clrMapOvr>
     <a:masterClrMapping/>
   </p:clrMapOvr>
-  <mc:AlternateContent xmlns:mc="http://schemas.openxmlformats.org/markup-compatibility/2006" xmlns:p14="http://schemas.microsoft.com/office/powerpoint/2010/main">
-    <mc:Choice Requires="p14">
-      <p:transition spd="slow" p14:dur="2000"/>
-    </mc:Choice>
-    <mc:Fallback xmlns="">
-      <p:transition spd="slow"/>
-    </mc:Fallback>
-  </mc:AlternateContent>
 </p:sld>
 </file>
 
@@ -13406,56 +15204,17 @@
           <a:lstStyle/>
           <a:p>
             <a:r>
-              <a:rPr lang="da-DK" dirty="0" smtClean="0"/>
+              <a:rPr lang="da-DK" dirty="0"/>
               <a:t>Notifications, </a:t>
             </a:r>
             <a:r>
-              <a:rPr lang="da-DK" dirty="0" err="1" smtClean="0"/>
+              <a:rPr lang="da-DK" dirty="0" err="1"/>
               <a:t>sequence</a:t>
             </a:r>
             <a:r>
-              <a:rPr lang="da-DK" dirty="0" smtClean="0"/>
+              <a:rPr lang="da-DK" dirty="0"/>
               <a:t> diagram</a:t>
             </a:r>
-            <a:endParaRPr lang="da-DK" dirty="0"/>
-          </a:p>
-        </p:txBody>
-      </p:sp>
-      <p:sp>
-        <p:nvSpPr>
-          <p:cNvPr id="3" name="Content Placeholder 2"/>
-          <p:cNvSpPr>
-            <a:spLocks noGrp="1"/>
-          </p:cNvSpPr>
-          <p:nvPr>
-            <p:ph idx="4294967295"/>
-          </p:nvPr>
-        </p:nvSpPr>
-        <p:spPr/>
-        <p:txBody>
-          <a:bodyPr/>
-          <a:lstStyle/>
-          <a:p>
-            <a:endParaRPr lang="da-DK"/>
-          </a:p>
-        </p:txBody>
-      </p:sp>
-      <p:sp>
-        <p:nvSpPr>
-          <p:cNvPr id="4" name="Text Placeholder 3"/>
-          <p:cNvSpPr>
-            <a:spLocks noGrp="1"/>
-          </p:cNvSpPr>
-          <p:nvPr>
-            <p:ph type="body" idx="4294967295"/>
-          </p:nvPr>
-        </p:nvSpPr>
-        <p:spPr/>
-        <p:txBody>
-          <a:bodyPr/>
-          <a:lstStyle/>
-          <a:p>
-            <a:endParaRPr lang="da-DK"/>
           </a:p>
         </p:txBody>
       </p:sp>
@@ -13533,21 +15292,6 @@
   <p:clrMapOvr>
     <a:masterClrMapping/>
   </p:clrMapOvr>
-  <mc:AlternateContent xmlns:mc="http://schemas.openxmlformats.org/markup-compatibility/2006" xmlns:p14="http://schemas.microsoft.com/office/powerpoint/2010/main">
-    <mc:Choice Requires="p14">
-      <p:transition spd="slow" p14:dur="2000"/>
-    </mc:Choice>
-    <mc:Fallback xmlns="">
-      <p:transition spd="slow"/>
-    </mc:Fallback>
-  </mc:AlternateContent>
-  <p:timing>
-    <p:tnLst>
-      <p:par>
-        <p:cTn id="1" dur="indefinite" restart="never" nodeType="tmRoot"/>
-      </p:par>
-    </p:tnLst>
-  </p:timing>
 </p:sld>
 </file>
 
@@ -13570,7 +15314,13 @@
       </p:grpSpPr>
       <p:sp>
         <p:nvSpPr>
-          <p:cNvPr id="2" name="Title 1"/>
+          <p:cNvPr id="2" name="Title 1">
+            <a:extLst>
+              <a:ext uri="{FF2B5EF4-FFF2-40B4-BE49-F238E27FC236}">
+                <a16:creationId xmlns:a16="http://schemas.microsoft.com/office/drawing/2014/main" id="{F5ABC4D4-064C-4CC8-B2C4-C732D49FD078}"/>
+              </a:ext>
+            </a:extLst>
+          </p:cNvPr>
           <p:cNvSpPr>
             <a:spLocks noGrp="1"/>
           </p:cNvSpPr>
@@ -13584,59 +15334,21 @@
           <a:lstStyle/>
           <a:p>
             <a:r>
-              <a:rPr lang="da-DK" dirty="0" err="1" smtClean="0"/>
-              <a:t>Many</a:t>
-            </a:r>
-            <a:r>
-              <a:rPr lang="da-DK" dirty="0" smtClean="0"/>
-              <a:t> </a:t>
-            </a:r>
-            <a:r>
-              <a:rPr lang="da-DK" dirty="0" err="1" smtClean="0"/>
-              <a:t>observers</a:t>
-            </a:r>
-            <a:r>
-              <a:rPr lang="da-DK" dirty="0" smtClean="0"/>
-              <a:t> to </a:t>
-            </a:r>
-            <a:r>
-              <a:rPr lang="da-DK" dirty="0" err="1" smtClean="0"/>
-              <a:t>one</a:t>
-            </a:r>
-            <a:r>
-              <a:rPr lang="da-DK" dirty="0" smtClean="0"/>
-              <a:t> </a:t>
-            </a:r>
-            <a:r>
-              <a:rPr lang="da-DK" dirty="0" err="1" smtClean="0"/>
-              <a:t>observable</a:t>
-            </a:r>
-            <a:endParaRPr lang="da-DK" dirty="0"/>
-          </a:p>
-        </p:txBody>
-      </p:sp>
-      <p:sp>
-        <p:nvSpPr>
-          <p:cNvPr id="6" name="Text Placeholder 5"/>
-          <p:cNvSpPr>
-            <a:spLocks noGrp="1"/>
-          </p:cNvSpPr>
-          <p:nvPr>
-            <p:ph type="body" idx="4294967295"/>
-          </p:nvPr>
-        </p:nvSpPr>
-        <p:spPr/>
-        <p:txBody>
-          <a:bodyPr/>
-          <a:lstStyle/>
-          <a:p>
-            <a:endParaRPr lang="da-DK"/>
-          </a:p>
-        </p:txBody>
-      </p:sp>
-      <p:sp>
-        <p:nvSpPr>
-          <p:cNvPr id="5" name="Content Placeholder 4"/>
+              <a:rPr lang="en-DK" dirty="0"/>
+              <a:t>Example: Blood Pressure Measurement</a:t>
+            </a:r>
+          </a:p>
+        </p:txBody>
+      </p:sp>
+      <p:sp>
+        <p:nvSpPr>
+          <p:cNvPr id="3" name="Content Placeholder 2">
+            <a:extLst>
+              <a:ext uri="{FF2B5EF4-FFF2-40B4-BE49-F238E27FC236}">
+                <a16:creationId xmlns:a16="http://schemas.microsoft.com/office/drawing/2014/main" id="{2550BB80-6B22-E829-8C94-7FEF73063B73}"/>
+              </a:ext>
+            </a:extLst>
+          </p:cNvPr>
           <p:cNvSpPr>
             <a:spLocks noGrp="1"/>
           </p:cNvSpPr>
@@ -13646,8 +15358,8 @@
         </p:nvSpPr>
         <p:spPr>
           <a:xfrm>
-            <a:off x="693810" y="4805265"/>
-            <a:ext cx="10801203" cy="1432039"/>
+            <a:off x="984251" y="1219867"/>
+            <a:ext cx="10220321" cy="3937479"/>
           </a:xfrm>
         </p:spPr>
         <p:txBody>
@@ -13655,216 +15367,1009 @@
           <a:lstStyle/>
           <a:p>
             <a:r>
-              <a:rPr lang="da-DK" dirty="0" smtClean="0"/>
-              <a:t>Let the </a:t>
-            </a:r>
-            <a:r>
-              <a:rPr lang="da-DK" dirty="0" err="1" smtClean="0"/>
-              <a:t>subject</a:t>
-            </a:r>
-            <a:r>
-              <a:rPr lang="da-DK" dirty="0" smtClean="0"/>
-              <a:t> hold a list of </a:t>
-            </a:r>
-            <a:r>
-              <a:rPr lang="da-DK" dirty="0" err="1" smtClean="0"/>
-              <a:t>observers</a:t>
-            </a:r>
-            <a:r>
-              <a:rPr lang="da-DK" dirty="0" smtClean="0"/>
-              <a:t>.</a:t>
-            </a:r>
-          </a:p>
-          <a:p>
-            <a:r>
-              <a:rPr lang="da-DK" dirty="0" err="1" smtClean="0"/>
-              <a:t>Then</a:t>
-            </a:r>
-            <a:r>
-              <a:rPr lang="da-DK" dirty="0" smtClean="0"/>
-              <a:t> </a:t>
-            </a:r>
-            <a:r>
-              <a:rPr lang="da-DK" dirty="0" err="1" smtClean="0"/>
-              <a:t>many</a:t>
-            </a:r>
-            <a:r>
-              <a:rPr lang="da-DK" dirty="0" smtClean="0"/>
-              <a:t> </a:t>
-            </a:r>
-            <a:r>
-              <a:rPr lang="da-DK" dirty="0" err="1" smtClean="0"/>
-              <a:t>observers</a:t>
-            </a:r>
-            <a:r>
-              <a:rPr lang="da-DK" dirty="0" smtClean="0"/>
-              <a:t> </a:t>
-            </a:r>
-            <a:r>
-              <a:rPr lang="da-DK" dirty="0" err="1" smtClean="0"/>
-              <a:t>can</a:t>
-            </a:r>
-            <a:r>
-              <a:rPr lang="da-DK" dirty="0" smtClean="0"/>
-              <a:t> </a:t>
-            </a:r>
-            <a:r>
-              <a:rPr lang="da-DK" dirty="0" err="1" smtClean="0"/>
-              <a:t>attach</a:t>
-            </a:r>
-            <a:r>
-              <a:rPr lang="da-DK" dirty="0" smtClean="0"/>
-              <a:t> to the same </a:t>
-            </a:r>
-            <a:r>
-              <a:rPr lang="da-DK" dirty="0" err="1" smtClean="0"/>
-              <a:t>subject</a:t>
-            </a:r>
-            <a:r>
-              <a:rPr lang="da-DK" dirty="0" smtClean="0"/>
-              <a:t>.</a:t>
-            </a:r>
-          </a:p>
-          <a:p>
-            <a:r>
-              <a:rPr lang="da-DK" dirty="0" smtClean="0"/>
-              <a:t>An observer </a:t>
-            </a:r>
-            <a:r>
-              <a:rPr lang="da-DK" dirty="0" err="1" smtClean="0"/>
-              <a:t>can</a:t>
-            </a:r>
-            <a:r>
-              <a:rPr lang="da-DK" dirty="0" smtClean="0"/>
-              <a:t> </a:t>
-            </a:r>
-            <a:r>
-              <a:rPr lang="da-DK" dirty="0" err="1" smtClean="0"/>
-              <a:t>remove</a:t>
-            </a:r>
-            <a:r>
-              <a:rPr lang="da-DK" dirty="0" smtClean="0"/>
-              <a:t> it </a:t>
-            </a:r>
-            <a:r>
-              <a:rPr lang="da-DK" dirty="0" err="1" smtClean="0"/>
-              <a:t>self</a:t>
-            </a:r>
-            <a:r>
-              <a:rPr lang="da-DK" dirty="0" smtClean="0"/>
-              <a:t> from the list, by </a:t>
-            </a:r>
-            <a:r>
-              <a:rPr lang="da-DK" dirty="0" err="1" smtClean="0"/>
-              <a:t>calling</a:t>
-            </a:r>
-            <a:r>
-              <a:rPr lang="da-DK" dirty="0" smtClean="0"/>
-              <a:t> </a:t>
-            </a:r>
-            <a:r>
-              <a:rPr lang="da-DK" i="1" dirty="0" err="1" smtClean="0"/>
-              <a:t>Detach</a:t>
-            </a:r>
-            <a:r>
-              <a:rPr lang="da-DK" i="1" dirty="0" smtClean="0"/>
-              <a:t>.</a:t>
-            </a:r>
-          </a:p>
-          <a:p>
-            <a:endParaRPr lang="da-DK" dirty="0"/>
-          </a:p>
-        </p:txBody>
-      </p:sp>
-      <p:pic>
-        <p:nvPicPr>
-          <p:cNvPr id="7" name="Picture 7"/>
-          <p:cNvPicPr>
-            <a:picLocks noChangeAspect="1" noChangeArrowheads="1"/>
-          </p:cNvPicPr>
-          <p:nvPr/>
-        </p:nvPicPr>
-        <p:blipFill>
-          <a:blip r:embed="rId3">
+              <a:rPr lang="en-DK" b="1" dirty="0"/>
+              <a:t>Description</a:t>
+            </a:r>
+            <a:r>
+              <a:rPr lang="en-DK" dirty="0"/>
+              <a:t>:</a:t>
+            </a:r>
+          </a:p>
+          <a:p>
+            <a:r>
+              <a:rPr lang="en-DK" dirty="0"/>
+              <a:t>A system to measure and display blood pressure</a:t>
+            </a:r>
+          </a:p>
+          <a:p>
+            <a:endParaRPr lang="en-DK" dirty="0"/>
+          </a:p>
+          <a:p>
+            <a:pPr marL="342900" indent="-342900">
+              <a:buFont typeface="Arial" panose="020B0604020202020204" pitchFamily="34" charset="0"/>
+              <a:buChar char="•"/>
+            </a:pPr>
+            <a:r>
+              <a:rPr lang="en-DK" dirty="0"/>
+              <a:t>Measurement:</a:t>
+            </a:r>
+          </a:p>
+          <a:p>
+            <a:pPr marL="774899" lvl="1" indent="-342900">
+              <a:buFont typeface="Arial" panose="020B0604020202020204" pitchFamily="34" charset="0"/>
+              <a:buChar char="•"/>
+            </a:pPr>
+            <a:r>
+              <a:rPr lang="en-DK" dirty="0"/>
+              <a:t>Set systolic BP</a:t>
+            </a:r>
+          </a:p>
+          <a:p>
+            <a:pPr marL="774899" lvl="1" indent="-342900">
+              <a:buFont typeface="Arial" panose="020B0604020202020204" pitchFamily="34" charset="0"/>
+              <a:buChar char="•"/>
+            </a:pPr>
+            <a:r>
+              <a:rPr lang="en-DK" dirty="0"/>
+              <a:t>Set diastolic BP</a:t>
+            </a:r>
+          </a:p>
+          <a:p>
+            <a:pPr marL="774899" lvl="1" indent="-342900">
+              <a:buFont typeface="Arial" panose="020B0604020202020204" pitchFamily="34" charset="0"/>
+              <a:buChar char="•"/>
+            </a:pPr>
+            <a:r>
+              <a:rPr lang="en-GB" dirty="0"/>
+              <a:t>S</a:t>
+            </a:r>
+            <a:r>
+              <a:rPr lang="en-DK" dirty="0"/>
+              <a:t>et “measurement complete”</a:t>
+            </a:r>
+          </a:p>
+          <a:p>
+            <a:pPr marL="774899" lvl="1" indent="-342900">
+              <a:buFont typeface="Arial" panose="020B0604020202020204" pitchFamily="34" charset="0"/>
+              <a:buChar char="•"/>
+            </a:pPr>
+            <a:endParaRPr lang="en-DK" dirty="0"/>
+          </a:p>
+          <a:p>
+            <a:pPr marL="342900" indent="-342900">
+              <a:buFont typeface="Arial" panose="020B0604020202020204" pitchFamily="34" charset="0"/>
+              <a:buChar char="•"/>
+            </a:pPr>
+            <a:r>
+              <a:rPr lang="en-DK" dirty="0"/>
+              <a:t>Display:</a:t>
+            </a:r>
+          </a:p>
+          <a:p>
+            <a:pPr marL="774899" lvl="1" indent="-342900">
+              <a:buFont typeface="Arial" panose="020B0604020202020204" pitchFamily="34" charset="0"/>
+              <a:buChar char="•"/>
+            </a:pPr>
+            <a:r>
+              <a:rPr lang="en-DK" dirty="0"/>
+              <a:t>When measurement is complete: Display systolic and diastolic BPs</a:t>
+            </a:r>
+          </a:p>
+          <a:p>
+            <a:endParaRPr lang="en-DK" dirty="0"/>
+          </a:p>
+        </p:txBody>
+      </p:sp>
+      <p:sp>
+        <p:nvSpPr>
+          <p:cNvPr id="6" name="Rounded Rectangle 5">
             <a:extLst>
-              <a:ext uri="{28A0092B-C50C-407E-A947-70E740481C1C}">
-                <a14:useLocalDpi xmlns:a14="http://schemas.microsoft.com/office/drawing/2010/main" val="0"/>
+              <a:ext uri="{FF2B5EF4-FFF2-40B4-BE49-F238E27FC236}">
+                <a16:creationId xmlns:a16="http://schemas.microsoft.com/office/drawing/2014/main" id="{6606B3C7-117A-530E-45CC-8941BC401688}"/>
               </a:ext>
             </a:extLst>
-          </a:blip>
-          <a:srcRect/>
-          <a:stretch>
-            <a:fillRect/>
-          </a:stretch>
-        </p:blipFill>
-        <p:spPr bwMode="auto">
+          </p:cNvPr>
+          <p:cNvSpPr/>
+          <p:nvPr/>
+        </p:nvSpPr>
+        <p:spPr>
           <a:xfrm>
-            <a:off x="3568087" y="1426433"/>
-            <a:ext cx="3701910" cy="2789111"/>
+            <a:off x="5667283" y="5540501"/>
+            <a:ext cx="2349615" cy="914400"/>
+          </a:xfrm>
+          <a:prstGeom prst="roundRect">
+            <a:avLst/>
+          </a:prstGeom>
+        </p:spPr>
+        <p:style>
+          <a:lnRef idx="2">
+            <a:schemeClr val="accent1">
+              <a:shade val="15000"/>
+            </a:schemeClr>
+          </a:lnRef>
+          <a:fillRef idx="1">
+            <a:schemeClr val="accent1"/>
+          </a:fillRef>
+          <a:effectRef idx="0">
+            <a:schemeClr val="accent1"/>
+          </a:effectRef>
+          <a:fontRef idx="minor">
+            <a:schemeClr val="lt1"/>
+          </a:fontRef>
+        </p:style>
+        <p:txBody>
+          <a:bodyPr rtlCol="0" anchor="ctr"/>
+          <a:lstStyle/>
+          <a:p>
+            <a:pPr algn="ctr"/>
+            <a:r>
+              <a:rPr lang="en-DK" dirty="0"/>
+              <a:t>Systolic BP: 123</a:t>
+            </a:r>
+          </a:p>
+          <a:p>
+            <a:pPr algn="ctr"/>
+            <a:r>
+              <a:rPr lang="en-DK" dirty="0"/>
+              <a:t>Diastolic BP: 60</a:t>
+            </a:r>
+          </a:p>
+        </p:txBody>
+      </p:sp>
+      <p:sp>
+        <p:nvSpPr>
+          <p:cNvPr id="7" name="Rounded Rectangle 6">
+            <a:extLst>
+              <a:ext uri="{FF2B5EF4-FFF2-40B4-BE49-F238E27FC236}">
+                <a16:creationId xmlns:a16="http://schemas.microsoft.com/office/drawing/2014/main" id="{B463BA82-8EA8-215C-0D6A-563F959D2CCA}"/>
+              </a:ext>
+            </a:extLst>
+          </p:cNvPr>
+          <p:cNvSpPr/>
+          <p:nvPr/>
+        </p:nvSpPr>
+        <p:spPr>
+          <a:xfrm>
+            <a:off x="2835770" y="5540501"/>
+            <a:ext cx="1572956" cy="914400"/>
+          </a:xfrm>
+          <a:prstGeom prst="roundRect">
+            <a:avLst/>
+          </a:prstGeom>
+        </p:spPr>
+        <p:style>
+          <a:lnRef idx="2">
+            <a:schemeClr val="accent1">
+              <a:shade val="15000"/>
+            </a:schemeClr>
+          </a:lnRef>
+          <a:fillRef idx="1">
+            <a:schemeClr val="accent1"/>
+          </a:fillRef>
+          <a:effectRef idx="0">
+            <a:schemeClr val="accent1"/>
+          </a:effectRef>
+          <a:fontRef idx="minor">
+            <a:schemeClr val="lt1"/>
+          </a:fontRef>
+        </p:style>
+        <p:txBody>
+          <a:bodyPr rtlCol="0" anchor="ctr"/>
+          <a:lstStyle/>
+          <a:p>
+            <a:pPr algn="ctr"/>
+            <a:endParaRPr lang="en-DK" dirty="0"/>
+          </a:p>
+        </p:txBody>
+      </p:sp>
+      <p:sp>
+        <p:nvSpPr>
+          <p:cNvPr id="8" name="Freeform 7">
+            <a:extLst>
+              <a:ext uri="{FF2B5EF4-FFF2-40B4-BE49-F238E27FC236}">
+                <a16:creationId xmlns:a16="http://schemas.microsoft.com/office/drawing/2014/main" id="{7D0C1120-D2D8-C574-3052-239CC06E56C8}"/>
+              </a:ext>
+            </a:extLst>
+          </p:cNvPr>
+          <p:cNvSpPr/>
+          <p:nvPr/>
+        </p:nvSpPr>
+        <p:spPr>
+          <a:xfrm>
+            <a:off x="812910" y="5758934"/>
+            <a:ext cx="2026508" cy="704335"/>
+          </a:xfrm>
+          <a:custGeom>
+            <a:avLst/>
+            <a:gdLst>
+              <a:gd name="connsiteX0" fmla="*/ 0 w 2026508"/>
+              <a:gd name="connsiteY0" fmla="*/ 0 h 704335"/>
+              <a:gd name="connsiteX1" fmla="*/ 24713 w 2026508"/>
+              <a:gd name="connsiteY1" fmla="*/ 111210 h 704335"/>
+              <a:gd name="connsiteX2" fmla="*/ 49427 w 2026508"/>
+              <a:gd name="connsiteY2" fmla="*/ 160638 h 704335"/>
+              <a:gd name="connsiteX3" fmla="*/ 86497 w 2026508"/>
+              <a:gd name="connsiteY3" fmla="*/ 185351 h 704335"/>
+              <a:gd name="connsiteX4" fmla="*/ 160638 w 2026508"/>
+              <a:gd name="connsiteY4" fmla="*/ 259492 h 704335"/>
+              <a:gd name="connsiteX5" fmla="*/ 210065 w 2026508"/>
+              <a:gd name="connsiteY5" fmla="*/ 296562 h 704335"/>
+              <a:gd name="connsiteX6" fmla="*/ 296562 w 2026508"/>
+              <a:gd name="connsiteY6" fmla="*/ 333632 h 704335"/>
+              <a:gd name="connsiteX7" fmla="*/ 395416 w 2026508"/>
+              <a:gd name="connsiteY7" fmla="*/ 383059 h 704335"/>
+              <a:gd name="connsiteX8" fmla="*/ 432486 w 2026508"/>
+              <a:gd name="connsiteY8" fmla="*/ 395416 h 704335"/>
+              <a:gd name="connsiteX9" fmla="*/ 481913 w 2026508"/>
+              <a:gd name="connsiteY9" fmla="*/ 407773 h 704335"/>
+              <a:gd name="connsiteX10" fmla="*/ 531340 w 2026508"/>
+              <a:gd name="connsiteY10" fmla="*/ 432486 h 704335"/>
+              <a:gd name="connsiteX11" fmla="*/ 580767 w 2026508"/>
+              <a:gd name="connsiteY11" fmla="*/ 444843 h 704335"/>
+              <a:gd name="connsiteX12" fmla="*/ 654908 w 2026508"/>
+              <a:gd name="connsiteY12" fmla="*/ 469556 h 704335"/>
+              <a:gd name="connsiteX13" fmla="*/ 864973 w 2026508"/>
+              <a:gd name="connsiteY13" fmla="*/ 457200 h 704335"/>
+              <a:gd name="connsiteX14" fmla="*/ 902043 w 2026508"/>
+              <a:gd name="connsiteY14" fmla="*/ 444843 h 704335"/>
+              <a:gd name="connsiteX15" fmla="*/ 951470 w 2026508"/>
+              <a:gd name="connsiteY15" fmla="*/ 370702 h 704335"/>
+              <a:gd name="connsiteX16" fmla="*/ 939113 w 2026508"/>
+              <a:gd name="connsiteY16" fmla="*/ 284205 h 704335"/>
+              <a:gd name="connsiteX17" fmla="*/ 889686 w 2026508"/>
+              <a:gd name="connsiteY17" fmla="*/ 210065 h 704335"/>
+              <a:gd name="connsiteX18" fmla="*/ 864973 w 2026508"/>
+              <a:gd name="connsiteY18" fmla="*/ 172994 h 704335"/>
+              <a:gd name="connsiteX19" fmla="*/ 827903 w 2026508"/>
+              <a:gd name="connsiteY19" fmla="*/ 148281 h 704335"/>
+              <a:gd name="connsiteX20" fmla="*/ 790832 w 2026508"/>
+              <a:gd name="connsiteY20" fmla="*/ 111210 h 704335"/>
+              <a:gd name="connsiteX21" fmla="*/ 716692 w 2026508"/>
+              <a:gd name="connsiteY21" fmla="*/ 74140 h 704335"/>
+              <a:gd name="connsiteX22" fmla="*/ 679621 w 2026508"/>
+              <a:gd name="connsiteY22" fmla="*/ 86497 h 704335"/>
+              <a:gd name="connsiteX23" fmla="*/ 617838 w 2026508"/>
+              <a:gd name="connsiteY23" fmla="*/ 160638 h 704335"/>
+              <a:gd name="connsiteX24" fmla="*/ 605481 w 2026508"/>
+              <a:gd name="connsiteY24" fmla="*/ 222421 h 704335"/>
+              <a:gd name="connsiteX25" fmla="*/ 593124 w 2026508"/>
+              <a:gd name="connsiteY25" fmla="*/ 259492 h 704335"/>
+              <a:gd name="connsiteX26" fmla="*/ 605481 w 2026508"/>
+              <a:gd name="connsiteY26" fmla="*/ 345989 h 704335"/>
+              <a:gd name="connsiteX27" fmla="*/ 617838 w 2026508"/>
+              <a:gd name="connsiteY27" fmla="*/ 383059 h 704335"/>
+              <a:gd name="connsiteX28" fmla="*/ 654908 w 2026508"/>
+              <a:gd name="connsiteY28" fmla="*/ 407773 h 704335"/>
+              <a:gd name="connsiteX29" fmla="*/ 679621 w 2026508"/>
+              <a:gd name="connsiteY29" fmla="*/ 444843 h 704335"/>
+              <a:gd name="connsiteX30" fmla="*/ 716692 w 2026508"/>
+              <a:gd name="connsiteY30" fmla="*/ 481913 h 704335"/>
+              <a:gd name="connsiteX31" fmla="*/ 741405 w 2026508"/>
+              <a:gd name="connsiteY31" fmla="*/ 531340 h 704335"/>
+              <a:gd name="connsiteX32" fmla="*/ 815546 w 2026508"/>
+              <a:gd name="connsiteY32" fmla="*/ 580767 h 704335"/>
+              <a:gd name="connsiteX33" fmla="*/ 914400 w 2026508"/>
+              <a:gd name="connsiteY33" fmla="*/ 642551 h 704335"/>
+              <a:gd name="connsiteX34" fmla="*/ 988540 w 2026508"/>
+              <a:gd name="connsiteY34" fmla="*/ 679621 h 704335"/>
+              <a:gd name="connsiteX35" fmla="*/ 1087394 w 2026508"/>
+              <a:gd name="connsiteY35" fmla="*/ 704335 h 704335"/>
+              <a:gd name="connsiteX36" fmla="*/ 1186248 w 2026508"/>
+              <a:gd name="connsiteY36" fmla="*/ 691978 h 704335"/>
+              <a:gd name="connsiteX37" fmla="*/ 1272746 w 2026508"/>
+              <a:gd name="connsiteY37" fmla="*/ 667265 h 704335"/>
+              <a:gd name="connsiteX38" fmla="*/ 1334530 w 2026508"/>
+              <a:gd name="connsiteY38" fmla="*/ 580767 h 704335"/>
+              <a:gd name="connsiteX39" fmla="*/ 1383957 w 2026508"/>
+              <a:gd name="connsiteY39" fmla="*/ 531340 h 704335"/>
+              <a:gd name="connsiteX40" fmla="*/ 1433384 w 2026508"/>
+              <a:gd name="connsiteY40" fmla="*/ 457200 h 704335"/>
+              <a:gd name="connsiteX41" fmla="*/ 1445740 w 2026508"/>
+              <a:gd name="connsiteY41" fmla="*/ 420129 h 704335"/>
+              <a:gd name="connsiteX42" fmla="*/ 1433384 w 2026508"/>
+              <a:gd name="connsiteY42" fmla="*/ 383059 h 704335"/>
+              <a:gd name="connsiteX43" fmla="*/ 1346886 w 2026508"/>
+              <a:gd name="connsiteY43" fmla="*/ 296562 h 704335"/>
+              <a:gd name="connsiteX44" fmla="*/ 1248032 w 2026508"/>
+              <a:gd name="connsiteY44" fmla="*/ 284205 h 704335"/>
+              <a:gd name="connsiteX45" fmla="*/ 1235676 w 2026508"/>
+              <a:gd name="connsiteY45" fmla="*/ 321275 h 704335"/>
+              <a:gd name="connsiteX46" fmla="*/ 1248032 w 2026508"/>
+              <a:gd name="connsiteY46" fmla="*/ 506627 h 704335"/>
+              <a:gd name="connsiteX47" fmla="*/ 1272746 w 2026508"/>
+              <a:gd name="connsiteY47" fmla="*/ 580767 h 704335"/>
+              <a:gd name="connsiteX48" fmla="*/ 1346886 w 2026508"/>
+              <a:gd name="connsiteY48" fmla="*/ 617838 h 704335"/>
+              <a:gd name="connsiteX49" fmla="*/ 1569308 w 2026508"/>
+              <a:gd name="connsiteY49" fmla="*/ 593124 h 704335"/>
+              <a:gd name="connsiteX50" fmla="*/ 1606378 w 2026508"/>
+              <a:gd name="connsiteY50" fmla="*/ 568410 h 704335"/>
+              <a:gd name="connsiteX51" fmla="*/ 1655805 w 2026508"/>
+              <a:gd name="connsiteY51" fmla="*/ 494270 h 704335"/>
+              <a:gd name="connsiteX52" fmla="*/ 1680519 w 2026508"/>
+              <a:gd name="connsiteY52" fmla="*/ 457200 h 704335"/>
+              <a:gd name="connsiteX53" fmla="*/ 1717589 w 2026508"/>
+              <a:gd name="connsiteY53" fmla="*/ 432486 h 704335"/>
+              <a:gd name="connsiteX54" fmla="*/ 1742303 w 2026508"/>
+              <a:gd name="connsiteY54" fmla="*/ 395416 h 704335"/>
+              <a:gd name="connsiteX55" fmla="*/ 1816443 w 2026508"/>
+              <a:gd name="connsiteY55" fmla="*/ 358346 h 704335"/>
+              <a:gd name="connsiteX56" fmla="*/ 1853513 w 2026508"/>
+              <a:gd name="connsiteY56" fmla="*/ 333632 h 704335"/>
+              <a:gd name="connsiteX57" fmla="*/ 2026508 w 2026508"/>
+              <a:gd name="connsiteY57" fmla="*/ 321275 h 704335"/>
+            </a:gdLst>
+            <a:ahLst/>
+            <a:cxnLst>
+              <a:cxn ang="0">
+                <a:pos x="connsiteX0" y="connsiteY0"/>
+              </a:cxn>
+              <a:cxn ang="0">
+                <a:pos x="connsiteX1" y="connsiteY1"/>
+              </a:cxn>
+              <a:cxn ang="0">
+                <a:pos x="connsiteX2" y="connsiteY2"/>
+              </a:cxn>
+              <a:cxn ang="0">
+                <a:pos x="connsiteX3" y="connsiteY3"/>
+              </a:cxn>
+              <a:cxn ang="0">
+                <a:pos x="connsiteX4" y="connsiteY4"/>
+              </a:cxn>
+              <a:cxn ang="0">
+                <a:pos x="connsiteX5" y="connsiteY5"/>
+              </a:cxn>
+              <a:cxn ang="0">
+                <a:pos x="connsiteX6" y="connsiteY6"/>
+              </a:cxn>
+              <a:cxn ang="0">
+                <a:pos x="connsiteX7" y="connsiteY7"/>
+              </a:cxn>
+              <a:cxn ang="0">
+                <a:pos x="connsiteX8" y="connsiteY8"/>
+              </a:cxn>
+              <a:cxn ang="0">
+                <a:pos x="connsiteX9" y="connsiteY9"/>
+              </a:cxn>
+              <a:cxn ang="0">
+                <a:pos x="connsiteX10" y="connsiteY10"/>
+              </a:cxn>
+              <a:cxn ang="0">
+                <a:pos x="connsiteX11" y="connsiteY11"/>
+              </a:cxn>
+              <a:cxn ang="0">
+                <a:pos x="connsiteX12" y="connsiteY12"/>
+              </a:cxn>
+              <a:cxn ang="0">
+                <a:pos x="connsiteX13" y="connsiteY13"/>
+              </a:cxn>
+              <a:cxn ang="0">
+                <a:pos x="connsiteX14" y="connsiteY14"/>
+              </a:cxn>
+              <a:cxn ang="0">
+                <a:pos x="connsiteX15" y="connsiteY15"/>
+              </a:cxn>
+              <a:cxn ang="0">
+                <a:pos x="connsiteX16" y="connsiteY16"/>
+              </a:cxn>
+              <a:cxn ang="0">
+                <a:pos x="connsiteX17" y="connsiteY17"/>
+              </a:cxn>
+              <a:cxn ang="0">
+                <a:pos x="connsiteX18" y="connsiteY18"/>
+              </a:cxn>
+              <a:cxn ang="0">
+                <a:pos x="connsiteX19" y="connsiteY19"/>
+              </a:cxn>
+              <a:cxn ang="0">
+                <a:pos x="connsiteX20" y="connsiteY20"/>
+              </a:cxn>
+              <a:cxn ang="0">
+                <a:pos x="connsiteX21" y="connsiteY21"/>
+              </a:cxn>
+              <a:cxn ang="0">
+                <a:pos x="connsiteX22" y="connsiteY22"/>
+              </a:cxn>
+              <a:cxn ang="0">
+                <a:pos x="connsiteX23" y="connsiteY23"/>
+              </a:cxn>
+              <a:cxn ang="0">
+                <a:pos x="connsiteX24" y="connsiteY24"/>
+              </a:cxn>
+              <a:cxn ang="0">
+                <a:pos x="connsiteX25" y="connsiteY25"/>
+              </a:cxn>
+              <a:cxn ang="0">
+                <a:pos x="connsiteX26" y="connsiteY26"/>
+              </a:cxn>
+              <a:cxn ang="0">
+                <a:pos x="connsiteX27" y="connsiteY27"/>
+              </a:cxn>
+              <a:cxn ang="0">
+                <a:pos x="connsiteX28" y="connsiteY28"/>
+              </a:cxn>
+              <a:cxn ang="0">
+                <a:pos x="connsiteX29" y="connsiteY29"/>
+              </a:cxn>
+              <a:cxn ang="0">
+                <a:pos x="connsiteX30" y="connsiteY30"/>
+              </a:cxn>
+              <a:cxn ang="0">
+                <a:pos x="connsiteX31" y="connsiteY31"/>
+              </a:cxn>
+              <a:cxn ang="0">
+                <a:pos x="connsiteX32" y="connsiteY32"/>
+              </a:cxn>
+              <a:cxn ang="0">
+                <a:pos x="connsiteX33" y="connsiteY33"/>
+              </a:cxn>
+              <a:cxn ang="0">
+                <a:pos x="connsiteX34" y="connsiteY34"/>
+              </a:cxn>
+              <a:cxn ang="0">
+                <a:pos x="connsiteX35" y="connsiteY35"/>
+              </a:cxn>
+              <a:cxn ang="0">
+                <a:pos x="connsiteX36" y="connsiteY36"/>
+              </a:cxn>
+              <a:cxn ang="0">
+                <a:pos x="connsiteX37" y="connsiteY37"/>
+              </a:cxn>
+              <a:cxn ang="0">
+                <a:pos x="connsiteX38" y="connsiteY38"/>
+              </a:cxn>
+              <a:cxn ang="0">
+                <a:pos x="connsiteX39" y="connsiteY39"/>
+              </a:cxn>
+              <a:cxn ang="0">
+                <a:pos x="connsiteX40" y="connsiteY40"/>
+              </a:cxn>
+              <a:cxn ang="0">
+                <a:pos x="connsiteX41" y="connsiteY41"/>
+              </a:cxn>
+              <a:cxn ang="0">
+                <a:pos x="connsiteX42" y="connsiteY42"/>
+              </a:cxn>
+              <a:cxn ang="0">
+                <a:pos x="connsiteX43" y="connsiteY43"/>
+              </a:cxn>
+              <a:cxn ang="0">
+                <a:pos x="connsiteX44" y="connsiteY44"/>
+              </a:cxn>
+              <a:cxn ang="0">
+                <a:pos x="connsiteX45" y="connsiteY45"/>
+              </a:cxn>
+              <a:cxn ang="0">
+                <a:pos x="connsiteX46" y="connsiteY46"/>
+              </a:cxn>
+              <a:cxn ang="0">
+                <a:pos x="connsiteX47" y="connsiteY47"/>
+              </a:cxn>
+              <a:cxn ang="0">
+                <a:pos x="connsiteX48" y="connsiteY48"/>
+              </a:cxn>
+              <a:cxn ang="0">
+                <a:pos x="connsiteX49" y="connsiteY49"/>
+              </a:cxn>
+              <a:cxn ang="0">
+                <a:pos x="connsiteX50" y="connsiteY50"/>
+              </a:cxn>
+              <a:cxn ang="0">
+                <a:pos x="connsiteX51" y="connsiteY51"/>
+              </a:cxn>
+              <a:cxn ang="0">
+                <a:pos x="connsiteX52" y="connsiteY52"/>
+              </a:cxn>
+              <a:cxn ang="0">
+                <a:pos x="connsiteX53" y="connsiteY53"/>
+              </a:cxn>
+              <a:cxn ang="0">
+                <a:pos x="connsiteX54" y="connsiteY54"/>
+              </a:cxn>
+              <a:cxn ang="0">
+                <a:pos x="connsiteX55" y="connsiteY55"/>
+              </a:cxn>
+              <a:cxn ang="0">
+                <a:pos x="connsiteX56" y="connsiteY56"/>
+              </a:cxn>
+              <a:cxn ang="0">
+                <a:pos x="connsiteX57" y="connsiteY57"/>
+              </a:cxn>
+            </a:cxnLst>
+            <a:rect l="l" t="t" r="r" b="b"/>
+            <a:pathLst>
+              <a:path w="2026508" h="704335">
+                <a:moveTo>
+                  <a:pt x="0" y="0"/>
+                </a:moveTo>
+                <a:cubicBezTo>
+                  <a:pt x="7405" y="44426"/>
+                  <a:pt x="8122" y="72498"/>
+                  <a:pt x="24713" y="111210"/>
+                </a:cubicBezTo>
+                <a:cubicBezTo>
+                  <a:pt x="31969" y="128141"/>
+                  <a:pt x="37634" y="146487"/>
+                  <a:pt x="49427" y="160638"/>
+                </a:cubicBezTo>
+                <a:cubicBezTo>
+                  <a:pt x="58934" y="172047"/>
+                  <a:pt x="75397" y="175485"/>
+                  <a:pt x="86497" y="185351"/>
+                </a:cubicBezTo>
+                <a:cubicBezTo>
+                  <a:pt x="112619" y="208571"/>
+                  <a:pt x="132678" y="238522"/>
+                  <a:pt x="160638" y="259492"/>
+                </a:cubicBezTo>
+                <a:cubicBezTo>
+                  <a:pt x="177114" y="271849"/>
+                  <a:pt x="192601" y="285647"/>
+                  <a:pt x="210065" y="296562"/>
+                </a:cubicBezTo>
+                <a:cubicBezTo>
+                  <a:pt x="281203" y="341023"/>
+                  <a:pt x="234903" y="305605"/>
+                  <a:pt x="296562" y="333632"/>
+                </a:cubicBezTo>
+                <a:cubicBezTo>
+                  <a:pt x="330101" y="348877"/>
+                  <a:pt x="360466" y="371409"/>
+                  <a:pt x="395416" y="383059"/>
+                </a:cubicBezTo>
+                <a:cubicBezTo>
+                  <a:pt x="407773" y="387178"/>
+                  <a:pt x="419962" y="391838"/>
+                  <a:pt x="432486" y="395416"/>
+                </a:cubicBezTo>
+                <a:cubicBezTo>
+                  <a:pt x="448815" y="400082"/>
+                  <a:pt x="466012" y="401810"/>
+                  <a:pt x="481913" y="407773"/>
+                </a:cubicBezTo>
+                <a:cubicBezTo>
+                  <a:pt x="499160" y="414241"/>
+                  <a:pt x="514093" y="426018"/>
+                  <a:pt x="531340" y="432486"/>
+                </a:cubicBezTo>
+                <a:cubicBezTo>
+                  <a:pt x="547241" y="438449"/>
+                  <a:pt x="564500" y="439963"/>
+                  <a:pt x="580767" y="444843"/>
+                </a:cubicBezTo>
+                <a:cubicBezTo>
+                  <a:pt x="605719" y="452328"/>
+                  <a:pt x="654908" y="469556"/>
+                  <a:pt x="654908" y="469556"/>
+                </a:cubicBezTo>
+                <a:cubicBezTo>
+                  <a:pt x="724930" y="465437"/>
+                  <a:pt x="795178" y="464179"/>
+                  <a:pt x="864973" y="457200"/>
+                </a:cubicBezTo>
+                <a:cubicBezTo>
+                  <a:pt x="877933" y="455904"/>
+                  <a:pt x="892833" y="454053"/>
+                  <a:pt x="902043" y="444843"/>
+                </a:cubicBezTo>
+                <a:cubicBezTo>
+                  <a:pt x="923045" y="423840"/>
+                  <a:pt x="951470" y="370702"/>
+                  <a:pt x="951470" y="370702"/>
+                </a:cubicBezTo>
+                <a:cubicBezTo>
+                  <a:pt x="947351" y="341870"/>
+                  <a:pt x="949568" y="311389"/>
+                  <a:pt x="939113" y="284205"/>
+                </a:cubicBezTo>
+                <a:cubicBezTo>
+                  <a:pt x="928451" y="256483"/>
+                  <a:pt x="906161" y="234778"/>
+                  <a:pt x="889686" y="210065"/>
+                </a:cubicBezTo>
+                <a:cubicBezTo>
+                  <a:pt x="881448" y="197708"/>
+                  <a:pt x="877330" y="181232"/>
+                  <a:pt x="864973" y="172994"/>
+                </a:cubicBezTo>
+                <a:cubicBezTo>
+                  <a:pt x="852616" y="164756"/>
+                  <a:pt x="839312" y="157788"/>
+                  <a:pt x="827903" y="148281"/>
+                </a:cubicBezTo>
+                <a:cubicBezTo>
+                  <a:pt x="814478" y="137094"/>
+                  <a:pt x="804257" y="122397"/>
+                  <a:pt x="790832" y="111210"/>
+                </a:cubicBezTo>
+                <a:cubicBezTo>
+                  <a:pt x="758895" y="84596"/>
+                  <a:pt x="753844" y="86524"/>
+                  <a:pt x="716692" y="74140"/>
+                </a:cubicBezTo>
+                <a:cubicBezTo>
+                  <a:pt x="704335" y="78259"/>
+                  <a:pt x="690459" y="79272"/>
+                  <a:pt x="679621" y="86497"/>
+                </a:cubicBezTo>
+                <a:cubicBezTo>
+                  <a:pt x="651077" y="105526"/>
+                  <a:pt x="636074" y="133283"/>
+                  <a:pt x="617838" y="160638"/>
+                </a:cubicBezTo>
+                <a:cubicBezTo>
+                  <a:pt x="613719" y="181232"/>
+                  <a:pt x="610575" y="202046"/>
+                  <a:pt x="605481" y="222421"/>
+                </a:cubicBezTo>
+                <a:cubicBezTo>
+                  <a:pt x="602322" y="235058"/>
+                  <a:pt x="593124" y="246467"/>
+                  <a:pt x="593124" y="259492"/>
+                </a:cubicBezTo>
+                <a:cubicBezTo>
+                  <a:pt x="593124" y="288617"/>
+                  <a:pt x="599769" y="317430"/>
+                  <a:pt x="605481" y="345989"/>
+                </a:cubicBezTo>
+                <a:cubicBezTo>
+                  <a:pt x="608035" y="358761"/>
+                  <a:pt x="609701" y="372888"/>
+                  <a:pt x="617838" y="383059"/>
+                </a:cubicBezTo>
+                <a:cubicBezTo>
+                  <a:pt x="627115" y="394656"/>
+                  <a:pt x="642551" y="399535"/>
+                  <a:pt x="654908" y="407773"/>
+                </a:cubicBezTo>
+                <a:cubicBezTo>
+                  <a:pt x="663146" y="420130"/>
+                  <a:pt x="670114" y="433434"/>
+                  <a:pt x="679621" y="444843"/>
+                </a:cubicBezTo>
+                <a:cubicBezTo>
+                  <a:pt x="690808" y="458268"/>
+                  <a:pt x="706535" y="467693"/>
+                  <a:pt x="716692" y="481913"/>
+                </a:cubicBezTo>
+                <a:cubicBezTo>
+                  <a:pt x="727399" y="496902"/>
+                  <a:pt x="728380" y="518315"/>
+                  <a:pt x="741405" y="531340"/>
+                </a:cubicBezTo>
+                <a:cubicBezTo>
+                  <a:pt x="762408" y="552343"/>
+                  <a:pt x="791785" y="562946"/>
+                  <a:pt x="815546" y="580767"/>
+                </a:cubicBezTo>
+                <a:cubicBezTo>
+                  <a:pt x="910055" y="651650"/>
+                  <a:pt x="819411" y="588271"/>
+                  <a:pt x="914400" y="642551"/>
+                </a:cubicBezTo>
+                <a:cubicBezTo>
+                  <a:pt x="965753" y="671896"/>
+                  <a:pt x="934359" y="664845"/>
+                  <a:pt x="988540" y="679621"/>
+                </a:cubicBezTo>
+                <a:cubicBezTo>
+                  <a:pt x="1021309" y="688558"/>
+                  <a:pt x="1087394" y="704335"/>
+                  <a:pt x="1087394" y="704335"/>
+                </a:cubicBezTo>
+                <a:cubicBezTo>
+                  <a:pt x="1120345" y="700216"/>
+                  <a:pt x="1153492" y="697437"/>
+                  <a:pt x="1186248" y="691978"/>
+                </a:cubicBezTo>
+                <a:cubicBezTo>
+                  <a:pt x="1217277" y="686806"/>
+                  <a:pt x="1243366" y="677058"/>
+                  <a:pt x="1272746" y="667265"/>
+                </a:cubicBezTo>
+                <a:cubicBezTo>
+                  <a:pt x="1384565" y="555443"/>
+                  <a:pt x="1236938" y="710888"/>
+                  <a:pt x="1334530" y="580767"/>
+                </a:cubicBezTo>
+                <a:cubicBezTo>
+                  <a:pt x="1348510" y="562127"/>
+                  <a:pt x="1369401" y="549534"/>
+                  <a:pt x="1383957" y="531340"/>
+                </a:cubicBezTo>
+                <a:cubicBezTo>
+                  <a:pt x="1402512" y="508147"/>
+                  <a:pt x="1433384" y="457200"/>
+                  <a:pt x="1433384" y="457200"/>
+                </a:cubicBezTo>
+                <a:cubicBezTo>
+                  <a:pt x="1437503" y="444843"/>
+                  <a:pt x="1445740" y="433154"/>
+                  <a:pt x="1445740" y="420129"/>
+                </a:cubicBezTo>
+                <a:cubicBezTo>
+                  <a:pt x="1445740" y="407104"/>
+                  <a:pt x="1439709" y="394445"/>
+                  <a:pt x="1433384" y="383059"/>
+                </a:cubicBezTo>
+                <a:cubicBezTo>
+                  <a:pt x="1388320" y="301944"/>
+                  <a:pt x="1407053" y="316618"/>
+                  <a:pt x="1346886" y="296562"/>
+                </a:cubicBezTo>
+                <a:cubicBezTo>
+                  <a:pt x="1311235" y="272794"/>
+                  <a:pt x="1297658" y="251121"/>
+                  <a:pt x="1248032" y="284205"/>
+                </a:cubicBezTo>
+                <a:cubicBezTo>
+                  <a:pt x="1237195" y="291430"/>
+                  <a:pt x="1239795" y="308918"/>
+                  <a:pt x="1235676" y="321275"/>
+                </a:cubicBezTo>
+                <a:cubicBezTo>
+                  <a:pt x="1239795" y="383059"/>
+                  <a:pt x="1239275" y="445328"/>
+                  <a:pt x="1248032" y="506627"/>
+                </a:cubicBezTo>
+                <a:cubicBezTo>
+                  <a:pt x="1251716" y="532415"/>
+                  <a:pt x="1251071" y="566317"/>
+                  <a:pt x="1272746" y="580767"/>
+                </a:cubicBezTo>
+                <a:cubicBezTo>
+                  <a:pt x="1320653" y="612706"/>
+                  <a:pt x="1295727" y="600785"/>
+                  <a:pt x="1346886" y="617838"/>
+                </a:cubicBezTo>
+                <a:cubicBezTo>
+                  <a:pt x="1370044" y="616294"/>
+                  <a:pt x="1510346" y="622606"/>
+                  <a:pt x="1569308" y="593124"/>
+                </a:cubicBezTo>
+                <a:cubicBezTo>
+                  <a:pt x="1582591" y="586482"/>
+                  <a:pt x="1594021" y="576648"/>
+                  <a:pt x="1606378" y="568410"/>
+                </a:cubicBezTo>
+                <a:lnTo>
+                  <a:pt x="1655805" y="494270"/>
+                </a:lnTo>
+                <a:cubicBezTo>
+                  <a:pt x="1664043" y="481913"/>
+                  <a:pt x="1668162" y="465438"/>
+                  <a:pt x="1680519" y="457200"/>
+                </a:cubicBezTo>
+                <a:lnTo>
+                  <a:pt x="1717589" y="432486"/>
+                </a:lnTo>
+                <a:cubicBezTo>
+                  <a:pt x="1725827" y="420129"/>
+                  <a:pt x="1731802" y="405917"/>
+                  <a:pt x="1742303" y="395416"/>
+                </a:cubicBezTo>
+                <a:cubicBezTo>
+                  <a:pt x="1766259" y="371460"/>
+                  <a:pt x="1786291" y="368396"/>
+                  <a:pt x="1816443" y="358346"/>
+                </a:cubicBezTo>
+                <a:cubicBezTo>
+                  <a:pt x="1828800" y="350108"/>
+                  <a:pt x="1840230" y="340274"/>
+                  <a:pt x="1853513" y="333632"/>
+                </a:cubicBezTo>
+                <a:cubicBezTo>
+                  <a:pt x="1906882" y="306947"/>
+                  <a:pt x="1970382" y="321275"/>
+                  <a:pt x="2026508" y="321275"/>
+                </a:cubicBezTo>
+              </a:path>
+            </a:pathLst>
+          </a:custGeom>
+          <a:ln>
+            <a:headEnd type="none" w="med" len="med"/>
+            <a:tailEnd type="arrow" w="med" len="med"/>
+          </a:ln>
+        </p:spPr>
+        <p:style>
+          <a:lnRef idx="3">
+            <a:schemeClr val="dk1"/>
+          </a:lnRef>
+          <a:fillRef idx="0">
+            <a:schemeClr val="dk1"/>
+          </a:fillRef>
+          <a:effectRef idx="2">
+            <a:schemeClr val="dk1"/>
+          </a:effectRef>
+          <a:fontRef idx="minor">
+            <a:schemeClr val="tx1"/>
+          </a:fontRef>
+        </p:style>
+        <p:txBody>
+          <a:bodyPr rtlCol="0" anchor="ctr"/>
+          <a:lstStyle/>
+          <a:p>
+            <a:pPr algn="ctr"/>
+            <a:endParaRPr lang="en-DK"/>
+          </a:p>
+        </p:txBody>
+      </p:sp>
+      <p:cxnSp>
+        <p:nvCxnSpPr>
+          <p:cNvPr id="10" name="Straight Arrow Connector 9">
+            <a:extLst>
+              <a:ext uri="{FF2B5EF4-FFF2-40B4-BE49-F238E27FC236}">
+                <a16:creationId xmlns:a16="http://schemas.microsoft.com/office/drawing/2014/main" id="{EF9716A1-4F9D-9F50-B996-6C6E82BFAFC1}"/>
+              </a:ext>
+            </a:extLst>
+          </p:cNvPr>
+          <p:cNvCxnSpPr>
+            <a:cxnSpLocks/>
+            <a:stCxn id="7" idx="3"/>
+            <a:endCxn id="6" idx="1"/>
+          </p:cNvCxnSpPr>
+          <p:nvPr/>
+        </p:nvCxnSpPr>
+        <p:spPr>
+          <a:xfrm>
+            <a:off x="4408726" y="5997701"/>
+            <a:ext cx="1258557" cy="0"/>
+          </a:xfrm>
+          <a:prstGeom prst="straightConnector1">
+            <a:avLst/>
+          </a:prstGeom>
+          <a:ln w="28575" cap="flat" cmpd="sng" algn="ctr">
+            <a:solidFill>
+              <a:schemeClr val="dk1"/>
+            </a:solidFill>
+            <a:prstDash val="solid"/>
+            <a:round/>
+            <a:headEnd type="none" w="med" len="med"/>
+            <a:tailEnd type="arrow" w="med" len="med"/>
+          </a:ln>
+        </p:spPr>
+        <p:style>
+          <a:lnRef idx="0">
+            <a:scrgbClr r="0" g="0" b="0"/>
+          </a:lnRef>
+          <a:fillRef idx="0">
+            <a:scrgbClr r="0" g="0" b="0"/>
+          </a:fillRef>
+          <a:effectRef idx="0">
+            <a:scrgbClr r="0" g="0" b="0"/>
+          </a:effectRef>
+          <a:fontRef idx="minor">
+            <a:schemeClr val="tx1"/>
+          </a:fontRef>
+        </p:style>
+      </p:cxnSp>
+      <p:sp>
+        <p:nvSpPr>
+          <p:cNvPr id="14" name="TextBox 13">
+            <a:extLst>
+              <a:ext uri="{FF2B5EF4-FFF2-40B4-BE49-F238E27FC236}">
+                <a16:creationId xmlns:a16="http://schemas.microsoft.com/office/drawing/2014/main" id="{2F72DED8-215F-B56F-3276-69B987B8E9B7}"/>
+              </a:ext>
+            </a:extLst>
+          </p:cNvPr>
+          <p:cNvSpPr txBox="1"/>
+          <p:nvPr/>
+        </p:nvSpPr>
+        <p:spPr>
+          <a:xfrm>
+            <a:off x="2080411" y="5435768"/>
+            <a:ext cx="694357" cy="646331"/>
           </a:xfrm>
           <a:prstGeom prst="rect">
             <a:avLst/>
           </a:prstGeom>
           <a:noFill/>
-          <a:ln>
-            <a:noFill/>
-          </a:ln>
-          <a:effectLst/>
-          <a:extLst>
-            <a:ext uri="{909E8E84-426E-40DD-AFC4-6F175D3DCCD1}">
-              <a14:hiddenFill xmlns:a14="http://schemas.microsoft.com/office/drawing/2010/main">
-                <a:solidFill>
-                  <a:schemeClr val="accent1"/>
-                </a:solidFill>
-              </a14:hiddenFill>
-            </a:ext>
-            <a:ext uri="{91240B29-F687-4F45-9708-019B960494DF}">
-              <a14:hiddenLine xmlns:a14="http://schemas.microsoft.com/office/drawing/2010/main" w="9525">
-                <a:solidFill>
-                  <a:schemeClr val="tx1"/>
-                </a:solidFill>
-                <a:miter lim="800000"/>
-                <a:headEnd/>
-                <a:tailEnd/>
-              </a14:hiddenLine>
-            </a:ext>
-            <a:ext uri="{AF507438-7753-43E0-B8FC-AC1667EBCBE1}">
-              <a14:hiddenEffects xmlns:a14="http://schemas.microsoft.com/office/drawing/2010/main">
-                <a:effectLst>
-                  <a:outerShdw dist="35921" dir="2700000" algn="ctr" rotWithShape="0">
-                    <a:schemeClr val="bg2"/>
-                  </a:outerShdw>
-                </a:effectLst>
-              </a14:hiddenEffects>
-            </a:ext>
-          </a:extLst>
         </p:spPr>
-      </p:pic>
+        <p:txBody>
+          <a:bodyPr wrap="none" rtlCol="0">
+            <a:spAutoFit/>
+          </a:bodyPr>
+          <a:lstStyle/>
+          <a:p>
+            <a:r>
+              <a:rPr lang="en-DK" sz="1200" dirty="0"/>
+              <a:t>Sys: 123</a:t>
+            </a:r>
+          </a:p>
+          <a:p>
+            <a:r>
+              <a:rPr lang="en-DK" sz="1200" dirty="0"/>
+              <a:t>Dia: 60</a:t>
+            </a:r>
+          </a:p>
+          <a:p>
+            <a:r>
+              <a:rPr lang="en-DK" sz="1200" dirty="0"/>
+              <a:t>*Done*</a:t>
+            </a:r>
+          </a:p>
+        </p:txBody>
+      </p:sp>
+      <p:sp>
+        <p:nvSpPr>
+          <p:cNvPr id="15" name="TextBox 14">
+            <a:extLst>
+              <a:ext uri="{FF2B5EF4-FFF2-40B4-BE49-F238E27FC236}">
+                <a16:creationId xmlns:a16="http://schemas.microsoft.com/office/drawing/2014/main" id="{BAD6D28C-7A95-1994-1CF6-78BDEEB5927D}"/>
+              </a:ext>
+            </a:extLst>
+          </p:cNvPr>
+          <p:cNvSpPr txBox="1"/>
+          <p:nvPr/>
+        </p:nvSpPr>
+        <p:spPr>
+          <a:xfrm>
+            <a:off x="2774768" y="6488668"/>
+            <a:ext cx="1598194" cy="369332"/>
+          </a:xfrm>
+          <a:prstGeom prst="rect">
+            <a:avLst/>
+          </a:prstGeom>
+          <a:noFill/>
+        </p:spPr>
+        <p:txBody>
+          <a:bodyPr wrap="none" rtlCol="0">
+            <a:spAutoFit/>
+          </a:bodyPr>
+          <a:lstStyle/>
+          <a:p>
+            <a:r>
+              <a:rPr lang="en-DK" dirty="0"/>
+              <a:t>Meassurement</a:t>
+            </a:r>
+          </a:p>
+        </p:txBody>
+      </p:sp>
+      <p:sp>
+        <p:nvSpPr>
+          <p:cNvPr id="16" name="TextBox 15">
+            <a:extLst>
+              <a:ext uri="{FF2B5EF4-FFF2-40B4-BE49-F238E27FC236}">
+                <a16:creationId xmlns:a16="http://schemas.microsoft.com/office/drawing/2014/main" id="{FFD2394D-0D50-25B7-245C-63C7805B0F82}"/>
+              </a:ext>
+            </a:extLst>
+          </p:cNvPr>
+          <p:cNvSpPr txBox="1"/>
+          <p:nvPr/>
+        </p:nvSpPr>
+        <p:spPr>
+          <a:xfrm>
+            <a:off x="6409517" y="6456412"/>
+            <a:ext cx="855234" cy="369332"/>
+          </a:xfrm>
+          <a:prstGeom prst="rect">
+            <a:avLst/>
+          </a:prstGeom>
+          <a:noFill/>
+        </p:spPr>
+        <p:txBody>
+          <a:bodyPr wrap="none" rtlCol="0">
+            <a:spAutoFit/>
+          </a:bodyPr>
+          <a:lstStyle/>
+          <a:p>
+            <a:r>
+              <a:rPr lang="en-DK" dirty="0"/>
+              <a:t>Display</a:t>
+            </a:r>
+          </a:p>
+        </p:txBody>
+      </p:sp>
     </p:spTree>
     <p:extLst>
       <p:ext uri="{BB962C8B-B14F-4D97-AF65-F5344CB8AC3E}">
-        <p14:creationId xmlns:p14="http://schemas.microsoft.com/office/powerpoint/2010/main" val="918554087"/>
+        <p14:creationId xmlns:p14="http://schemas.microsoft.com/office/powerpoint/2010/main" val="1989962074"/>
       </p:ext>
     </p:extLst>
   </p:cSld>
   <p:clrMapOvr>
     <a:masterClrMapping/>
   </p:clrMapOvr>
-  <mc:AlternateContent xmlns:mc="http://schemas.openxmlformats.org/markup-compatibility/2006" xmlns:p14="http://schemas.microsoft.com/office/powerpoint/2010/main">
-    <mc:Choice Requires="p14">
-      <p:transition spd="slow" p14:dur="2000"/>
-    </mc:Choice>
-    <mc:Fallback xmlns="">
-      <p:transition spd="slow"/>
-    </mc:Fallback>
-  </mc:AlternateContent>
-  <p:timing>
-    <p:tnLst>
-      <p:par>
-        <p:cTn id="1" dur="indefinite" restart="never" nodeType="tmRoot"/>
-      </p:par>
-    </p:tnLst>
-  </p:timing>
 </p:sld>
 </file>
 
